--- a/ppt/Kafka.pptx
+++ b/ppt/Kafka.pptx
@@ -7,6 +7,22 @@
   <p:sldIdLst>
     <p:sldId id="256" r:id="rId2"/>
     <p:sldId id="257" r:id="rId3"/>
+    <p:sldId id="259" r:id="rId4"/>
+    <p:sldId id="258" r:id="rId5"/>
+    <p:sldId id="260" r:id="rId6"/>
+    <p:sldId id="261" r:id="rId7"/>
+    <p:sldId id="262" r:id="rId8"/>
+    <p:sldId id="263" r:id="rId9"/>
+    <p:sldId id="264" r:id="rId10"/>
+    <p:sldId id="265" r:id="rId11"/>
+    <p:sldId id="266" r:id="rId12"/>
+    <p:sldId id="267" r:id="rId13"/>
+    <p:sldId id="268" r:id="rId14"/>
+    <p:sldId id="269" r:id="rId15"/>
+    <p:sldId id="272" r:id="rId16"/>
+    <p:sldId id="273" r:id="rId17"/>
+    <p:sldId id="270" r:id="rId18"/>
+    <p:sldId id="271" r:id="rId19"/>
   </p:sldIdLst>
   <p:sldSz cx="12192000" cy="6858000"/>
   <p:notesSz cx="6858000" cy="9144000"/>
@@ -105,6 +121,11 @@
       </a:defRPr>
     </a:lvl9pPr>
   </p:defaultTextStyle>
+  <p:extLst>
+    <p:ext uri="{EFAFB233-063F-42B5-8137-9DF3F51BA10A}">
+      <p15:sldGuideLst xmlns:p15="http://schemas.microsoft.com/office/powerpoint/2012/main"/>
+    </p:ext>
+  </p:extLst>
 </p:presentation>
 </file>
 
@@ -831,7 +852,7 @@
             <a:fld id="{B61BEF0D-F0BB-DE4B-95CE-6DB70DBA9567}" type="datetimeFigureOut">
               <a:rPr lang="en-US" dirty="0"/>
               <a:pPr/>
-              <a:t>2/28/2017</a:t>
+              <a:t>3/3/2017</a:t>
             </a:fld>
             <a:endParaRPr lang="en-US" dirty="0"/>
           </a:p>
@@ -1079,7 +1100,7 @@
             <a:fld id="{B61BEF0D-F0BB-DE4B-95CE-6DB70DBA9567}" type="datetimeFigureOut">
               <a:rPr lang="en-US" dirty="0"/>
               <a:pPr/>
-              <a:t>2/28/2017</a:t>
+              <a:t>3/3/2017</a:t>
             </a:fld>
             <a:endParaRPr lang="en-US" dirty="0"/>
           </a:p>
@@ -1390,7 +1411,7 @@
             <a:fld id="{B61BEF0D-F0BB-DE4B-95CE-6DB70DBA9567}" type="datetimeFigureOut">
               <a:rPr lang="en-US" dirty="0"/>
               <a:pPr/>
-              <a:t>2/28/2017</a:t>
+              <a:t>3/3/2017</a:t>
             </a:fld>
             <a:endParaRPr lang="en-US" dirty="0"/>
           </a:p>
@@ -1728,7 +1749,7 @@
             <a:fld id="{B61BEF0D-F0BB-DE4B-95CE-6DB70DBA9567}" type="datetimeFigureOut">
               <a:rPr lang="en-US" dirty="0"/>
               <a:pPr/>
-              <a:t>2/28/2017</a:t>
+              <a:t>3/3/2017</a:t>
             </a:fld>
             <a:endParaRPr lang="en-US" dirty="0"/>
           </a:p>
@@ -2039,7 +2060,7 @@
             <a:fld id="{B61BEF0D-F0BB-DE4B-95CE-6DB70DBA9567}" type="datetimeFigureOut">
               <a:rPr lang="en-US" dirty="0"/>
               <a:pPr/>
-              <a:t>2/28/2017</a:t>
+              <a:t>3/3/2017</a:t>
             </a:fld>
             <a:endParaRPr lang="en-US" dirty="0"/>
           </a:p>
@@ -2429,7 +2450,7 @@
             <a:fld id="{B61BEF0D-F0BB-DE4B-95CE-6DB70DBA9567}" type="datetimeFigureOut">
               <a:rPr lang="en-US" dirty="0"/>
               <a:pPr/>
-              <a:t>2/28/2017</a:t>
+              <a:t>3/3/2017</a:t>
             </a:fld>
             <a:endParaRPr lang="en-US" dirty="0"/>
           </a:p>
@@ -2595,7 +2616,7 @@
           <a:p>
             <a:fld id="{55C6B4A9-1611-4792-9094-5F34BCA07E0B}" type="datetimeFigureOut">
               <a:rPr lang="en-US" dirty="0"/>
-              <a:t>2/28/2017</a:t>
+              <a:t>3/3/2017</a:t>
             </a:fld>
             <a:endParaRPr lang="en-US" dirty="0"/>
           </a:p>
@@ -2771,7 +2792,7 @@
             <a:fld id="{B61BEF0D-F0BB-DE4B-95CE-6DB70DBA9567}" type="datetimeFigureOut">
               <a:rPr lang="en-US" dirty="0"/>
               <a:pPr/>
-              <a:t>2/28/2017</a:t>
+              <a:t>3/3/2017</a:t>
             </a:fld>
             <a:endParaRPr lang="en-US" dirty="0"/>
           </a:p>
@@ -2944,7 +2965,7 @@
             <a:fld id="{B61BEF0D-F0BB-DE4B-95CE-6DB70DBA9567}" type="datetimeFigureOut">
               <a:rPr lang="en-US" dirty="0"/>
               <a:pPr/>
-              <a:t>2/28/2017</a:t>
+              <a:t>3/3/2017</a:t>
             </a:fld>
             <a:endParaRPr lang="en-US" dirty="0"/>
           </a:p>
@@ -3188,7 +3209,7 @@
             <a:fld id="{B61BEF0D-F0BB-DE4B-95CE-6DB70DBA9567}" type="datetimeFigureOut">
               <a:rPr lang="en-US" dirty="0"/>
               <a:pPr/>
-              <a:t>2/28/2017</a:t>
+              <a:t>3/3/2017</a:t>
             </a:fld>
             <a:endParaRPr lang="en-US" dirty="0"/>
           </a:p>
@@ -3416,7 +3437,7 @@
           <a:p>
             <a:fld id="{EB712588-04B1-427B-82EE-E8DB90309F08}" type="datetimeFigureOut">
               <a:rPr lang="en-US" dirty="0"/>
-              <a:t>2/28/2017</a:t>
+              <a:t>3/3/2017</a:t>
             </a:fld>
             <a:endParaRPr lang="en-US" dirty="0"/>
           </a:p>
@@ -3786,7 +3807,7 @@
             <a:fld id="{B61BEF0D-F0BB-DE4B-95CE-6DB70DBA9567}" type="datetimeFigureOut">
               <a:rPr lang="en-US" dirty="0"/>
               <a:pPr/>
-              <a:t>2/28/2017</a:t>
+              <a:t>3/3/2017</a:t>
             </a:fld>
             <a:endParaRPr lang="en-US" dirty="0"/>
           </a:p>
@@ -3906,7 +3927,7 @@
             <a:fld id="{B61BEF0D-F0BB-DE4B-95CE-6DB70DBA9567}" type="datetimeFigureOut">
               <a:rPr lang="en-US" dirty="0"/>
               <a:pPr/>
-              <a:t>2/28/2017</a:t>
+              <a:t>3/3/2017</a:t>
             </a:fld>
             <a:endParaRPr lang="en-US" dirty="0"/>
           </a:p>
@@ -3998,7 +4019,7 @@
             <a:fld id="{B61BEF0D-F0BB-DE4B-95CE-6DB70DBA9567}" type="datetimeFigureOut">
               <a:rPr lang="en-US" dirty="0"/>
               <a:pPr/>
-              <a:t>2/28/2017</a:t>
+              <a:t>3/3/2017</a:t>
             </a:fld>
             <a:endParaRPr lang="en-US" dirty="0"/>
           </a:p>
@@ -4249,7 +4270,7 @@
           <a:p>
             <a:fld id="{42A54C80-263E-416B-A8E0-580EDEADCBDC}" type="datetimeFigureOut">
               <a:rPr lang="en-US" dirty="0"/>
-              <a:t>2/28/2017</a:t>
+              <a:t>3/3/2017</a:t>
             </a:fld>
             <a:endParaRPr lang="en-US" dirty="0"/>
           </a:p>
@@ -4508,7 +4529,7 @@
             <a:fld id="{B61BEF0D-F0BB-DE4B-95CE-6DB70DBA9567}" type="datetimeFigureOut">
               <a:rPr lang="en-US" dirty="0"/>
               <a:pPr/>
-              <a:t>2/28/2017</a:t>
+              <a:t>3/3/2017</a:t>
             </a:fld>
             <a:endParaRPr lang="en-US" dirty="0"/>
           </a:p>
@@ -5248,7 +5269,7 @@
             <a:fld id="{B61BEF0D-F0BB-DE4B-95CE-6DB70DBA9567}" type="datetimeFigureOut">
               <a:rPr lang="en-US" dirty="0"/>
               <a:pPr/>
-              <a:t>2/28/2017</a:t>
+              <a:t>3/3/2017</a:t>
             </a:fld>
             <a:endParaRPr lang="en-US" dirty="0"/>
           </a:p>
@@ -5827,6 +5848,1136 @@
 </p:sld>
 </file>
 
+<file path=ppt/slides/slide10.xml><?xml version="1.0" encoding="utf-8"?>
+<p:sld xmlns:a="http://schemas.openxmlformats.org/drawingml/2006/main" xmlns:r="http://schemas.openxmlformats.org/officeDocument/2006/relationships" xmlns:p="http://schemas.openxmlformats.org/presentationml/2006/main">
+  <p:cSld>
+    <p:spTree>
+      <p:nvGrpSpPr>
+        <p:cNvPr id="1" name=""/>
+        <p:cNvGrpSpPr/>
+        <p:nvPr/>
+      </p:nvGrpSpPr>
+      <p:grpSpPr>
+        <a:xfrm>
+          <a:off x="0" y="0"/>
+          <a:ext cx="0" cy="0"/>
+          <a:chOff x="0" y="0"/>
+          <a:chExt cx="0" cy="0"/>
+        </a:xfrm>
+      </p:grpSpPr>
+      <p:sp>
+        <p:nvSpPr>
+          <p:cNvPr id="2" name="Title 1"/>
+          <p:cNvSpPr>
+            <a:spLocks noGrp="1"/>
+          </p:cNvSpPr>
+          <p:nvPr>
+            <p:ph type="title"/>
+          </p:nvPr>
+        </p:nvSpPr>
+        <p:spPr/>
+        <p:txBody>
+          <a:bodyPr/>
+          <a:lstStyle/>
+          <a:p>
+            <a:r>
+              <a:rPr lang="en-US" b="1" dirty="0">
+                <a:hlinkClick r:id="rId2"/>
+              </a:rPr>
+              <a:t>Distribution</a:t>
+            </a:r>
+            <a:r>
+              <a:rPr lang="en-US" b="1" dirty="0"/>
+              <a:t/>
+            </a:r>
+            <a:br>
+              <a:rPr lang="en-US" b="1" dirty="0"/>
+            </a:br>
+            <a:endParaRPr lang="en-US" dirty="0"/>
+          </a:p>
+        </p:txBody>
+      </p:sp>
+      <p:sp>
+        <p:nvSpPr>
+          <p:cNvPr id="3" name="Content Placeholder 2"/>
+          <p:cNvSpPr>
+            <a:spLocks noGrp="1"/>
+          </p:cNvSpPr>
+          <p:nvPr>
+            <p:ph idx="1"/>
+          </p:nvPr>
+        </p:nvSpPr>
+        <p:spPr/>
+        <p:txBody>
+          <a:bodyPr/>
+          <a:lstStyle/>
+          <a:p>
+            <a:r>
+              <a:rPr lang="en-US" dirty="0"/>
+              <a:t>Each partition has one server which acts as the "leader" and zero or more servers which act as "followers". </a:t>
+            </a:r>
+            <a:endParaRPr lang="en-US" dirty="0" smtClean="0"/>
+          </a:p>
+          <a:p>
+            <a:r>
+              <a:rPr lang="en-US" dirty="0" smtClean="0"/>
+              <a:t>The </a:t>
+            </a:r>
+            <a:r>
+              <a:rPr lang="en-US" dirty="0"/>
+              <a:t>leader handles all read and write requests for the partition while the followers passively replicate the leader. </a:t>
+            </a:r>
+            <a:endParaRPr lang="en-US" dirty="0" smtClean="0"/>
+          </a:p>
+          <a:p>
+            <a:r>
+              <a:rPr lang="en-US" dirty="0"/>
+              <a:t>If the leader fails, one of the followers will automatically become the new leader. </a:t>
+            </a:r>
+            <a:endParaRPr lang="en-US" dirty="0" smtClean="0"/>
+          </a:p>
+          <a:p>
+            <a:r>
+              <a:rPr lang="en-US" dirty="0"/>
+              <a:t> Each server acts as a leader for some of its partitions and a follower for others so load is well balanced within the cluster.</a:t>
+            </a:r>
+            <a:endParaRPr lang="en-US" dirty="0"/>
+          </a:p>
+        </p:txBody>
+      </p:sp>
+    </p:spTree>
+    <p:extLst>
+      <p:ext uri="{BB962C8B-B14F-4D97-AF65-F5344CB8AC3E}">
+        <p14:creationId xmlns:p14="http://schemas.microsoft.com/office/powerpoint/2010/main" val="2973959010"/>
+      </p:ext>
+    </p:extLst>
+  </p:cSld>
+  <p:clrMapOvr>
+    <a:masterClrMapping/>
+  </p:clrMapOvr>
+</p:sld>
+</file>
+
+<file path=ppt/slides/slide11.xml><?xml version="1.0" encoding="utf-8"?>
+<p:sld xmlns:a="http://schemas.openxmlformats.org/drawingml/2006/main" xmlns:r="http://schemas.openxmlformats.org/officeDocument/2006/relationships" xmlns:p="http://schemas.openxmlformats.org/presentationml/2006/main">
+  <p:cSld>
+    <p:spTree>
+      <p:nvGrpSpPr>
+        <p:cNvPr id="1" name=""/>
+        <p:cNvGrpSpPr/>
+        <p:nvPr/>
+      </p:nvGrpSpPr>
+      <p:grpSpPr>
+        <a:xfrm>
+          <a:off x="0" y="0"/>
+          <a:ext cx="0" cy="0"/>
+          <a:chOff x="0" y="0"/>
+          <a:chExt cx="0" cy="0"/>
+        </a:xfrm>
+      </p:grpSpPr>
+      <p:sp>
+        <p:nvSpPr>
+          <p:cNvPr id="2" name="Title 1"/>
+          <p:cNvSpPr>
+            <a:spLocks noGrp="1"/>
+          </p:cNvSpPr>
+          <p:nvPr>
+            <p:ph type="title"/>
+          </p:nvPr>
+        </p:nvSpPr>
+        <p:spPr/>
+        <p:txBody>
+          <a:bodyPr/>
+          <a:lstStyle/>
+          <a:p>
+            <a:r>
+              <a:rPr lang="en-US" b="1" dirty="0">
+                <a:hlinkClick r:id="rId2"/>
+              </a:rPr>
+              <a:t>Producers</a:t>
+            </a:r>
+            <a:r>
+              <a:rPr lang="en-US" b="1" dirty="0"/>
+              <a:t/>
+            </a:r>
+            <a:br>
+              <a:rPr lang="en-US" b="1" dirty="0"/>
+            </a:br>
+            <a:endParaRPr lang="en-US" dirty="0"/>
+          </a:p>
+        </p:txBody>
+      </p:sp>
+      <p:sp>
+        <p:nvSpPr>
+          <p:cNvPr id="3" name="Content Placeholder 2"/>
+          <p:cNvSpPr>
+            <a:spLocks noGrp="1"/>
+          </p:cNvSpPr>
+          <p:nvPr>
+            <p:ph idx="1"/>
+          </p:nvPr>
+        </p:nvSpPr>
+        <p:spPr/>
+        <p:txBody>
+          <a:bodyPr/>
+          <a:lstStyle/>
+          <a:p>
+            <a:r>
+              <a:rPr lang="en-US" dirty="0"/>
+              <a:t>Producers publish data to the topics of their </a:t>
+            </a:r>
+            <a:r>
+              <a:rPr lang="en-US" dirty="0" smtClean="0"/>
+              <a:t>choice.</a:t>
+            </a:r>
+          </a:p>
+          <a:p>
+            <a:r>
+              <a:rPr lang="en-US" dirty="0"/>
+              <a:t>The producer is responsible for choosing which record to assign to which partition within the topic.</a:t>
+            </a:r>
+            <a:endParaRPr lang="en-US" dirty="0"/>
+          </a:p>
+        </p:txBody>
+      </p:sp>
+    </p:spTree>
+    <p:extLst>
+      <p:ext uri="{BB962C8B-B14F-4D97-AF65-F5344CB8AC3E}">
+        <p14:creationId xmlns:p14="http://schemas.microsoft.com/office/powerpoint/2010/main" val="3013753410"/>
+      </p:ext>
+    </p:extLst>
+  </p:cSld>
+  <p:clrMapOvr>
+    <a:masterClrMapping/>
+  </p:clrMapOvr>
+</p:sld>
+</file>
+
+<file path=ppt/slides/slide12.xml><?xml version="1.0" encoding="utf-8"?>
+<p:sld xmlns:a="http://schemas.openxmlformats.org/drawingml/2006/main" xmlns:r="http://schemas.openxmlformats.org/officeDocument/2006/relationships" xmlns:p="http://schemas.openxmlformats.org/presentationml/2006/main">
+  <p:cSld>
+    <p:spTree>
+      <p:nvGrpSpPr>
+        <p:cNvPr id="1" name=""/>
+        <p:cNvGrpSpPr/>
+        <p:nvPr/>
+      </p:nvGrpSpPr>
+      <p:grpSpPr>
+        <a:xfrm>
+          <a:off x="0" y="0"/>
+          <a:ext cx="0" cy="0"/>
+          <a:chOff x="0" y="0"/>
+          <a:chExt cx="0" cy="0"/>
+        </a:xfrm>
+      </p:grpSpPr>
+      <p:sp>
+        <p:nvSpPr>
+          <p:cNvPr id="2" name="Title 1"/>
+          <p:cNvSpPr>
+            <a:spLocks noGrp="1"/>
+          </p:cNvSpPr>
+          <p:nvPr>
+            <p:ph type="title"/>
+          </p:nvPr>
+        </p:nvSpPr>
+        <p:spPr/>
+        <p:txBody>
+          <a:bodyPr/>
+          <a:lstStyle/>
+          <a:p>
+            <a:r>
+              <a:rPr lang="en-US" b="1" dirty="0">
+                <a:hlinkClick r:id="rId2"/>
+              </a:rPr>
+              <a:t>Consumers</a:t>
+            </a:r>
+            <a:r>
+              <a:rPr lang="en-US" b="1" dirty="0"/>
+              <a:t/>
+            </a:r>
+            <a:br>
+              <a:rPr lang="en-US" b="1" dirty="0"/>
+            </a:br>
+            <a:endParaRPr lang="en-US" dirty="0"/>
+          </a:p>
+        </p:txBody>
+      </p:sp>
+      <p:sp>
+        <p:nvSpPr>
+          <p:cNvPr id="3" name="Content Placeholder 2"/>
+          <p:cNvSpPr>
+            <a:spLocks noGrp="1"/>
+          </p:cNvSpPr>
+          <p:nvPr>
+            <p:ph idx="1"/>
+          </p:nvPr>
+        </p:nvSpPr>
+        <p:spPr>
+          <a:xfrm>
+            <a:off x="940502" y="1505134"/>
+            <a:ext cx="6236739" cy="2619640"/>
+          </a:xfrm>
+        </p:spPr>
+        <p:txBody>
+          <a:bodyPr>
+            <a:normAutofit fontScale="85000" lnSpcReduction="10000"/>
+          </a:bodyPr>
+          <a:lstStyle/>
+          <a:p>
+            <a:r>
+              <a:rPr lang="en-US" dirty="0"/>
+              <a:t>Consumers label themselves with a </a:t>
+            </a:r>
+            <a:r>
+              <a:rPr lang="en-US" i="1" dirty="0"/>
+              <a:t>consumer group</a:t>
+            </a:r>
+            <a:r>
+              <a:rPr lang="en-US" dirty="0"/>
+              <a:t> name, and each record published to a topic is delivered to one consumer instance within each subscribing consumer group</a:t>
+            </a:r>
+            <a:r>
+              <a:rPr lang="en-US" dirty="0" smtClean="0"/>
+              <a:t>.</a:t>
+            </a:r>
+          </a:p>
+          <a:p>
+            <a:r>
+              <a:rPr lang="en-US" dirty="0"/>
+              <a:t>Consumer instances can be in separate processes or </a:t>
+            </a:r>
+            <a:r>
+              <a:rPr lang="en-US" dirty="0" smtClean="0"/>
+              <a:t>on </a:t>
+            </a:r>
+            <a:r>
+              <a:rPr lang="en-US" dirty="0"/>
+              <a:t>separate machines</a:t>
+            </a:r>
+            <a:r>
+              <a:rPr lang="en-US" dirty="0" smtClean="0"/>
+              <a:t>.</a:t>
+            </a:r>
+          </a:p>
+          <a:p>
+            <a:r>
+              <a:rPr lang="en-US" dirty="0"/>
+              <a:t>If all the consumer instances have the same consumer group, then the records will effectively be load balanced over the consumer instances.</a:t>
+            </a:r>
+          </a:p>
+          <a:p>
+            <a:r>
+              <a:rPr lang="en-US" dirty="0"/>
+              <a:t/>
+            </a:r>
+            <a:br>
+              <a:rPr lang="en-US" dirty="0"/>
+            </a:br>
+            <a:endParaRPr lang="en-US" dirty="0"/>
+          </a:p>
+        </p:txBody>
+      </p:sp>
+      <p:pic>
+        <p:nvPicPr>
+          <p:cNvPr id="1026" name="Picture 2" descr="https://kafka.apache.org/0102/images/consumer-groups.png"/>
+          <p:cNvPicPr>
+            <a:picLocks noChangeAspect="1" noChangeArrowheads="1"/>
+          </p:cNvPicPr>
+          <p:nvPr/>
+        </p:nvPicPr>
+        <p:blipFill>
+          <a:blip r:embed="rId3">
+            <a:extLst>
+              <a:ext uri="{28A0092B-C50C-407E-A947-70E740481C1C}">
+                <a14:useLocalDpi xmlns:a14="http://schemas.microsoft.com/office/drawing/2010/main" val="0"/>
+              </a:ext>
+            </a:extLst>
+          </a:blip>
+          <a:srcRect/>
+          <a:stretch>
+            <a:fillRect/>
+          </a:stretch>
+        </p:blipFill>
+        <p:spPr bwMode="auto">
+          <a:xfrm>
+            <a:off x="2421147" y="3716421"/>
+            <a:ext cx="3275448" cy="1620276"/>
+          </a:xfrm>
+          <a:prstGeom prst="rect">
+            <a:avLst/>
+          </a:prstGeom>
+          <a:noFill/>
+          <a:extLst>
+            <a:ext uri="{909E8E84-426E-40DD-AFC4-6F175D3DCCD1}">
+              <a14:hiddenFill xmlns:a14="http://schemas.microsoft.com/office/drawing/2010/main">
+                <a:solidFill>
+                  <a:srgbClr val="FFFFFF"/>
+                </a:solidFill>
+              </a14:hiddenFill>
+            </a:ext>
+          </a:extLst>
+        </p:spPr>
+      </p:pic>
+    </p:spTree>
+    <p:extLst>
+      <p:ext uri="{BB962C8B-B14F-4D97-AF65-F5344CB8AC3E}">
+        <p14:creationId xmlns:p14="http://schemas.microsoft.com/office/powerpoint/2010/main" val="738006092"/>
+      </p:ext>
+    </p:extLst>
+  </p:cSld>
+  <p:clrMapOvr>
+    <a:masterClrMapping/>
+  </p:clrMapOvr>
+</p:sld>
+</file>
+
+<file path=ppt/slides/slide13.xml><?xml version="1.0" encoding="utf-8"?>
+<p:sld xmlns:a="http://schemas.openxmlformats.org/drawingml/2006/main" xmlns:r="http://schemas.openxmlformats.org/officeDocument/2006/relationships" xmlns:p="http://schemas.openxmlformats.org/presentationml/2006/main">
+  <p:cSld>
+    <p:spTree>
+      <p:nvGrpSpPr>
+        <p:cNvPr id="1" name=""/>
+        <p:cNvGrpSpPr/>
+        <p:nvPr/>
+      </p:nvGrpSpPr>
+      <p:grpSpPr>
+        <a:xfrm>
+          <a:off x="0" y="0"/>
+          <a:ext cx="0" cy="0"/>
+          <a:chOff x="0" y="0"/>
+          <a:chExt cx="0" cy="0"/>
+        </a:xfrm>
+      </p:grpSpPr>
+      <p:sp>
+        <p:nvSpPr>
+          <p:cNvPr id="2" name="Title 1"/>
+          <p:cNvSpPr>
+            <a:spLocks noGrp="1"/>
+          </p:cNvSpPr>
+          <p:nvPr>
+            <p:ph type="title"/>
+          </p:nvPr>
+        </p:nvSpPr>
+        <p:spPr/>
+        <p:txBody>
+          <a:bodyPr/>
+          <a:lstStyle/>
+          <a:p>
+            <a:r>
+              <a:rPr lang="en-US" b="1" dirty="0">
+                <a:hlinkClick r:id="rId2"/>
+              </a:rPr>
+              <a:t>Guarantees</a:t>
+            </a:r>
+            <a:r>
+              <a:rPr lang="en-US" b="1" dirty="0"/>
+              <a:t/>
+            </a:r>
+            <a:br>
+              <a:rPr lang="en-US" b="1" dirty="0"/>
+            </a:br>
+            <a:endParaRPr lang="en-US" dirty="0"/>
+          </a:p>
+        </p:txBody>
+      </p:sp>
+      <p:sp>
+        <p:nvSpPr>
+          <p:cNvPr id="3" name="Content Placeholder 2"/>
+          <p:cNvSpPr>
+            <a:spLocks noGrp="1"/>
+          </p:cNvSpPr>
+          <p:nvPr>
+            <p:ph idx="1"/>
+          </p:nvPr>
+        </p:nvSpPr>
+        <p:spPr/>
+        <p:txBody>
+          <a:bodyPr/>
+          <a:lstStyle/>
+          <a:p>
+            <a:r>
+              <a:rPr lang="en-US" dirty="0" smtClean="0"/>
+              <a:t> </a:t>
+            </a:r>
+            <a:r>
+              <a:rPr lang="en-US" dirty="0"/>
+              <a:t>Messages sent by a producer to a particular topic partition will be appended in the order they are sent. </a:t>
+            </a:r>
+            <a:r>
+              <a:rPr lang="en-US" dirty="0" smtClean="0"/>
+              <a:t>-That </a:t>
+            </a:r>
+            <a:r>
+              <a:rPr lang="en-US" dirty="0"/>
+              <a:t>is, if a record M1 is sent by the same producer as a record M2, and M1 is sent first, then M1 will have a lower offset than M2 and appear earlier in the log</a:t>
+            </a:r>
+            <a:r>
+              <a:rPr lang="en-US" dirty="0" smtClean="0"/>
+              <a:t>.</a:t>
+            </a:r>
+          </a:p>
+          <a:p>
+            <a:r>
+              <a:rPr lang="en-US" dirty="0"/>
+              <a:t>A consumer instance sees records in the order they are stored in the log.</a:t>
+            </a:r>
+          </a:p>
+          <a:p>
+            <a:r>
+              <a:rPr lang="en-US" dirty="0"/>
+              <a:t>For a topic with replication factor N, we will tolerate up to N-1 server failures without losing any records committed to the log.</a:t>
+            </a:r>
+          </a:p>
+          <a:p>
+            <a:endParaRPr lang="en-US" dirty="0"/>
+          </a:p>
+        </p:txBody>
+      </p:sp>
+    </p:spTree>
+    <p:extLst>
+      <p:ext uri="{BB962C8B-B14F-4D97-AF65-F5344CB8AC3E}">
+        <p14:creationId xmlns:p14="http://schemas.microsoft.com/office/powerpoint/2010/main" val="2917338207"/>
+      </p:ext>
+    </p:extLst>
+  </p:cSld>
+  <p:clrMapOvr>
+    <a:masterClrMapping/>
+  </p:clrMapOvr>
+</p:sld>
+</file>
+
+<file path=ppt/slides/slide14.xml><?xml version="1.0" encoding="utf-8"?>
+<p:sld xmlns:a="http://schemas.openxmlformats.org/drawingml/2006/main" xmlns:r="http://schemas.openxmlformats.org/officeDocument/2006/relationships" xmlns:p="http://schemas.openxmlformats.org/presentationml/2006/main">
+  <p:cSld>
+    <p:spTree>
+      <p:nvGrpSpPr>
+        <p:cNvPr id="1" name=""/>
+        <p:cNvGrpSpPr/>
+        <p:nvPr/>
+      </p:nvGrpSpPr>
+      <p:grpSpPr>
+        <a:xfrm>
+          <a:off x="0" y="0"/>
+          <a:ext cx="0" cy="0"/>
+          <a:chOff x="0" y="0"/>
+          <a:chExt cx="0" cy="0"/>
+        </a:xfrm>
+      </p:grpSpPr>
+      <p:sp>
+        <p:nvSpPr>
+          <p:cNvPr id="2" name="Title 1"/>
+          <p:cNvSpPr>
+            <a:spLocks noGrp="1"/>
+          </p:cNvSpPr>
+          <p:nvPr>
+            <p:ph type="title"/>
+          </p:nvPr>
+        </p:nvSpPr>
+        <p:spPr/>
+        <p:txBody>
+          <a:bodyPr/>
+          <a:lstStyle/>
+          <a:p>
+            <a:r>
+              <a:rPr lang="en-US" b="1" dirty="0">
+                <a:hlinkClick r:id="rId2"/>
+              </a:rPr>
+              <a:t>Kafka as a Messaging System</a:t>
+            </a:r>
+            <a:r>
+              <a:rPr lang="en-US" b="1" dirty="0"/>
+              <a:t/>
+            </a:r>
+            <a:br>
+              <a:rPr lang="en-US" b="1" dirty="0"/>
+            </a:br>
+            <a:endParaRPr lang="en-US" dirty="0"/>
+          </a:p>
+        </p:txBody>
+      </p:sp>
+      <p:sp>
+        <p:nvSpPr>
+          <p:cNvPr id="3" name="Content Placeholder 2"/>
+          <p:cNvSpPr>
+            <a:spLocks noGrp="1"/>
+          </p:cNvSpPr>
+          <p:nvPr>
+            <p:ph idx="1"/>
+          </p:nvPr>
+        </p:nvSpPr>
+        <p:spPr/>
+        <p:txBody>
+          <a:bodyPr>
+            <a:normAutofit fontScale="92500" lnSpcReduction="10000"/>
+          </a:bodyPr>
+          <a:lstStyle/>
+          <a:p>
+            <a:r>
+              <a:rPr lang="en-US" dirty="0"/>
+              <a:t>Messaging traditionally has two models: </a:t>
+            </a:r>
+            <a:r>
+              <a:rPr lang="en-US" dirty="0" smtClean="0">
+                <a:hlinkClick r:id="rId3"/>
+              </a:rPr>
+              <a:t>queuing</a:t>
+            </a:r>
+            <a:r>
+              <a:rPr lang="en-US" dirty="0"/>
+              <a:t> and </a:t>
+            </a:r>
+            <a:r>
+              <a:rPr lang="en-US" dirty="0">
+                <a:hlinkClick r:id="rId4"/>
+              </a:rPr>
+              <a:t>publish-subscribe</a:t>
+            </a:r>
+            <a:r>
+              <a:rPr lang="en-US" dirty="0" smtClean="0"/>
+              <a:t>.</a:t>
+            </a:r>
+          </a:p>
+          <a:p>
+            <a:r>
+              <a:rPr lang="en-US" dirty="0"/>
+              <a:t>In a queue, a pool of consumers may read from a server and each record goes to one of </a:t>
+            </a:r>
+            <a:r>
+              <a:rPr lang="en-US" dirty="0" smtClean="0"/>
+              <a:t>them</a:t>
+            </a:r>
+            <a:r>
+              <a:rPr lang="en-US" dirty="0"/>
+              <a:t>.</a:t>
+            </a:r>
+            <a:endParaRPr lang="en-US" dirty="0" smtClean="0"/>
+          </a:p>
+          <a:p>
+            <a:r>
+              <a:rPr lang="en-US" dirty="0" smtClean="0"/>
+              <a:t>In </a:t>
+            </a:r>
+            <a:r>
+              <a:rPr lang="en-US" dirty="0"/>
+              <a:t>publish-subscribe the record is broadcast to all </a:t>
+            </a:r>
+            <a:r>
+              <a:rPr lang="en-US" dirty="0" smtClean="0"/>
+              <a:t>consumers.</a:t>
+            </a:r>
+          </a:p>
+          <a:p>
+            <a:r>
+              <a:rPr lang="en-US" dirty="0"/>
+              <a:t>The consumer </a:t>
+            </a:r>
+            <a:r>
+              <a:rPr lang="en-US" dirty="0" smtClean="0"/>
+              <a:t>group </a:t>
+            </a:r>
+            <a:r>
+              <a:rPr lang="en-US" dirty="0"/>
+              <a:t>concept in Kafka generalizes these two </a:t>
+            </a:r>
+            <a:r>
+              <a:rPr lang="en-US" dirty="0" smtClean="0"/>
+              <a:t>concepts</a:t>
+            </a:r>
+          </a:p>
+          <a:p>
+            <a:r>
+              <a:rPr lang="en-US" dirty="0"/>
+              <a:t>As with a queue the consumer group allows you to divide up processing over a collection of processes </a:t>
+            </a:r>
+            <a:endParaRPr lang="en-US" dirty="0" smtClean="0"/>
+          </a:p>
+          <a:p>
+            <a:r>
+              <a:rPr lang="en-US" dirty="0"/>
+              <a:t>As with publish-subscribe, Kafka allows you to broadcast messages to multiple consumer groups</a:t>
+            </a:r>
+            <a:r>
+              <a:rPr lang="en-US" dirty="0" smtClean="0"/>
+              <a:t>.</a:t>
+            </a:r>
+          </a:p>
+          <a:p>
+            <a:r>
+              <a:rPr lang="en-US" dirty="0"/>
+              <a:t>Kafka has stronger ordering guarantees than a traditional messaging system, too.</a:t>
+            </a:r>
+          </a:p>
+          <a:p>
+            <a:r>
+              <a:rPr lang="en-US" dirty="0"/>
+              <a:t/>
+            </a:r>
+            <a:br>
+              <a:rPr lang="en-US" dirty="0"/>
+            </a:br>
+            <a:endParaRPr lang="en-US" dirty="0"/>
+          </a:p>
+        </p:txBody>
+      </p:sp>
+    </p:spTree>
+    <p:extLst>
+      <p:ext uri="{BB962C8B-B14F-4D97-AF65-F5344CB8AC3E}">
+        <p14:creationId xmlns:p14="http://schemas.microsoft.com/office/powerpoint/2010/main" val="3508063134"/>
+      </p:ext>
+    </p:extLst>
+  </p:cSld>
+  <p:clrMapOvr>
+    <a:masterClrMapping/>
+  </p:clrMapOvr>
+</p:sld>
+</file>
+
+<file path=ppt/slides/slide15.xml><?xml version="1.0" encoding="utf-8"?>
+<p:sld xmlns:a="http://schemas.openxmlformats.org/drawingml/2006/main" xmlns:r="http://schemas.openxmlformats.org/officeDocument/2006/relationships" xmlns:p="http://schemas.openxmlformats.org/presentationml/2006/main">
+  <p:cSld>
+    <p:spTree>
+      <p:nvGrpSpPr>
+        <p:cNvPr id="1" name=""/>
+        <p:cNvGrpSpPr/>
+        <p:nvPr/>
+      </p:nvGrpSpPr>
+      <p:grpSpPr>
+        <a:xfrm>
+          <a:off x="0" y="0"/>
+          <a:ext cx="0" cy="0"/>
+          <a:chOff x="0" y="0"/>
+          <a:chExt cx="0" cy="0"/>
+        </a:xfrm>
+      </p:grpSpPr>
+      <p:sp>
+        <p:nvSpPr>
+          <p:cNvPr id="2" name="Title 1"/>
+          <p:cNvSpPr>
+            <a:spLocks noGrp="1"/>
+          </p:cNvSpPr>
+          <p:nvPr>
+            <p:ph type="title"/>
+          </p:nvPr>
+        </p:nvSpPr>
+        <p:spPr/>
+        <p:txBody>
+          <a:bodyPr/>
+          <a:lstStyle/>
+          <a:p>
+            <a:r>
+              <a:rPr lang="en-US" b="1" dirty="0"/>
+              <a:t>Kafka as a Storage System</a:t>
+            </a:r>
+          </a:p>
+        </p:txBody>
+      </p:sp>
+      <p:sp>
+        <p:nvSpPr>
+          <p:cNvPr id="3" name="Content Placeholder 2"/>
+          <p:cNvSpPr>
+            <a:spLocks noGrp="1"/>
+          </p:cNvSpPr>
+          <p:nvPr>
+            <p:ph idx="1"/>
+          </p:nvPr>
+        </p:nvSpPr>
+        <p:spPr/>
+        <p:txBody>
+          <a:bodyPr>
+            <a:normAutofit/>
+          </a:bodyPr>
+          <a:lstStyle/>
+          <a:p>
+            <a:r>
+              <a:rPr lang="en-US" dirty="0"/>
+              <a:t>Data written to Kafka is written to disk and replicated for fault-tolerance. </a:t>
+            </a:r>
+            <a:endParaRPr lang="en-US" dirty="0" smtClean="0"/>
+          </a:p>
+          <a:p>
+            <a:r>
+              <a:rPr lang="en-US" dirty="0"/>
+              <a:t>Kafka allows producers to wait on acknowledgement so that a write isn't considered complete until it is fully replicated and guaranteed to persist even if the server written to fails</a:t>
+            </a:r>
+            <a:r>
+              <a:rPr lang="en-US" dirty="0" smtClean="0"/>
+              <a:t>.</a:t>
+            </a:r>
+          </a:p>
+          <a:p>
+            <a:r>
+              <a:rPr lang="en-US" dirty="0"/>
+              <a:t>The disk structures Kafka uses scale well—Kafka will perform the same whether you have 50 KB or 50 TB of persistent data on the server.</a:t>
+            </a:r>
+          </a:p>
+          <a:p>
+            <a:r>
+              <a:rPr lang="en-US" dirty="0"/>
+              <a:t>you can think of Kafka as a kind of special purpose distributed filesystem dedicated to high-performance, low-latency commit log storage, replication, and propagation</a:t>
+            </a:r>
+            <a:r>
+              <a:rPr lang="en-US" dirty="0" smtClean="0"/>
+              <a:t>.,</a:t>
+            </a:r>
+            <a:r>
+              <a:rPr lang="en-US" dirty="0"/>
+              <a:t> </a:t>
+            </a:r>
+            <a:r>
+              <a:rPr lang="en-US" dirty="0" smtClean="0"/>
+              <a:t/>
+            </a:r>
+            <a:br>
+              <a:rPr lang="en-US" dirty="0" smtClean="0"/>
+            </a:br>
+            <a:r>
+              <a:rPr lang="en-US" dirty="0" smtClean="0"/>
+              <a:t>As </a:t>
+            </a:r>
+            <a:r>
+              <a:rPr lang="en-US" dirty="0"/>
+              <a:t>a result of taking storage seriously and allowing the clients to control their read position</a:t>
+            </a:r>
+            <a:r>
+              <a:rPr lang="en-US" dirty="0"/>
+              <a:t/>
+            </a:r>
+            <a:br>
+              <a:rPr lang="en-US" dirty="0"/>
+            </a:br>
+            <a:endParaRPr lang="en-US" dirty="0"/>
+          </a:p>
+        </p:txBody>
+      </p:sp>
+    </p:spTree>
+    <p:extLst>
+      <p:ext uri="{BB962C8B-B14F-4D97-AF65-F5344CB8AC3E}">
+        <p14:creationId xmlns:p14="http://schemas.microsoft.com/office/powerpoint/2010/main" val="182416773"/>
+      </p:ext>
+    </p:extLst>
+  </p:cSld>
+  <p:clrMapOvr>
+    <a:masterClrMapping/>
+  </p:clrMapOvr>
+</p:sld>
+</file>
+
+<file path=ppt/slides/slide16.xml><?xml version="1.0" encoding="utf-8"?>
+<p:sld xmlns:a="http://schemas.openxmlformats.org/drawingml/2006/main" xmlns:r="http://schemas.openxmlformats.org/officeDocument/2006/relationships" xmlns:p="http://schemas.openxmlformats.org/presentationml/2006/main">
+  <p:cSld>
+    <p:spTree>
+      <p:nvGrpSpPr>
+        <p:cNvPr id="1" name=""/>
+        <p:cNvGrpSpPr/>
+        <p:nvPr/>
+      </p:nvGrpSpPr>
+      <p:grpSpPr>
+        <a:xfrm>
+          <a:off x="0" y="0"/>
+          <a:ext cx="0" cy="0"/>
+          <a:chOff x="0" y="0"/>
+          <a:chExt cx="0" cy="0"/>
+        </a:xfrm>
+      </p:grpSpPr>
+      <p:sp>
+        <p:nvSpPr>
+          <p:cNvPr id="2" name="Title 1"/>
+          <p:cNvSpPr>
+            <a:spLocks noGrp="1"/>
+          </p:cNvSpPr>
+          <p:nvPr>
+            <p:ph type="title"/>
+          </p:nvPr>
+        </p:nvSpPr>
+        <p:spPr/>
+        <p:txBody>
+          <a:bodyPr/>
+          <a:lstStyle/>
+          <a:p>
+            <a:r>
+              <a:rPr lang="en-US" b="1" dirty="0"/>
+              <a:t>Kafka for Stream Processing</a:t>
+            </a:r>
+            <a:br>
+              <a:rPr lang="en-US" b="1" dirty="0"/>
+            </a:br>
+            <a:endParaRPr lang="en-US" dirty="0"/>
+          </a:p>
+        </p:txBody>
+      </p:sp>
+      <p:sp>
+        <p:nvSpPr>
+          <p:cNvPr id="3" name="Content Placeholder 2"/>
+          <p:cNvSpPr>
+            <a:spLocks noGrp="1"/>
+          </p:cNvSpPr>
+          <p:nvPr>
+            <p:ph idx="1"/>
+          </p:nvPr>
+        </p:nvSpPr>
+        <p:spPr/>
+        <p:txBody>
+          <a:bodyPr/>
+          <a:lstStyle/>
+          <a:p>
+            <a:r>
+              <a:rPr lang="en-US" dirty="0"/>
+              <a:t> stream processor is anything that takes continual streams of data from input topics, performs some processing on this input, and produces continual streams of data to output topics</a:t>
+            </a:r>
+            <a:r>
+              <a:rPr lang="en-US" dirty="0" smtClean="0"/>
+              <a:t>.</a:t>
+            </a:r>
+          </a:p>
+          <a:p>
+            <a:r>
+              <a:rPr lang="en-US" dirty="0"/>
+              <a:t>it uses the producer and consumer APIs for input, uses Kafka for </a:t>
+            </a:r>
+            <a:r>
+              <a:rPr lang="en-US" dirty="0" err="1"/>
+              <a:t>stateful</a:t>
+            </a:r>
+            <a:r>
+              <a:rPr lang="en-US" dirty="0"/>
+              <a:t> storage, and uses the same group mechanism for fault tolerance among the stream processor instances.</a:t>
+            </a:r>
+            <a:endParaRPr lang="en-US" dirty="0"/>
+          </a:p>
+        </p:txBody>
+      </p:sp>
+    </p:spTree>
+    <p:extLst>
+      <p:ext uri="{BB962C8B-B14F-4D97-AF65-F5344CB8AC3E}">
+        <p14:creationId xmlns:p14="http://schemas.microsoft.com/office/powerpoint/2010/main" val="1716507280"/>
+      </p:ext>
+    </p:extLst>
+  </p:cSld>
+  <p:clrMapOvr>
+    <a:masterClrMapping/>
+  </p:clrMapOvr>
+</p:sld>
+</file>
+
+<file path=ppt/slides/slide17.xml><?xml version="1.0" encoding="utf-8"?>
+<p:sld xmlns:a="http://schemas.openxmlformats.org/drawingml/2006/main" xmlns:r="http://schemas.openxmlformats.org/officeDocument/2006/relationships" xmlns:p="http://schemas.openxmlformats.org/presentationml/2006/main">
+  <p:cSld>
+    <p:spTree>
+      <p:nvGrpSpPr>
+        <p:cNvPr id="1" name=""/>
+        <p:cNvGrpSpPr/>
+        <p:nvPr/>
+      </p:nvGrpSpPr>
+      <p:grpSpPr>
+        <a:xfrm>
+          <a:off x="0" y="0"/>
+          <a:ext cx="0" cy="0"/>
+          <a:chOff x="0" y="0"/>
+          <a:chExt cx="0" cy="0"/>
+        </a:xfrm>
+      </p:grpSpPr>
+      <p:sp>
+        <p:nvSpPr>
+          <p:cNvPr id="2" name="Title 1"/>
+          <p:cNvSpPr>
+            <a:spLocks noGrp="1"/>
+          </p:cNvSpPr>
+          <p:nvPr>
+            <p:ph type="title"/>
+          </p:nvPr>
+        </p:nvSpPr>
+        <p:spPr/>
+        <p:txBody>
+          <a:bodyPr/>
+          <a:lstStyle/>
+          <a:p>
+            <a:r>
+              <a:rPr lang="en-US" dirty="0" smtClean="0">
+                <a:hlinkClick r:id="rId2"/>
+              </a:rPr>
+              <a:t>Queuing</a:t>
+            </a:r>
+            <a:r>
+              <a:rPr lang="en-US" dirty="0" smtClean="0"/>
+              <a:t> in messaging syste</a:t>
+            </a:r>
+            <a:r>
+              <a:rPr lang="en-US" dirty="0"/>
+              <a:t>m</a:t>
+            </a:r>
+          </a:p>
+        </p:txBody>
+      </p:sp>
+      <p:sp>
+        <p:nvSpPr>
+          <p:cNvPr id="3" name="Content Placeholder 2"/>
+          <p:cNvSpPr>
+            <a:spLocks noGrp="1"/>
+          </p:cNvSpPr>
+          <p:nvPr>
+            <p:ph idx="1"/>
+          </p:nvPr>
+        </p:nvSpPr>
+        <p:spPr/>
+        <p:txBody>
+          <a:bodyPr>
+            <a:normAutofit fontScale="92500" lnSpcReduction="20000"/>
+          </a:bodyPr>
+          <a:lstStyle/>
+          <a:p>
+            <a:r>
+              <a:rPr lang="en-US" dirty="0"/>
+              <a:t>In a queue, a pool of consumers may read from a server and each record goes to one of them.</a:t>
+            </a:r>
+          </a:p>
+          <a:p>
+            <a:r>
+              <a:rPr lang="en-US" dirty="0"/>
+              <a:t>it allows you to divide up the processing of data over multiple consumer instances, which lets you scale your processing</a:t>
+            </a:r>
+            <a:r>
+              <a:rPr lang="en-US" dirty="0" smtClean="0"/>
+              <a:t>.</a:t>
+            </a:r>
+          </a:p>
+          <a:p>
+            <a:r>
+              <a:rPr lang="en-US" dirty="0"/>
+              <a:t>queues aren't multi-subscriber—once one process reads the data it's gone. </a:t>
+            </a:r>
+            <a:endParaRPr lang="en-US" dirty="0" smtClean="0"/>
+          </a:p>
+          <a:p>
+            <a:r>
+              <a:rPr lang="en-US" dirty="0"/>
+              <a:t>queue retains records in-order on the server, and if multiple consumers consume from the queue then the server hands out records in the order they are stored</a:t>
+            </a:r>
+            <a:r>
+              <a:rPr lang="en-US" dirty="0" smtClean="0"/>
+              <a:t>.</a:t>
+            </a:r>
+          </a:p>
+          <a:p>
+            <a:r>
+              <a:rPr lang="en-US" dirty="0"/>
+              <a:t>server hands out records in order, the records are delivered asynchronously to consumers, so they may arrive out of order on different consumers. </a:t>
+            </a:r>
+            <a:endParaRPr lang="en-US" dirty="0" smtClean="0"/>
+          </a:p>
+          <a:p>
+            <a:r>
+              <a:rPr lang="en-US" dirty="0"/>
+              <a:t>ordering of the records is lost in the presence of parallel </a:t>
+            </a:r>
+            <a:r>
+              <a:rPr lang="en-US" dirty="0" smtClean="0"/>
+              <a:t>consumption</a:t>
+            </a:r>
+          </a:p>
+          <a:p>
+            <a:r>
+              <a:rPr lang="en-US" dirty="0"/>
+              <a:t>Messaging systems often work around this by having a notion of "exclusive consumer" that allows only one process to consume from a queue, but of course this means that there is no parallelism in processing.</a:t>
+            </a:r>
+            <a:endParaRPr lang="en-US" dirty="0"/>
+          </a:p>
+        </p:txBody>
+      </p:sp>
+    </p:spTree>
+    <p:extLst>
+      <p:ext uri="{BB962C8B-B14F-4D97-AF65-F5344CB8AC3E}">
+        <p14:creationId xmlns:p14="http://schemas.microsoft.com/office/powerpoint/2010/main" val="3954907245"/>
+      </p:ext>
+    </p:extLst>
+  </p:cSld>
+  <p:clrMapOvr>
+    <a:masterClrMapping/>
+  </p:clrMapOvr>
+</p:sld>
+</file>
+
+<file path=ppt/slides/slide18.xml><?xml version="1.0" encoding="utf-8"?>
+<p:sld xmlns:a="http://schemas.openxmlformats.org/drawingml/2006/main" xmlns:r="http://schemas.openxmlformats.org/officeDocument/2006/relationships" xmlns:p="http://schemas.openxmlformats.org/presentationml/2006/main">
+  <p:cSld>
+    <p:spTree>
+      <p:nvGrpSpPr>
+        <p:cNvPr id="1" name=""/>
+        <p:cNvGrpSpPr/>
+        <p:nvPr/>
+      </p:nvGrpSpPr>
+      <p:grpSpPr>
+        <a:xfrm>
+          <a:off x="0" y="0"/>
+          <a:ext cx="0" cy="0"/>
+          <a:chOff x="0" y="0"/>
+          <a:chExt cx="0" cy="0"/>
+        </a:xfrm>
+      </p:grpSpPr>
+      <p:sp>
+        <p:nvSpPr>
+          <p:cNvPr id="2" name="Title 1"/>
+          <p:cNvSpPr>
+            <a:spLocks noGrp="1"/>
+          </p:cNvSpPr>
+          <p:nvPr>
+            <p:ph type="title"/>
+          </p:nvPr>
+        </p:nvSpPr>
+        <p:spPr/>
+        <p:txBody>
+          <a:bodyPr/>
+          <a:lstStyle/>
+          <a:p>
+            <a:r>
+              <a:rPr lang="en-US" dirty="0" smtClean="0"/>
+              <a:t>Pub-sub messaging system</a:t>
+            </a:r>
+            <a:endParaRPr lang="en-US" dirty="0"/>
+          </a:p>
+        </p:txBody>
+      </p:sp>
+      <p:sp>
+        <p:nvSpPr>
+          <p:cNvPr id="3" name="Content Placeholder 2"/>
+          <p:cNvSpPr>
+            <a:spLocks noGrp="1"/>
+          </p:cNvSpPr>
+          <p:nvPr>
+            <p:ph idx="1"/>
+          </p:nvPr>
+        </p:nvSpPr>
+        <p:spPr/>
+        <p:txBody>
+          <a:bodyPr/>
+          <a:lstStyle/>
+          <a:p>
+            <a:r>
+              <a:rPr lang="en-US" dirty="0"/>
+              <a:t>In publish-subscribe the record is broadcast to all consumers.</a:t>
+            </a:r>
+          </a:p>
+          <a:p>
+            <a:r>
+              <a:rPr lang="en-US" dirty="0"/>
+              <a:t>allows you broadcast data to multiple processes, but has no way of scaling processing since every message goes to every subscriber.</a:t>
+            </a:r>
+            <a:endParaRPr lang="en-US" dirty="0"/>
+          </a:p>
+        </p:txBody>
+      </p:sp>
+    </p:spTree>
+    <p:extLst>
+      <p:ext uri="{BB962C8B-B14F-4D97-AF65-F5344CB8AC3E}">
+        <p14:creationId xmlns:p14="http://schemas.microsoft.com/office/powerpoint/2010/main" val="2080815751"/>
+      </p:ext>
+    </p:extLst>
+  </p:cSld>
+  <p:clrMapOvr>
+    <a:masterClrMapping/>
+  </p:clrMapOvr>
+</p:sld>
+</file>
+
 <file path=ppt/slides/slide2.xml><?xml version="1.0" encoding="utf-8"?>
 <p:sld xmlns:a="http://schemas.openxmlformats.org/drawingml/2006/main" xmlns:r="http://schemas.openxmlformats.org/officeDocument/2006/relationships" xmlns:p="http://schemas.openxmlformats.org/presentationml/2006/main">
   <p:cSld>
@@ -5926,6 +7077,669 @@
     <p:extLst>
       <p:ext uri="{BB962C8B-B14F-4D97-AF65-F5344CB8AC3E}">
         <p14:creationId xmlns:p14="http://schemas.microsoft.com/office/powerpoint/2010/main" val="3238730036"/>
+      </p:ext>
+    </p:extLst>
+  </p:cSld>
+  <p:clrMapOvr>
+    <a:masterClrMapping/>
+  </p:clrMapOvr>
+</p:sld>
+</file>
+
+<file path=ppt/slides/slide3.xml><?xml version="1.0" encoding="utf-8"?>
+<p:sld xmlns:a="http://schemas.openxmlformats.org/drawingml/2006/main" xmlns:r="http://schemas.openxmlformats.org/officeDocument/2006/relationships" xmlns:p="http://schemas.openxmlformats.org/presentationml/2006/main">
+  <p:cSld>
+    <p:spTree>
+      <p:nvGrpSpPr>
+        <p:cNvPr id="1" name=""/>
+        <p:cNvGrpSpPr/>
+        <p:nvPr/>
+      </p:nvGrpSpPr>
+      <p:grpSpPr>
+        <a:xfrm>
+          <a:off x="0" y="0"/>
+          <a:ext cx="0" cy="0"/>
+          <a:chOff x="0" y="0"/>
+          <a:chExt cx="0" cy="0"/>
+        </a:xfrm>
+      </p:grpSpPr>
+      <p:sp>
+        <p:nvSpPr>
+          <p:cNvPr id="2" name="Title 1"/>
+          <p:cNvSpPr>
+            <a:spLocks noGrp="1"/>
+          </p:cNvSpPr>
+          <p:nvPr>
+            <p:ph type="title"/>
+          </p:nvPr>
+        </p:nvSpPr>
+        <p:spPr/>
+        <p:txBody>
+          <a:bodyPr/>
+          <a:lstStyle/>
+          <a:p>
+            <a:r>
+              <a:rPr lang="en-US" dirty="0" smtClean="0"/>
+              <a:t>Create topics in </a:t>
+            </a:r>
+            <a:r>
+              <a:rPr lang="en-US" dirty="0" err="1" smtClean="0"/>
+              <a:t>kafka</a:t>
+            </a:r>
+            <a:endParaRPr lang="en-US" dirty="0"/>
+          </a:p>
+        </p:txBody>
+      </p:sp>
+      <p:sp>
+        <p:nvSpPr>
+          <p:cNvPr id="3" name="Content Placeholder 2"/>
+          <p:cNvSpPr>
+            <a:spLocks noGrp="1"/>
+          </p:cNvSpPr>
+          <p:nvPr>
+            <p:ph idx="1"/>
+          </p:nvPr>
+        </p:nvSpPr>
+        <p:spPr/>
+        <p:txBody>
+          <a:bodyPr/>
+          <a:lstStyle/>
+          <a:p>
+            <a:r>
+              <a:rPr lang="en-US" dirty="0"/>
+              <a:t>./kafka-topics.sh --create --topic zeastest1 --zookeeper 10.6.185.142:2181 --partitions 1 </a:t>
+            </a:r>
+            <a:r>
+              <a:rPr lang="en-US" dirty="0" smtClean="0"/>
+              <a:t>--replication-factor 1</a:t>
+            </a:r>
+          </a:p>
+          <a:p>
+            <a:endParaRPr lang="en-US" dirty="0"/>
+          </a:p>
+          <a:p>
+            <a:pPr lvl="1"/>
+            <a:r>
+              <a:rPr lang="en-US" dirty="0" smtClean="0"/>
+              <a:t>All arguments are required for creating topic</a:t>
+            </a:r>
+            <a:endParaRPr lang="en-US" dirty="0"/>
+          </a:p>
+        </p:txBody>
+      </p:sp>
+    </p:spTree>
+    <p:extLst>
+      <p:ext uri="{BB962C8B-B14F-4D97-AF65-F5344CB8AC3E}">
+        <p14:creationId xmlns:p14="http://schemas.microsoft.com/office/powerpoint/2010/main" val="41888124"/>
+      </p:ext>
+    </p:extLst>
+  </p:cSld>
+  <p:clrMapOvr>
+    <a:masterClrMapping/>
+  </p:clrMapOvr>
+</p:sld>
+</file>
+
+<file path=ppt/slides/slide4.xml><?xml version="1.0" encoding="utf-8"?>
+<p:sld xmlns:a="http://schemas.openxmlformats.org/drawingml/2006/main" xmlns:r="http://schemas.openxmlformats.org/officeDocument/2006/relationships" xmlns:p="http://schemas.openxmlformats.org/presentationml/2006/main">
+  <p:cSld>
+    <p:spTree>
+      <p:nvGrpSpPr>
+        <p:cNvPr id="1" name=""/>
+        <p:cNvGrpSpPr/>
+        <p:nvPr/>
+      </p:nvGrpSpPr>
+      <p:grpSpPr>
+        <a:xfrm>
+          <a:off x="0" y="0"/>
+          <a:ext cx="0" cy="0"/>
+          <a:chOff x="0" y="0"/>
+          <a:chExt cx="0" cy="0"/>
+        </a:xfrm>
+      </p:grpSpPr>
+      <p:sp>
+        <p:nvSpPr>
+          <p:cNvPr id="2" name="Title 1"/>
+          <p:cNvSpPr>
+            <a:spLocks noGrp="1"/>
+          </p:cNvSpPr>
+          <p:nvPr>
+            <p:ph type="title"/>
+          </p:nvPr>
+        </p:nvSpPr>
+        <p:spPr/>
+        <p:txBody>
+          <a:bodyPr/>
+          <a:lstStyle/>
+          <a:p>
+            <a:r>
+              <a:rPr lang="en-US" dirty="0" smtClean="0"/>
+              <a:t>List topics in </a:t>
+            </a:r>
+            <a:r>
+              <a:rPr lang="en-US" dirty="0" err="1" smtClean="0"/>
+              <a:t>kafka</a:t>
+            </a:r>
+            <a:endParaRPr lang="en-US" dirty="0"/>
+          </a:p>
+        </p:txBody>
+      </p:sp>
+      <p:sp>
+        <p:nvSpPr>
+          <p:cNvPr id="3" name="Content Placeholder 2"/>
+          <p:cNvSpPr>
+            <a:spLocks noGrp="1"/>
+          </p:cNvSpPr>
+          <p:nvPr>
+            <p:ph idx="1"/>
+          </p:nvPr>
+        </p:nvSpPr>
+        <p:spPr/>
+        <p:txBody>
+          <a:bodyPr/>
+          <a:lstStyle/>
+          <a:p>
+            <a:r>
+              <a:rPr lang="en-US" dirty="0"/>
+              <a:t>./kafka-topics.sh --list --zookeeper 10.6.185.142:2181</a:t>
+            </a:r>
+          </a:p>
+        </p:txBody>
+      </p:sp>
+    </p:spTree>
+    <p:extLst>
+      <p:ext uri="{BB962C8B-B14F-4D97-AF65-F5344CB8AC3E}">
+        <p14:creationId xmlns:p14="http://schemas.microsoft.com/office/powerpoint/2010/main" val="2387029693"/>
+      </p:ext>
+    </p:extLst>
+  </p:cSld>
+  <p:clrMapOvr>
+    <a:masterClrMapping/>
+  </p:clrMapOvr>
+</p:sld>
+</file>
+
+<file path=ppt/slides/slide5.xml><?xml version="1.0" encoding="utf-8"?>
+<p:sld xmlns:a="http://schemas.openxmlformats.org/drawingml/2006/main" xmlns:r="http://schemas.openxmlformats.org/officeDocument/2006/relationships" xmlns:p="http://schemas.openxmlformats.org/presentationml/2006/main">
+  <p:cSld>
+    <p:spTree>
+      <p:nvGrpSpPr>
+        <p:cNvPr id="1" name=""/>
+        <p:cNvGrpSpPr/>
+        <p:nvPr/>
+      </p:nvGrpSpPr>
+      <p:grpSpPr>
+        <a:xfrm>
+          <a:off x="0" y="0"/>
+          <a:ext cx="0" cy="0"/>
+          <a:chOff x="0" y="0"/>
+          <a:chExt cx="0" cy="0"/>
+        </a:xfrm>
+      </p:grpSpPr>
+      <p:sp>
+        <p:nvSpPr>
+          <p:cNvPr id="2" name="Title 1"/>
+          <p:cNvSpPr>
+            <a:spLocks noGrp="1"/>
+          </p:cNvSpPr>
+          <p:nvPr>
+            <p:ph type="title"/>
+          </p:nvPr>
+        </p:nvSpPr>
+        <p:spPr/>
+        <p:txBody>
+          <a:bodyPr/>
+          <a:lstStyle/>
+          <a:p>
+            <a:r>
+              <a:rPr lang="en-US" dirty="0" smtClean="0"/>
+              <a:t>Produce message using console</a:t>
+            </a:r>
+            <a:endParaRPr lang="en-US" dirty="0"/>
+          </a:p>
+        </p:txBody>
+      </p:sp>
+      <p:sp>
+        <p:nvSpPr>
+          <p:cNvPr id="3" name="Content Placeholder 2"/>
+          <p:cNvSpPr>
+            <a:spLocks noGrp="1"/>
+          </p:cNvSpPr>
+          <p:nvPr>
+            <p:ph idx="1"/>
+          </p:nvPr>
+        </p:nvSpPr>
+        <p:spPr/>
+        <p:txBody>
+          <a:bodyPr/>
+          <a:lstStyle/>
+          <a:p>
+            <a:r>
+              <a:rPr lang="en-US" dirty="0"/>
+              <a:t>./kafka-console-producer.sh  --topic </a:t>
+            </a:r>
+            <a:r>
+              <a:rPr lang="en-US" dirty="0" smtClean="0"/>
+              <a:t>zeastest1 </a:t>
+            </a:r>
+            <a:r>
+              <a:rPr lang="en-US" dirty="0"/>
+              <a:t>--broker-list </a:t>
+            </a:r>
+            <a:r>
+              <a:rPr lang="en-US" dirty="0" smtClean="0"/>
+              <a:t>10.6.185.142:6667</a:t>
+            </a:r>
+          </a:p>
+          <a:p>
+            <a:endParaRPr lang="en-US" dirty="0"/>
+          </a:p>
+          <a:p>
+            <a:pPr lvl="1"/>
+            <a:r>
+              <a:rPr lang="en-US" dirty="0" smtClean="0"/>
+              <a:t>If you </a:t>
+            </a:r>
+            <a:r>
+              <a:rPr lang="en-US" dirty="0"/>
+              <a:t>are getting </a:t>
+            </a:r>
+            <a:r>
+              <a:rPr lang="en-US" dirty="0" err="1" smtClean="0">
+                <a:solidFill>
+                  <a:srgbClr val="FF0000"/>
+                </a:solidFill>
+              </a:rPr>
+              <a:t>java.nio.channels.ClosedChannelException</a:t>
+            </a:r>
+            <a:endParaRPr lang="en-US" dirty="0" smtClean="0">
+              <a:solidFill>
+                <a:srgbClr val="FF0000"/>
+              </a:solidFill>
+            </a:endParaRPr>
+          </a:p>
+          <a:p>
+            <a:pPr lvl="2"/>
+            <a:r>
+              <a:rPr lang="en-US" dirty="0" smtClean="0">
+                <a:solidFill>
+                  <a:srgbClr val="FF0000"/>
+                </a:solidFill>
+              </a:rPr>
+              <a:t>Change localhost to </a:t>
+            </a:r>
+            <a:r>
+              <a:rPr lang="en-US" dirty="0" err="1" smtClean="0">
+                <a:solidFill>
+                  <a:srgbClr val="FF0000"/>
+                </a:solidFill>
+              </a:rPr>
+              <a:t>ip</a:t>
+            </a:r>
+            <a:r>
+              <a:rPr lang="en-US" dirty="0" smtClean="0">
+                <a:solidFill>
+                  <a:srgbClr val="FF0000"/>
+                </a:solidFill>
+              </a:rPr>
+              <a:t>-address in broker-list</a:t>
+            </a:r>
+            <a:endParaRPr lang="en-US" dirty="0">
+              <a:solidFill>
+                <a:srgbClr val="FF0000"/>
+              </a:solidFill>
+            </a:endParaRPr>
+          </a:p>
+        </p:txBody>
+      </p:sp>
+    </p:spTree>
+    <p:extLst>
+      <p:ext uri="{BB962C8B-B14F-4D97-AF65-F5344CB8AC3E}">
+        <p14:creationId xmlns:p14="http://schemas.microsoft.com/office/powerpoint/2010/main" val="4051168919"/>
+      </p:ext>
+    </p:extLst>
+  </p:cSld>
+  <p:clrMapOvr>
+    <a:masterClrMapping/>
+  </p:clrMapOvr>
+</p:sld>
+</file>
+
+<file path=ppt/slides/slide6.xml><?xml version="1.0" encoding="utf-8"?>
+<p:sld xmlns:a="http://schemas.openxmlformats.org/drawingml/2006/main" xmlns:r="http://schemas.openxmlformats.org/officeDocument/2006/relationships" xmlns:p="http://schemas.openxmlformats.org/presentationml/2006/main">
+  <p:cSld>
+    <p:spTree>
+      <p:nvGrpSpPr>
+        <p:cNvPr id="1" name=""/>
+        <p:cNvGrpSpPr/>
+        <p:nvPr/>
+      </p:nvGrpSpPr>
+      <p:grpSpPr>
+        <a:xfrm>
+          <a:off x="0" y="0"/>
+          <a:ext cx="0" cy="0"/>
+          <a:chOff x="0" y="0"/>
+          <a:chExt cx="0" cy="0"/>
+        </a:xfrm>
+      </p:grpSpPr>
+      <p:sp>
+        <p:nvSpPr>
+          <p:cNvPr id="2" name="Title 1"/>
+          <p:cNvSpPr>
+            <a:spLocks noGrp="1"/>
+          </p:cNvSpPr>
+          <p:nvPr>
+            <p:ph type="title"/>
+          </p:nvPr>
+        </p:nvSpPr>
+        <p:spPr/>
+        <p:txBody>
+          <a:bodyPr/>
+          <a:lstStyle/>
+          <a:p>
+            <a:r>
+              <a:rPr lang="en-US" dirty="0" smtClean="0"/>
+              <a:t>Consume message </a:t>
+            </a:r>
+            <a:r>
+              <a:rPr lang="en-US" dirty="0"/>
+              <a:t>using console</a:t>
+            </a:r>
+          </a:p>
+        </p:txBody>
+      </p:sp>
+      <p:sp>
+        <p:nvSpPr>
+          <p:cNvPr id="3" name="Content Placeholder 2"/>
+          <p:cNvSpPr>
+            <a:spLocks noGrp="1"/>
+          </p:cNvSpPr>
+          <p:nvPr>
+            <p:ph idx="1"/>
+          </p:nvPr>
+        </p:nvSpPr>
+        <p:spPr/>
+        <p:txBody>
+          <a:bodyPr/>
+          <a:lstStyle/>
+          <a:p>
+            <a:r>
+              <a:rPr lang="en-US" dirty="0"/>
+              <a:t>./kafka-console-consumer.sh  --topic zeastest1 --zookeeper 10.6.185.142:2181</a:t>
+            </a:r>
+          </a:p>
+        </p:txBody>
+      </p:sp>
+    </p:spTree>
+    <p:extLst>
+      <p:ext uri="{BB962C8B-B14F-4D97-AF65-F5344CB8AC3E}">
+        <p14:creationId xmlns:p14="http://schemas.microsoft.com/office/powerpoint/2010/main" val="765813231"/>
+      </p:ext>
+    </p:extLst>
+  </p:cSld>
+  <p:clrMapOvr>
+    <a:masterClrMapping/>
+  </p:clrMapOvr>
+</p:sld>
+</file>
+
+<file path=ppt/slides/slide7.xml><?xml version="1.0" encoding="utf-8"?>
+<p:sld xmlns:a="http://schemas.openxmlformats.org/drawingml/2006/main" xmlns:r="http://schemas.openxmlformats.org/officeDocument/2006/relationships" xmlns:p="http://schemas.openxmlformats.org/presentationml/2006/main">
+  <p:cSld>
+    <p:spTree>
+      <p:nvGrpSpPr>
+        <p:cNvPr id="1" name=""/>
+        <p:cNvGrpSpPr/>
+        <p:nvPr/>
+      </p:nvGrpSpPr>
+      <p:grpSpPr>
+        <a:xfrm>
+          <a:off x="0" y="0"/>
+          <a:ext cx="0" cy="0"/>
+          <a:chOff x="0" y="0"/>
+          <a:chExt cx="0" cy="0"/>
+        </a:xfrm>
+      </p:grpSpPr>
+      <p:sp>
+        <p:nvSpPr>
+          <p:cNvPr id="2" name="Title 1"/>
+          <p:cNvSpPr>
+            <a:spLocks noGrp="1"/>
+          </p:cNvSpPr>
+          <p:nvPr>
+            <p:ph type="title"/>
+          </p:nvPr>
+        </p:nvSpPr>
+        <p:spPr/>
+        <p:txBody>
+          <a:bodyPr/>
+          <a:lstStyle/>
+          <a:p>
+            <a:r>
+              <a:rPr lang="en-US" dirty="0" smtClean="0"/>
+              <a:t>Error faced	</a:t>
+            </a:r>
+            <a:endParaRPr lang="en-US" dirty="0"/>
+          </a:p>
+        </p:txBody>
+      </p:sp>
+      <p:sp>
+        <p:nvSpPr>
+          <p:cNvPr id="3" name="Content Placeholder 2"/>
+          <p:cNvSpPr>
+            <a:spLocks noGrp="1"/>
+          </p:cNvSpPr>
+          <p:nvPr>
+            <p:ph idx="1"/>
+          </p:nvPr>
+        </p:nvSpPr>
+        <p:spPr/>
+        <p:txBody>
+          <a:bodyPr/>
+          <a:lstStyle/>
+          <a:p>
+            <a:r>
+              <a:rPr lang="en-US" dirty="0" smtClean="0"/>
+              <a:t>If some properties are not defined by default, set it using Properties(talking of java </a:t>
+            </a:r>
+            <a:r>
+              <a:rPr lang="en-US" dirty="0" err="1" smtClean="0"/>
+              <a:t>api</a:t>
+            </a:r>
+            <a:r>
+              <a:rPr lang="en-US" dirty="0" smtClean="0"/>
+              <a:t>)</a:t>
+            </a:r>
+            <a:endParaRPr lang="en-US" dirty="0"/>
+          </a:p>
+        </p:txBody>
+      </p:sp>
+    </p:spTree>
+    <p:extLst>
+      <p:ext uri="{BB962C8B-B14F-4D97-AF65-F5344CB8AC3E}">
+        <p14:creationId xmlns:p14="http://schemas.microsoft.com/office/powerpoint/2010/main" val="273951240"/>
+      </p:ext>
+    </p:extLst>
+  </p:cSld>
+  <p:clrMapOvr>
+    <a:masterClrMapping/>
+  </p:clrMapOvr>
+</p:sld>
+</file>
+
+<file path=ppt/slides/slide8.xml><?xml version="1.0" encoding="utf-8"?>
+<p:sld xmlns:a="http://schemas.openxmlformats.org/drawingml/2006/main" xmlns:r="http://schemas.openxmlformats.org/officeDocument/2006/relationships" xmlns:p="http://schemas.openxmlformats.org/presentationml/2006/main">
+  <p:cSld>
+    <p:spTree>
+      <p:nvGrpSpPr>
+        <p:cNvPr id="1" name=""/>
+        <p:cNvGrpSpPr/>
+        <p:nvPr/>
+      </p:nvGrpSpPr>
+      <p:grpSpPr>
+        <a:xfrm>
+          <a:off x="0" y="0"/>
+          <a:ext cx="0" cy="0"/>
+          <a:chOff x="0" y="0"/>
+          <a:chExt cx="0" cy="0"/>
+        </a:xfrm>
+      </p:grpSpPr>
+      <p:sp>
+        <p:nvSpPr>
+          <p:cNvPr id="2" name="Title 1"/>
+          <p:cNvSpPr>
+            <a:spLocks noGrp="1"/>
+          </p:cNvSpPr>
+          <p:nvPr>
+            <p:ph type="title"/>
+          </p:nvPr>
+        </p:nvSpPr>
+        <p:spPr/>
+        <p:txBody>
+          <a:bodyPr/>
+          <a:lstStyle/>
+          <a:p>
+            <a:r>
+              <a:rPr lang="en-US" dirty="0" smtClean="0"/>
+              <a:t>Features</a:t>
+            </a:r>
+            <a:endParaRPr lang="en-US" dirty="0"/>
+          </a:p>
+        </p:txBody>
+      </p:sp>
+      <p:sp>
+        <p:nvSpPr>
+          <p:cNvPr id="3" name="Content Placeholder 2"/>
+          <p:cNvSpPr>
+            <a:spLocks noGrp="1"/>
+          </p:cNvSpPr>
+          <p:nvPr>
+            <p:ph idx="1"/>
+          </p:nvPr>
+        </p:nvSpPr>
+        <p:spPr/>
+        <p:txBody>
+          <a:bodyPr/>
+          <a:lstStyle/>
+          <a:p>
+            <a:r>
+              <a:rPr lang="en-US" dirty="0"/>
+              <a:t>Kafka is run as a cluster on one or more servers.</a:t>
+            </a:r>
+          </a:p>
+          <a:p>
+            <a:r>
+              <a:rPr lang="en-US" dirty="0"/>
+              <a:t>The Kafka cluster stores streams of </a:t>
+            </a:r>
+            <a:r>
+              <a:rPr lang="en-US" i="1" dirty="0"/>
+              <a:t>records</a:t>
+            </a:r>
+            <a:r>
+              <a:rPr lang="en-US" dirty="0"/>
+              <a:t> in categories called </a:t>
+            </a:r>
+            <a:r>
+              <a:rPr lang="en-US" i="1" dirty="0"/>
+              <a:t>topics</a:t>
+            </a:r>
+            <a:r>
+              <a:rPr lang="en-US" dirty="0"/>
+              <a:t>.</a:t>
+            </a:r>
+          </a:p>
+          <a:p>
+            <a:r>
+              <a:rPr lang="en-US" dirty="0"/>
+              <a:t>Each record consists of a key, a value, and a timestamp.</a:t>
+            </a:r>
+          </a:p>
+          <a:p>
+            <a:endParaRPr lang="en-US" dirty="0"/>
+          </a:p>
+        </p:txBody>
+      </p:sp>
+    </p:spTree>
+    <p:extLst>
+      <p:ext uri="{BB962C8B-B14F-4D97-AF65-F5344CB8AC3E}">
+        <p14:creationId xmlns:p14="http://schemas.microsoft.com/office/powerpoint/2010/main" val="3771635768"/>
+      </p:ext>
+    </p:extLst>
+  </p:cSld>
+  <p:clrMapOvr>
+    <a:masterClrMapping/>
+  </p:clrMapOvr>
+</p:sld>
+</file>
+
+<file path=ppt/slides/slide9.xml><?xml version="1.0" encoding="utf-8"?>
+<p:sld xmlns:a="http://schemas.openxmlformats.org/drawingml/2006/main" xmlns:r="http://schemas.openxmlformats.org/officeDocument/2006/relationships" xmlns:p="http://schemas.openxmlformats.org/presentationml/2006/main">
+  <p:cSld>
+    <p:spTree>
+      <p:nvGrpSpPr>
+        <p:cNvPr id="1" name=""/>
+        <p:cNvGrpSpPr/>
+        <p:nvPr/>
+      </p:nvGrpSpPr>
+      <p:grpSpPr>
+        <a:xfrm>
+          <a:off x="0" y="0"/>
+          <a:ext cx="0" cy="0"/>
+          <a:chOff x="0" y="0"/>
+          <a:chExt cx="0" cy="0"/>
+        </a:xfrm>
+      </p:grpSpPr>
+      <p:sp>
+        <p:nvSpPr>
+          <p:cNvPr id="2" name="Title 1"/>
+          <p:cNvSpPr>
+            <a:spLocks noGrp="1"/>
+          </p:cNvSpPr>
+          <p:nvPr>
+            <p:ph type="title"/>
+          </p:nvPr>
+        </p:nvSpPr>
+        <p:spPr/>
+        <p:txBody>
+          <a:bodyPr/>
+          <a:lstStyle/>
+          <a:p>
+            <a:endParaRPr lang="en-US"/>
+          </a:p>
+        </p:txBody>
+      </p:sp>
+      <p:sp>
+        <p:nvSpPr>
+          <p:cNvPr id="3" name="Content Placeholder 2"/>
+          <p:cNvSpPr>
+            <a:spLocks noGrp="1"/>
+          </p:cNvSpPr>
+          <p:nvPr>
+            <p:ph idx="1"/>
+          </p:nvPr>
+        </p:nvSpPr>
+        <p:spPr/>
+        <p:txBody>
+          <a:bodyPr/>
+          <a:lstStyle/>
+          <a:p>
+            <a:r>
+              <a:rPr lang="en-US" dirty="0"/>
+              <a:t>--</a:t>
+            </a:r>
+            <a:r>
+              <a:rPr lang="en-US" dirty="0" smtClean="0"/>
+              <a:t>from-beginning-gets all messages on that topic from beginning, used when offset is not there in consumer</a:t>
+            </a:r>
+            <a:endParaRPr lang="en-US" dirty="0"/>
+          </a:p>
+        </p:txBody>
+      </p:sp>
+    </p:spTree>
+    <p:extLst>
+      <p:ext uri="{BB962C8B-B14F-4D97-AF65-F5344CB8AC3E}">
+        <p14:creationId xmlns:p14="http://schemas.microsoft.com/office/powerpoint/2010/main" val="4162861536"/>
       </p:ext>
     </p:extLst>
   </p:cSld>

--- a/ppt/Kafka.pptx
+++ b/ppt/Kafka.pptx
@@ -24,6 +24,7 @@
     <p:sldId id="273" r:id="rId18"/>
     <p:sldId id="270" r:id="rId19"/>
     <p:sldId id="271" r:id="rId20"/>
+    <p:sldId id="275" r:id="rId21"/>
   </p:sldIdLst>
   <p:sldSz cx="12192000" cy="6858000"/>
   <p:notesSz cx="6858000" cy="9144000"/>
@@ -853,7 +854,7 @@
             <a:fld id="{B61BEF0D-F0BB-DE4B-95CE-6DB70DBA9567}" type="datetimeFigureOut">
               <a:rPr lang="en-US" dirty="0"/>
               <a:pPr/>
-              <a:t>3/4/2017</a:t>
+              <a:t>3/6/2017</a:t>
             </a:fld>
             <a:endParaRPr lang="en-US" dirty="0"/>
           </a:p>
@@ -1101,7 +1102,7 @@
             <a:fld id="{B61BEF0D-F0BB-DE4B-95CE-6DB70DBA9567}" type="datetimeFigureOut">
               <a:rPr lang="en-US" dirty="0"/>
               <a:pPr/>
-              <a:t>3/4/2017</a:t>
+              <a:t>3/6/2017</a:t>
             </a:fld>
             <a:endParaRPr lang="en-US" dirty="0"/>
           </a:p>
@@ -1412,7 +1413,7 @@
             <a:fld id="{B61BEF0D-F0BB-DE4B-95CE-6DB70DBA9567}" type="datetimeFigureOut">
               <a:rPr lang="en-US" dirty="0"/>
               <a:pPr/>
-              <a:t>3/4/2017</a:t>
+              <a:t>3/6/2017</a:t>
             </a:fld>
             <a:endParaRPr lang="en-US" dirty="0"/>
           </a:p>
@@ -1750,7 +1751,7 @@
             <a:fld id="{B61BEF0D-F0BB-DE4B-95CE-6DB70DBA9567}" type="datetimeFigureOut">
               <a:rPr lang="en-US" dirty="0"/>
               <a:pPr/>
-              <a:t>3/4/2017</a:t>
+              <a:t>3/6/2017</a:t>
             </a:fld>
             <a:endParaRPr lang="en-US" dirty="0"/>
           </a:p>
@@ -2061,7 +2062,7 @@
             <a:fld id="{B61BEF0D-F0BB-DE4B-95CE-6DB70DBA9567}" type="datetimeFigureOut">
               <a:rPr lang="en-US" dirty="0"/>
               <a:pPr/>
-              <a:t>3/4/2017</a:t>
+              <a:t>3/6/2017</a:t>
             </a:fld>
             <a:endParaRPr lang="en-US" dirty="0"/>
           </a:p>
@@ -2451,7 +2452,7 @@
             <a:fld id="{B61BEF0D-F0BB-DE4B-95CE-6DB70DBA9567}" type="datetimeFigureOut">
               <a:rPr lang="en-US" dirty="0"/>
               <a:pPr/>
-              <a:t>3/4/2017</a:t>
+              <a:t>3/6/2017</a:t>
             </a:fld>
             <a:endParaRPr lang="en-US" dirty="0"/>
           </a:p>
@@ -2617,7 +2618,7 @@
           <a:p>
             <a:fld id="{55C6B4A9-1611-4792-9094-5F34BCA07E0B}" type="datetimeFigureOut">
               <a:rPr lang="en-US" dirty="0"/>
-              <a:t>3/4/2017</a:t>
+              <a:t>3/6/2017</a:t>
             </a:fld>
             <a:endParaRPr lang="en-US" dirty="0"/>
           </a:p>
@@ -2793,7 +2794,7 @@
             <a:fld id="{B61BEF0D-F0BB-DE4B-95CE-6DB70DBA9567}" type="datetimeFigureOut">
               <a:rPr lang="en-US" dirty="0"/>
               <a:pPr/>
-              <a:t>3/4/2017</a:t>
+              <a:t>3/6/2017</a:t>
             </a:fld>
             <a:endParaRPr lang="en-US" dirty="0"/>
           </a:p>
@@ -2966,7 +2967,7 @@
             <a:fld id="{B61BEF0D-F0BB-DE4B-95CE-6DB70DBA9567}" type="datetimeFigureOut">
               <a:rPr lang="en-US" dirty="0"/>
               <a:pPr/>
-              <a:t>3/4/2017</a:t>
+              <a:t>3/6/2017</a:t>
             </a:fld>
             <a:endParaRPr lang="en-US" dirty="0"/>
           </a:p>
@@ -3210,7 +3211,7 @@
             <a:fld id="{B61BEF0D-F0BB-DE4B-95CE-6DB70DBA9567}" type="datetimeFigureOut">
               <a:rPr lang="en-US" dirty="0"/>
               <a:pPr/>
-              <a:t>3/4/2017</a:t>
+              <a:t>3/6/2017</a:t>
             </a:fld>
             <a:endParaRPr lang="en-US" dirty="0"/>
           </a:p>
@@ -3438,7 +3439,7 @@
           <a:p>
             <a:fld id="{EB712588-04B1-427B-82EE-E8DB90309F08}" type="datetimeFigureOut">
               <a:rPr lang="en-US" dirty="0"/>
-              <a:t>3/4/2017</a:t>
+              <a:t>3/6/2017</a:t>
             </a:fld>
             <a:endParaRPr lang="en-US" dirty="0"/>
           </a:p>
@@ -3808,7 +3809,7 @@
             <a:fld id="{B61BEF0D-F0BB-DE4B-95CE-6DB70DBA9567}" type="datetimeFigureOut">
               <a:rPr lang="en-US" dirty="0"/>
               <a:pPr/>
-              <a:t>3/4/2017</a:t>
+              <a:t>3/6/2017</a:t>
             </a:fld>
             <a:endParaRPr lang="en-US" dirty="0"/>
           </a:p>
@@ -3928,7 +3929,7 @@
             <a:fld id="{B61BEF0D-F0BB-DE4B-95CE-6DB70DBA9567}" type="datetimeFigureOut">
               <a:rPr lang="en-US" dirty="0"/>
               <a:pPr/>
-              <a:t>3/4/2017</a:t>
+              <a:t>3/6/2017</a:t>
             </a:fld>
             <a:endParaRPr lang="en-US" dirty="0"/>
           </a:p>
@@ -4020,7 +4021,7 @@
             <a:fld id="{B61BEF0D-F0BB-DE4B-95CE-6DB70DBA9567}" type="datetimeFigureOut">
               <a:rPr lang="en-US" dirty="0"/>
               <a:pPr/>
-              <a:t>3/4/2017</a:t>
+              <a:t>3/6/2017</a:t>
             </a:fld>
             <a:endParaRPr lang="en-US" dirty="0"/>
           </a:p>
@@ -4271,7 +4272,7 @@
           <a:p>
             <a:fld id="{42A54C80-263E-416B-A8E0-580EDEADCBDC}" type="datetimeFigureOut">
               <a:rPr lang="en-US" dirty="0"/>
-              <a:t>3/4/2017</a:t>
+              <a:t>3/6/2017</a:t>
             </a:fld>
             <a:endParaRPr lang="en-US" dirty="0"/>
           </a:p>
@@ -4530,7 +4531,7 @@
             <a:fld id="{B61BEF0D-F0BB-DE4B-95CE-6DB70DBA9567}" type="datetimeFigureOut">
               <a:rPr lang="en-US" dirty="0"/>
               <a:pPr/>
-              <a:t>3/4/2017</a:t>
+              <a:t>3/6/2017</a:t>
             </a:fld>
             <a:endParaRPr lang="en-US" dirty="0"/>
           </a:p>
@@ -5270,7 +5271,7 @@
             <a:fld id="{B61BEF0D-F0BB-DE4B-95CE-6DB70DBA9567}" type="datetimeFigureOut">
               <a:rPr lang="en-US" dirty="0"/>
               <a:pPr/>
-              <a:t>3/4/2017</a:t>
+              <a:t>3/6/2017</a:t>
             </a:fld>
             <a:endParaRPr lang="en-US" dirty="0"/>
           </a:p>
@@ -7135,11 +7136,7 @@
             </a:r>
             <a:r>
               <a:rPr lang="en-US" dirty="0" smtClean="0"/>
-              <a:t> and consumer consumes data from it based on topic</a:t>
-            </a:r>
-            <a:r>
-              <a:rPr lang="en-US" dirty="0" smtClean="0"/>
-              <a:t>.</a:t>
+              <a:t> and consumer consumes data from it based on topic.</a:t>
             </a:r>
           </a:p>
           <a:p>
@@ -7215,6 +7212,100 @@
     <p:extLst>
       <p:ext uri="{BB962C8B-B14F-4D97-AF65-F5344CB8AC3E}">
         <p14:creationId xmlns:p14="http://schemas.microsoft.com/office/powerpoint/2010/main" val="3238730036"/>
+      </p:ext>
+    </p:extLst>
+  </p:cSld>
+  <p:clrMapOvr>
+    <a:masterClrMapping/>
+  </p:clrMapOvr>
+</p:sld>
+</file>
+
+<file path=ppt/slides/slide20.xml><?xml version="1.0" encoding="utf-8"?>
+<p:sld xmlns:a="http://schemas.openxmlformats.org/drawingml/2006/main" xmlns:r="http://schemas.openxmlformats.org/officeDocument/2006/relationships" xmlns:p="http://schemas.openxmlformats.org/presentationml/2006/main">
+  <p:cSld>
+    <p:spTree>
+      <p:nvGrpSpPr>
+        <p:cNvPr id="1" name=""/>
+        <p:cNvGrpSpPr/>
+        <p:nvPr/>
+      </p:nvGrpSpPr>
+      <p:grpSpPr>
+        <a:xfrm>
+          <a:off x="0" y="0"/>
+          <a:ext cx="0" cy="0"/>
+          <a:chOff x="0" y="0"/>
+          <a:chExt cx="0" cy="0"/>
+        </a:xfrm>
+      </p:grpSpPr>
+      <p:sp>
+        <p:nvSpPr>
+          <p:cNvPr id="2" name="Title 1"/>
+          <p:cNvSpPr>
+            <a:spLocks noGrp="1"/>
+          </p:cNvSpPr>
+          <p:nvPr>
+            <p:ph type="title"/>
+          </p:nvPr>
+        </p:nvSpPr>
+        <p:spPr/>
+        <p:txBody>
+          <a:bodyPr/>
+          <a:lstStyle/>
+          <a:p>
+            <a:r>
+              <a:rPr lang="en-US" dirty="0" smtClean="0"/>
+              <a:t>Write file to </a:t>
+            </a:r>
+            <a:r>
+              <a:rPr lang="en-US" dirty="0" err="1" smtClean="0"/>
+              <a:t>kafka</a:t>
+            </a:r>
+            <a:endParaRPr lang="en-US" dirty="0"/>
+          </a:p>
+        </p:txBody>
+      </p:sp>
+      <p:sp>
+        <p:nvSpPr>
+          <p:cNvPr id="3" name="Content Placeholder 2"/>
+          <p:cNvSpPr>
+            <a:spLocks noGrp="1"/>
+          </p:cNvSpPr>
+          <p:nvPr>
+            <p:ph idx="1"/>
+          </p:nvPr>
+        </p:nvSpPr>
+        <p:spPr/>
+        <p:txBody>
+          <a:bodyPr/>
+          <a:lstStyle/>
+          <a:p>
+            <a:r>
+              <a:rPr lang="en-US" dirty="0"/>
+              <a:t>kafka-console-producer.sh --broker-list localhost:9092 --topic </a:t>
+            </a:r>
+            <a:r>
+              <a:rPr lang="en-US" dirty="0" err="1"/>
+              <a:t>my_topic</a:t>
+            </a:r>
+            <a:r>
+              <a:rPr lang="en-US" dirty="0"/>
+              <a:t> &lt; my_file.txt </a:t>
+            </a:r>
+          </a:p>
+          <a:p>
+            <a:r>
+              <a:rPr lang="en-US" smtClean="0"/>
+              <a:t>This one is for 0.9 and above</a:t>
+            </a:r>
+            <a:endParaRPr lang="en-US" dirty="0"/>
+          </a:p>
+        </p:txBody>
+      </p:sp>
+    </p:spTree>
+    <p:extLst>
+      <p:ext uri="{BB962C8B-B14F-4D97-AF65-F5344CB8AC3E}">
+        <p14:creationId xmlns:p14="http://schemas.microsoft.com/office/powerpoint/2010/main" val="2058052735"/>
       </p:ext>
     </p:extLst>
   </p:cSld>

--- a/ppt/Kafka.pptx
+++ b/ppt/Kafka.pptx
@@ -10,21 +10,25 @@
     <p:sldId id="274" r:id="rId4"/>
     <p:sldId id="259" r:id="rId5"/>
     <p:sldId id="258" r:id="rId6"/>
-    <p:sldId id="260" r:id="rId7"/>
-    <p:sldId id="261" r:id="rId8"/>
-    <p:sldId id="262" r:id="rId9"/>
-    <p:sldId id="263" r:id="rId10"/>
-    <p:sldId id="264" r:id="rId11"/>
-    <p:sldId id="265" r:id="rId12"/>
-    <p:sldId id="266" r:id="rId13"/>
-    <p:sldId id="267" r:id="rId14"/>
-    <p:sldId id="268" r:id="rId15"/>
-    <p:sldId id="269" r:id="rId16"/>
-    <p:sldId id="272" r:id="rId17"/>
-    <p:sldId id="273" r:id="rId18"/>
-    <p:sldId id="270" r:id="rId19"/>
-    <p:sldId id="271" r:id="rId20"/>
-    <p:sldId id="275" r:id="rId21"/>
+    <p:sldId id="278" r:id="rId7"/>
+    <p:sldId id="260" r:id="rId8"/>
+    <p:sldId id="261" r:id="rId9"/>
+    <p:sldId id="262" r:id="rId10"/>
+    <p:sldId id="263" r:id="rId11"/>
+    <p:sldId id="264" r:id="rId12"/>
+    <p:sldId id="265" r:id="rId13"/>
+    <p:sldId id="266" r:id="rId14"/>
+    <p:sldId id="267" r:id="rId15"/>
+    <p:sldId id="268" r:id="rId16"/>
+    <p:sldId id="269" r:id="rId17"/>
+    <p:sldId id="272" r:id="rId18"/>
+    <p:sldId id="273" r:id="rId19"/>
+    <p:sldId id="270" r:id="rId20"/>
+    <p:sldId id="271" r:id="rId21"/>
+    <p:sldId id="275" r:id="rId22"/>
+    <p:sldId id="276" r:id="rId23"/>
+    <p:sldId id="277" r:id="rId24"/>
+    <p:sldId id="279" r:id="rId25"/>
   </p:sldIdLst>
   <p:sldSz cx="12192000" cy="6858000"/>
   <p:notesSz cx="6858000" cy="9144000"/>
@@ -854,7 +858,7 @@
             <a:fld id="{B61BEF0D-F0BB-DE4B-95CE-6DB70DBA9567}" type="datetimeFigureOut">
               <a:rPr lang="en-US" dirty="0"/>
               <a:pPr/>
-              <a:t>3/6/2017</a:t>
+              <a:t>3/29/2017</a:t>
             </a:fld>
             <a:endParaRPr lang="en-US" dirty="0"/>
           </a:p>
@@ -1102,7 +1106,7 @@
             <a:fld id="{B61BEF0D-F0BB-DE4B-95CE-6DB70DBA9567}" type="datetimeFigureOut">
               <a:rPr lang="en-US" dirty="0"/>
               <a:pPr/>
-              <a:t>3/6/2017</a:t>
+              <a:t>3/29/2017</a:t>
             </a:fld>
             <a:endParaRPr lang="en-US" dirty="0"/>
           </a:p>
@@ -1413,7 +1417,7 @@
             <a:fld id="{B61BEF0D-F0BB-DE4B-95CE-6DB70DBA9567}" type="datetimeFigureOut">
               <a:rPr lang="en-US" dirty="0"/>
               <a:pPr/>
-              <a:t>3/6/2017</a:t>
+              <a:t>3/29/2017</a:t>
             </a:fld>
             <a:endParaRPr lang="en-US" dirty="0"/>
           </a:p>
@@ -1751,7 +1755,7 @@
             <a:fld id="{B61BEF0D-F0BB-DE4B-95CE-6DB70DBA9567}" type="datetimeFigureOut">
               <a:rPr lang="en-US" dirty="0"/>
               <a:pPr/>
-              <a:t>3/6/2017</a:t>
+              <a:t>3/29/2017</a:t>
             </a:fld>
             <a:endParaRPr lang="en-US" dirty="0"/>
           </a:p>
@@ -2062,7 +2066,7 @@
             <a:fld id="{B61BEF0D-F0BB-DE4B-95CE-6DB70DBA9567}" type="datetimeFigureOut">
               <a:rPr lang="en-US" dirty="0"/>
               <a:pPr/>
-              <a:t>3/6/2017</a:t>
+              <a:t>3/29/2017</a:t>
             </a:fld>
             <a:endParaRPr lang="en-US" dirty="0"/>
           </a:p>
@@ -2452,7 +2456,7 @@
             <a:fld id="{B61BEF0D-F0BB-DE4B-95CE-6DB70DBA9567}" type="datetimeFigureOut">
               <a:rPr lang="en-US" dirty="0"/>
               <a:pPr/>
-              <a:t>3/6/2017</a:t>
+              <a:t>3/29/2017</a:t>
             </a:fld>
             <a:endParaRPr lang="en-US" dirty="0"/>
           </a:p>
@@ -2618,7 +2622,7 @@
           <a:p>
             <a:fld id="{55C6B4A9-1611-4792-9094-5F34BCA07E0B}" type="datetimeFigureOut">
               <a:rPr lang="en-US" dirty="0"/>
-              <a:t>3/6/2017</a:t>
+              <a:t>3/29/2017</a:t>
             </a:fld>
             <a:endParaRPr lang="en-US" dirty="0"/>
           </a:p>
@@ -2794,7 +2798,7 @@
             <a:fld id="{B61BEF0D-F0BB-DE4B-95CE-6DB70DBA9567}" type="datetimeFigureOut">
               <a:rPr lang="en-US" dirty="0"/>
               <a:pPr/>
-              <a:t>3/6/2017</a:t>
+              <a:t>3/29/2017</a:t>
             </a:fld>
             <a:endParaRPr lang="en-US" dirty="0"/>
           </a:p>
@@ -2967,7 +2971,7 @@
             <a:fld id="{B61BEF0D-F0BB-DE4B-95CE-6DB70DBA9567}" type="datetimeFigureOut">
               <a:rPr lang="en-US" dirty="0"/>
               <a:pPr/>
-              <a:t>3/6/2017</a:t>
+              <a:t>3/29/2017</a:t>
             </a:fld>
             <a:endParaRPr lang="en-US" dirty="0"/>
           </a:p>
@@ -3211,7 +3215,7 @@
             <a:fld id="{B61BEF0D-F0BB-DE4B-95CE-6DB70DBA9567}" type="datetimeFigureOut">
               <a:rPr lang="en-US" dirty="0"/>
               <a:pPr/>
-              <a:t>3/6/2017</a:t>
+              <a:t>3/29/2017</a:t>
             </a:fld>
             <a:endParaRPr lang="en-US" dirty="0"/>
           </a:p>
@@ -3439,7 +3443,7 @@
           <a:p>
             <a:fld id="{EB712588-04B1-427B-82EE-E8DB90309F08}" type="datetimeFigureOut">
               <a:rPr lang="en-US" dirty="0"/>
-              <a:t>3/6/2017</a:t>
+              <a:t>3/29/2017</a:t>
             </a:fld>
             <a:endParaRPr lang="en-US" dirty="0"/>
           </a:p>
@@ -3809,7 +3813,7 @@
             <a:fld id="{B61BEF0D-F0BB-DE4B-95CE-6DB70DBA9567}" type="datetimeFigureOut">
               <a:rPr lang="en-US" dirty="0"/>
               <a:pPr/>
-              <a:t>3/6/2017</a:t>
+              <a:t>3/29/2017</a:t>
             </a:fld>
             <a:endParaRPr lang="en-US" dirty="0"/>
           </a:p>
@@ -3929,7 +3933,7 @@
             <a:fld id="{B61BEF0D-F0BB-DE4B-95CE-6DB70DBA9567}" type="datetimeFigureOut">
               <a:rPr lang="en-US" dirty="0"/>
               <a:pPr/>
-              <a:t>3/6/2017</a:t>
+              <a:t>3/29/2017</a:t>
             </a:fld>
             <a:endParaRPr lang="en-US" dirty="0"/>
           </a:p>
@@ -4021,7 +4025,7 @@
             <a:fld id="{B61BEF0D-F0BB-DE4B-95CE-6DB70DBA9567}" type="datetimeFigureOut">
               <a:rPr lang="en-US" dirty="0"/>
               <a:pPr/>
-              <a:t>3/6/2017</a:t>
+              <a:t>3/29/2017</a:t>
             </a:fld>
             <a:endParaRPr lang="en-US" dirty="0"/>
           </a:p>
@@ -4272,7 +4276,7 @@
           <a:p>
             <a:fld id="{42A54C80-263E-416B-A8E0-580EDEADCBDC}" type="datetimeFigureOut">
               <a:rPr lang="en-US" dirty="0"/>
-              <a:t>3/6/2017</a:t>
+              <a:t>3/29/2017</a:t>
             </a:fld>
             <a:endParaRPr lang="en-US" dirty="0"/>
           </a:p>
@@ -4531,7 +4535,7 @@
             <a:fld id="{B61BEF0D-F0BB-DE4B-95CE-6DB70DBA9567}" type="datetimeFigureOut">
               <a:rPr lang="en-US" dirty="0"/>
               <a:pPr/>
-              <a:t>3/6/2017</a:t>
+              <a:t>3/29/2017</a:t>
             </a:fld>
             <a:endParaRPr lang="en-US" dirty="0"/>
           </a:p>
@@ -5271,7 +5275,7 @@
             <a:fld id="{B61BEF0D-F0BB-DE4B-95CE-6DB70DBA9567}" type="datetimeFigureOut">
               <a:rPr lang="en-US" dirty="0"/>
               <a:pPr/>
-              <a:t>3/6/2017</a:t>
+              <a:t>3/29/2017</a:t>
             </a:fld>
             <a:endParaRPr lang="en-US" dirty="0"/>
           </a:p>
@@ -5882,7 +5886,11 @@
           <a:bodyPr/>
           <a:lstStyle/>
           <a:p>
-            <a:endParaRPr lang="en-US"/>
+            <a:r>
+              <a:rPr lang="en-US" dirty="0" smtClean="0"/>
+              <a:t>Features</a:t>
+            </a:r>
+            <a:endParaRPr lang="en-US" dirty="0"/>
           </a:p>
         </p:txBody>
       </p:sp>
@@ -5903,12 +5911,38 @@
           <a:p>
             <a:r>
               <a:rPr lang="en-US" dirty="0"/>
-              <a:t>--</a:t>
-            </a:r>
-            <a:r>
-              <a:rPr lang="en-US" dirty="0" smtClean="0"/>
-              <a:t>from-beginning-gets all messages on that topic from beginning, used when offset is not there in consumer</a:t>
-            </a:r>
+              <a:t>Kafka is run as a cluster on one or more servers.</a:t>
+            </a:r>
+          </a:p>
+          <a:p>
+            <a:r>
+              <a:rPr lang="en-US" dirty="0"/>
+              <a:t>The Kafka cluster stores streams of </a:t>
+            </a:r>
+            <a:r>
+              <a:rPr lang="en-US" i="1" dirty="0"/>
+              <a:t>records</a:t>
+            </a:r>
+            <a:r>
+              <a:rPr lang="en-US" dirty="0"/>
+              <a:t> in categories called </a:t>
+            </a:r>
+            <a:r>
+              <a:rPr lang="en-US" i="1" dirty="0"/>
+              <a:t>topics</a:t>
+            </a:r>
+            <a:r>
+              <a:rPr lang="en-US" dirty="0"/>
+              <a:t>.</a:t>
+            </a:r>
+          </a:p>
+          <a:p>
+            <a:r>
+              <a:rPr lang="en-US" dirty="0"/>
+              <a:t>Each record consists of a key, a value, and a timestamp.</a:t>
+            </a:r>
+          </a:p>
+          <a:p>
             <a:endParaRPr lang="en-US" dirty="0"/>
           </a:p>
         </p:txBody>
@@ -5916,7 +5950,7 @@
     </p:spTree>
     <p:extLst>
       <p:ext uri="{BB962C8B-B14F-4D97-AF65-F5344CB8AC3E}">
-        <p14:creationId xmlns:p14="http://schemas.microsoft.com/office/powerpoint/2010/main" val="4162861536"/>
+        <p14:creationId xmlns:p14="http://schemas.microsoft.com/office/powerpoint/2010/main" val="3771635768"/>
       </p:ext>
     </p:extLst>
   </p:cSld>
@@ -5958,20 +5992,7 @@
           <a:bodyPr/>
           <a:lstStyle/>
           <a:p>
-            <a:r>
-              <a:rPr lang="en-US" b="1" dirty="0">
-                <a:hlinkClick r:id="rId2"/>
-              </a:rPr>
-              <a:t>Distribution</a:t>
-            </a:r>
-            <a:r>
-              <a:rPr lang="en-US" b="1" dirty="0"/>
-              <a:t/>
-            </a:r>
-            <a:br>
-              <a:rPr lang="en-US" b="1" dirty="0"/>
-            </a:br>
-            <a:endParaRPr lang="en-US" dirty="0"/>
+            <a:endParaRPr lang="en-US"/>
           </a:p>
         </p:txBody>
       </p:sp>
@@ -5992,40 +6013,20 @@
           <a:p>
             <a:r>
               <a:rPr lang="en-US" dirty="0"/>
-              <a:t>Each partition has one server which acts as the "leader" and zero or more servers which act as "followers". </a:t>
-            </a:r>
-            <a:endParaRPr lang="en-US" dirty="0" smtClean="0"/>
-          </a:p>
-          <a:p>
+              <a:t>--</a:t>
+            </a:r>
             <a:r>
               <a:rPr lang="en-US" dirty="0" smtClean="0"/>
-              <a:t>The </a:t>
-            </a:r>
-            <a:r>
-              <a:rPr lang="en-US" dirty="0"/>
-              <a:t>leader handles all read and write requests for the partition while the followers passively replicate the leader. </a:t>
-            </a:r>
-            <a:endParaRPr lang="en-US" dirty="0" smtClean="0"/>
-          </a:p>
-          <a:p>
-            <a:r>
-              <a:rPr lang="en-US" dirty="0"/>
-              <a:t>If the leader fails, one of the followers will automatically become the new leader. </a:t>
-            </a:r>
-            <a:endParaRPr lang="en-US" dirty="0" smtClean="0"/>
-          </a:p>
-          <a:p>
-            <a:r>
-              <a:rPr lang="en-US" dirty="0"/>
-              <a:t> Each server acts as a leader for some of its partitions and a follower for others so load is well balanced within the cluster.</a:t>
-            </a:r>
+              <a:t>from-beginning-gets all messages on that topic from beginning, used when offset is not there in consumer</a:t>
+            </a:r>
+            <a:endParaRPr lang="en-US" dirty="0"/>
           </a:p>
         </p:txBody>
       </p:sp>
     </p:spTree>
     <p:extLst>
       <p:ext uri="{BB962C8B-B14F-4D97-AF65-F5344CB8AC3E}">
-        <p14:creationId xmlns:p14="http://schemas.microsoft.com/office/powerpoint/2010/main" val="2973959010"/>
+        <p14:creationId xmlns:p14="http://schemas.microsoft.com/office/powerpoint/2010/main" val="4162861536"/>
       </p:ext>
     </p:extLst>
   </p:cSld>
@@ -6071,6 +6072,115 @@
               <a:rPr lang="en-US" b="1" dirty="0">
                 <a:hlinkClick r:id="rId2"/>
               </a:rPr>
+              <a:t>Distribution</a:t>
+            </a:r>
+            <a:r>
+              <a:rPr lang="en-US" b="1" dirty="0"/>
+              <a:t/>
+            </a:r>
+            <a:br>
+              <a:rPr lang="en-US" b="1" dirty="0"/>
+            </a:br>
+            <a:endParaRPr lang="en-US" dirty="0"/>
+          </a:p>
+        </p:txBody>
+      </p:sp>
+      <p:sp>
+        <p:nvSpPr>
+          <p:cNvPr id="3" name="Content Placeholder 2"/>
+          <p:cNvSpPr>
+            <a:spLocks noGrp="1"/>
+          </p:cNvSpPr>
+          <p:nvPr>
+            <p:ph idx="1"/>
+          </p:nvPr>
+        </p:nvSpPr>
+        <p:spPr/>
+        <p:txBody>
+          <a:bodyPr/>
+          <a:lstStyle/>
+          <a:p>
+            <a:r>
+              <a:rPr lang="en-US" dirty="0"/>
+              <a:t>Each partition has one server which acts as the "leader" and zero or more servers which act as "followers". </a:t>
+            </a:r>
+            <a:endParaRPr lang="en-US" dirty="0" smtClean="0"/>
+          </a:p>
+          <a:p>
+            <a:r>
+              <a:rPr lang="en-US" dirty="0" smtClean="0"/>
+              <a:t>The </a:t>
+            </a:r>
+            <a:r>
+              <a:rPr lang="en-US" dirty="0"/>
+              <a:t>leader handles all read and write requests for the partition while the followers passively replicate the leader. </a:t>
+            </a:r>
+            <a:endParaRPr lang="en-US" dirty="0" smtClean="0"/>
+          </a:p>
+          <a:p>
+            <a:r>
+              <a:rPr lang="en-US" dirty="0"/>
+              <a:t>If the leader fails, one of the followers will automatically become the new leader. </a:t>
+            </a:r>
+            <a:endParaRPr lang="en-US" dirty="0" smtClean="0"/>
+          </a:p>
+          <a:p>
+            <a:r>
+              <a:rPr lang="en-US" dirty="0"/>
+              <a:t> Each server acts as a leader for some of its partitions and a follower for others so load is well balanced within the cluster.</a:t>
+            </a:r>
+          </a:p>
+        </p:txBody>
+      </p:sp>
+    </p:spTree>
+    <p:extLst>
+      <p:ext uri="{BB962C8B-B14F-4D97-AF65-F5344CB8AC3E}">
+        <p14:creationId xmlns:p14="http://schemas.microsoft.com/office/powerpoint/2010/main" val="2973959010"/>
+      </p:ext>
+    </p:extLst>
+  </p:cSld>
+  <p:clrMapOvr>
+    <a:masterClrMapping/>
+  </p:clrMapOvr>
+</p:sld>
+</file>
+
+<file path=ppt/slides/slide13.xml><?xml version="1.0" encoding="utf-8"?>
+<p:sld xmlns:a="http://schemas.openxmlformats.org/drawingml/2006/main" xmlns:r="http://schemas.openxmlformats.org/officeDocument/2006/relationships" xmlns:p="http://schemas.openxmlformats.org/presentationml/2006/main">
+  <p:cSld>
+    <p:spTree>
+      <p:nvGrpSpPr>
+        <p:cNvPr id="1" name=""/>
+        <p:cNvGrpSpPr/>
+        <p:nvPr/>
+      </p:nvGrpSpPr>
+      <p:grpSpPr>
+        <a:xfrm>
+          <a:off x="0" y="0"/>
+          <a:ext cx="0" cy="0"/>
+          <a:chOff x="0" y="0"/>
+          <a:chExt cx="0" cy="0"/>
+        </a:xfrm>
+      </p:grpSpPr>
+      <p:sp>
+        <p:nvSpPr>
+          <p:cNvPr id="2" name="Title 1"/>
+          <p:cNvSpPr>
+            <a:spLocks noGrp="1"/>
+          </p:cNvSpPr>
+          <p:nvPr>
+            <p:ph type="title"/>
+          </p:nvPr>
+        </p:nvSpPr>
+        <p:spPr/>
+        <p:txBody>
+          <a:bodyPr/>
+          <a:lstStyle/>
+          <a:p>
+            <a:r>
+              <a:rPr lang="en-US" b="1" dirty="0">
+                <a:hlinkClick r:id="rId2"/>
+              </a:rPr>
               <a:t>Producers</a:t>
             </a:r>
             <a:r>
@@ -6129,7 +6239,7 @@
 </p:sld>
 </file>
 
-<file path=ppt/slides/slide13.xml><?xml version="1.0" encoding="utf-8"?>
+<file path=ppt/slides/slide14.xml><?xml version="1.0" encoding="utf-8"?>
 <p:sld xmlns:a="http://schemas.openxmlformats.org/drawingml/2006/main" xmlns:r="http://schemas.openxmlformats.org/officeDocument/2006/relationships" xmlns:p="http://schemas.openxmlformats.org/presentationml/2006/main">
   <p:cSld>
     <p:spTree>
@@ -6307,121 +6417,6 @@
 </p:sld>
 </file>
 
-<file path=ppt/slides/slide14.xml><?xml version="1.0" encoding="utf-8"?>
-<p:sld xmlns:a="http://schemas.openxmlformats.org/drawingml/2006/main" xmlns:r="http://schemas.openxmlformats.org/officeDocument/2006/relationships" xmlns:p="http://schemas.openxmlformats.org/presentationml/2006/main">
-  <p:cSld>
-    <p:spTree>
-      <p:nvGrpSpPr>
-        <p:cNvPr id="1" name=""/>
-        <p:cNvGrpSpPr/>
-        <p:nvPr/>
-      </p:nvGrpSpPr>
-      <p:grpSpPr>
-        <a:xfrm>
-          <a:off x="0" y="0"/>
-          <a:ext cx="0" cy="0"/>
-          <a:chOff x="0" y="0"/>
-          <a:chExt cx="0" cy="0"/>
-        </a:xfrm>
-      </p:grpSpPr>
-      <p:sp>
-        <p:nvSpPr>
-          <p:cNvPr id="2" name="Title 1"/>
-          <p:cNvSpPr>
-            <a:spLocks noGrp="1"/>
-          </p:cNvSpPr>
-          <p:nvPr>
-            <p:ph type="title"/>
-          </p:nvPr>
-        </p:nvSpPr>
-        <p:spPr/>
-        <p:txBody>
-          <a:bodyPr/>
-          <a:lstStyle/>
-          <a:p>
-            <a:r>
-              <a:rPr lang="en-US" b="1" dirty="0">
-                <a:hlinkClick r:id="rId2"/>
-              </a:rPr>
-              <a:t>Guarantees</a:t>
-            </a:r>
-            <a:r>
-              <a:rPr lang="en-US" b="1" dirty="0"/>
-              <a:t/>
-            </a:r>
-            <a:br>
-              <a:rPr lang="en-US" b="1" dirty="0"/>
-            </a:br>
-            <a:endParaRPr lang="en-US" dirty="0"/>
-          </a:p>
-        </p:txBody>
-      </p:sp>
-      <p:sp>
-        <p:nvSpPr>
-          <p:cNvPr id="3" name="Content Placeholder 2"/>
-          <p:cNvSpPr>
-            <a:spLocks noGrp="1"/>
-          </p:cNvSpPr>
-          <p:nvPr>
-            <p:ph idx="1"/>
-          </p:nvPr>
-        </p:nvSpPr>
-        <p:spPr/>
-        <p:txBody>
-          <a:bodyPr/>
-          <a:lstStyle/>
-          <a:p>
-            <a:r>
-              <a:rPr lang="en-US" dirty="0" smtClean="0"/>
-              <a:t> </a:t>
-            </a:r>
-            <a:r>
-              <a:rPr lang="en-US" dirty="0"/>
-              <a:t>Messages sent by a producer to a particular topic partition will be appended in the order they are sent. </a:t>
-            </a:r>
-            <a:r>
-              <a:rPr lang="en-US" dirty="0" smtClean="0"/>
-              <a:t>-That </a:t>
-            </a:r>
-            <a:r>
-              <a:rPr lang="en-US" dirty="0"/>
-              <a:t>is, if a record M1 is sent by the same producer as a record M2, and M1 is sent first, then M1 will have a lower offset than M2 and appear earlier in the log</a:t>
-            </a:r>
-            <a:r>
-              <a:rPr lang="en-US" dirty="0" smtClean="0"/>
-              <a:t>.</a:t>
-            </a:r>
-          </a:p>
-          <a:p>
-            <a:r>
-              <a:rPr lang="en-US" dirty="0"/>
-              <a:t>A consumer instance sees records in the order they are stored in the log.</a:t>
-            </a:r>
-          </a:p>
-          <a:p>
-            <a:r>
-              <a:rPr lang="en-US" dirty="0"/>
-              <a:t>For a topic with replication factor N, we will tolerate up to N-1 server failures without losing any records committed to the log.</a:t>
-            </a:r>
-          </a:p>
-          <a:p>
-            <a:endParaRPr lang="en-US" dirty="0"/>
-          </a:p>
-        </p:txBody>
-      </p:sp>
-    </p:spTree>
-    <p:extLst>
-      <p:ext uri="{BB962C8B-B14F-4D97-AF65-F5344CB8AC3E}">
-        <p14:creationId xmlns:p14="http://schemas.microsoft.com/office/powerpoint/2010/main" val="2917338207"/>
-      </p:ext>
-    </p:extLst>
-  </p:cSld>
-  <p:clrMapOvr>
-    <a:masterClrMapping/>
-  </p:clrMapOvr>
-</p:sld>
-</file>
-
 <file path=ppt/slides/slide15.xml><?xml version="1.0" encoding="utf-8"?>
 <p:sld xmlns:a="http://schemas.openxmlformats.org/drawingml/2006/main" xmlns:r="http://schemas.openxmlformats.org/officeDocument/2006/relationships" xmlns:p="http://schemas.openxmlformats.org/presentationml/2006/main">
   <p:cSld>
@@ -6458,7 +6453,7 @@
               <a:rPr lang="en-US" b="1" dirty="0">
                 <a:hlinkClick r:id="rId2"/>
               </a:rPr>
-              <a:t>Kafka as a Messaging System</a:t>
+              <a:t>Guarantees</a:t>
             </a:r>
             <a:r>
               <a:rPr lang="en-US" b="1" dirty="0"/>
@@ -6483,30 +6478,24 @@
         </p:nvSpPr>
         <p:spPr/>
         <p:txBody>
-          <a:bodyPr>
-            <a:normAutofit fontScale="92500" lnSpcReduction="10000"/>
-          </a:bodyPr>
-          <a:lstStyle/>
-          <a:p>
-            <a:r>
-              <a:rPr lang="en-US" dirty="0"/>
-              <a:t>Messaging traditionally has two models: </a:t>
-            </a:r>
-            <a:r>
-              <a:rPr lang="en-US" dirty="0" smtClean="0">
-                <a:hlinkClick r:id="rId3"/>
-              </a:rPr>
-              <a:t>queuing</a:t>
-            </a:r>
-            <a:r>
-              <a:rPr lang="en-US" dirty="0"/>
-              <a:t> and </a:t>
-            </a:r>
-            <a:r>
-              <a:rPr lang="en-US" dirty="0">
-                <a:hlinkClick r:id="rId4"/>
-              </a:rPr>
-              <a:t>publish-subscribe</a:t>
+          <a:bodyPr/>
+          <a:lstStyle/>
+          <a:p>
+            <a:r>
+              <a:rPr lang="en-US" dirty="0" smtClean="0"/>
+              <a:t> </a:t>
+            </a:r>
+            <a:r>
+              <a:rPr lang="en-US" dirty="0"/>
+              <a:t>Messages sent by a producer to a particular topic partition will be appended in the order they are sent. </a:t>
+            </a:r>
+            <a:r>
+              <a:rPr lang="en-US" dirty="0" smtClean="0"/>
+              <a:t>-That </a:t>
+            </a:r>
+            <a:r>
+              <a:rPr lang="en-US" dirty="0"/>
+              <a:t>is, if a record M1 is sent by the same producer as a record M2, and M1 is sent first, then M1 will have a lower offset than M2 and appear earlier in the log</a:t>
             </a:r>
             <a:r>
               <a:rPr lang="en-US" dirty="0" smtClean="0"/>
@@ -6516,81 +6505,16 @@
           <a:p>
             <a:r>
               <a:rPr lang="en-US" dirty="0"/>
-              <a:t>In a queue, a pool of consumers may read from a server and each record goes to one of </a:t>
-            </a:r>
-            <a:r>
-              <a:rPr lang="en-US" dirty="0" smtClean="0"/>
-              <a:t>them</a:t>
-            </a:r>
-            <a:r>
-              <a:rPr lang="en-US" dirty="0"/>
-              <a:t>.</a:t>
-            </a:r>
-            <a:endParaRPr lang="en-US" dirty="0" smtClean="0"/>
-          </a:p>
-          <a:p>
-            <a:r>
-              <a:rPr lang="en-US" dirty="0" smtClean="0"/>
-              <a:t>In </a:t>
-            </a:r>
-            <a:r>
-              <a:rPr lang="en-US" dirty="0"/>
-              <a:t>publish-subscribe the record is broadcast to all </a:t>
-            </a:r>
-            <a:r>
-              <a:rPr lang="en-US" dirty="0" smtClean="0"/>
-              <a:t>consumers.</a:t>
-            </a:r>
-          </a:p>
-          <a:p>
-            <a:r>
-              <a:rPr lang="en-US" dirty="0"/>
-              <a:t>The consumer </a:t>
-            </a:r>
-            <a:r>
-              <a:rPr lang="en-US" dirty="0" smtClean="0"/>
-              <a:t>group </a:t>
-            </a:r>
-            <a:r>
-              <a:rPr lang="en-US" dirty="0"/>
-              <a:t>concept in Kafka generalizes these two </a:t>
-            </a:r>
-            <a:r>
-              <a:rPr lang="en-US" dirty="0" smtClean="0"/>
-              <a:t>concepts</a:t>
-            </a:r>
-          </a:p>
-          <a:p>
-            <a:r>
-              <a:rPr lang="en-US" dirty="0"/>
-              <a:t>As with a queue the consumer group allows you to divide up processing over a collection of processes </a:t>
-            </a:r>
-            <a:endParaRPr lang="en-US" dirty="0" smtClean="0"/>
-          </a:p>
-          <a:p>
-            <a:r>
-              <a:rPr lang="en-US" dirty="0"/>
-              <a:t>As with publish-subscribe, Kafka allows you to broadcast messages to multiple consumer groups</a:t>
-            </a:r>
-            <a:r>
-              <a:rPr lang="en-US" dirty="0" smtClean="0"/>
-              <a:t>.</a:t>
-            </a:r>
-          </a:p>
-          <a:p>
-            <a:r>
-              <a:rPr lang="en-US" dirty="0"/>
-              <a:t>Kafka has stronger ordering guarantees than a traditional messaging system, too.</a:t>
-            </a:r>
-          </a:p>
-          <a:p>
-            <a:r>
-              <a:rPr lang="en-US" dirty="0"/>
-              <a:t/>
-            </a:r>
-            <a:br>
-              <a:rPr lang="en-US" dirty="0"/>
-            </a:br>
+              <a:t>A consumer instance sees records in the order they are stored in the log.</a:t>
+            </a:r>
+          </a:p>
+          <a:p>
+            <a:r>
+              <a:rPr lang="en-US" dirty="0"/>
+              <a:t>For a topic with replication factor N, we will tolerate up to N-1 server failures without losing any records committed to the log.</a:t>
+            </a:r>
+          </a:p>
+          <a:p>
             <a:endParaRPr lang="en-US" dirty="0"/>
           </a:p>
         </p:txBody>
@@ -6598,7 +6522,7 @@
     </p:spTree>
     <p:extLst>
       <p:ext uri="{BB962C8B-B14F-4D97-AF65-F5344CB8AC3E}">
-        <p14:creationId xmlns:p14="http://schemas.microsoft.com/office/powerpoint/2010/main" val="3508063134"/>
+        <p14:creationId xmlns:p14="http://schemas.microsoft.com/office/powerpoint/2010/main" val="2917338207"/>
       </p:ext>
     </p:extLst>
   </p:cSld>
@@ -6641,9 +6565,19 @@
           <a:lstStyle/>
           <a:p>
             <a:r>
+              <a:rPr lang="en-US" b="1" dirty="0">
+                <a:hlinkClick r:id="rId2"/>
+              </a:rPr>
+              <a:t>Kafka as a Messaging System</a:t>
+            </a:r>
+            <a:r>
               <a:rPr lang="en-US" b="1" dirty="0"/>
-              <a:t>Kafka as a Storage System</a:t>
-            </a:r>
+              <a:t/>
+            </a:r>
+            <a:br>
+              <a:rPr lang="en-US" b="1" dirty="0"/>
+            </a:br>
+            <a:endParaRPr lang="en-US" dirty="0"/>
           </a:p>
         </p:txBody>
       </p:sp>
@@ -6660,20 +6594,29 @@
         <p:spPr/>
         <p:txBody>
           <a:bodyPr>
-            <a:normAutofit/>
+            <a:normAutofit fontScale="92500" lnSpcReduction="10000"/>
           </a:bodyPr>
           <a:lstStyle/>
           <a:p>
             <a:r>
               <a:rPr lang="en-US" dirty="0"/>
-              <a:t>Data written to Kafka is written to disk and replicated for fault-tolerance. </a:t>
-            </a:r>
-            <a:endParaRPr lang="en-US" dirty="0" smtClean="0"/>
-          </a:p>
-          <a:p>
-            <a:r>
-              <a:rPr lang="en-US" dirty="0"/>
-              <a:t>Kafka allows producers to wait on acknowledgement so that a write isn't considered complete until it is fully replicated and guaranteed to persist even if the server written to fails</a:t>
+              <a:t>Messaging traditionally has two models: </a:t>
+            </a:r>
+            <a:r>
+              <a:rPr lang="en-US" dirty="0" smtClean="0">
+                <a:hlinkClick r:id="rId3"/>
+              </a:rPr>
+              <a:t>queuing</a:t>
+            </a:r>
+            <a:r>
+              <a:rPr lang="en-US" dirty="0"/>
+              <a:t> and </a:t>
+            </a:r>
+            <a:r>
+              <a:rPr lang="en-US" dirty="0">
+                <a:hlinkClick r:id="rId4"/>
+              </a:rPr>
+              <a:t>publish-subscribe</a:t>
             </a:r>
             <a:r>
               <a:rPr lang="en-US" dirty="0" smtClean="0"/>
@@ -6683,36 +6626,77 @@
           <a:p>
             <a:r>
               <a:rPr lang="en-US" dirty="0"/>
-              <a:t>The disk structures Kafka uses scale well—Kafka will perform the same whether you have 50 KB or 50 TB of persistent data on the server.</a:t>
-            </a:r>
-          </a:p>
-          <a:p>
-            <a:r>
-              <a:rPr lang="en-US" dirty="0"/>
-              <a:t>you can think of Kafka as a kind of special purpose distributed filesystem dedicated to high-performance, low-latency commit log storage, replication, and propagation</a:t>
+              <a:t>In a queue, a pool of consumers may read from a server and each record goes to one of </a:t>
             </a:r>
             <a:r>
               <a:rPr lang="en-US" dirty="0" smtClean="0"/>
-              <a:t>.,</a:t>
-            </a:r>
-            <a:r>
-              <a:rPr lang="en-US" dirty="0"/>
-              <a:t> </a:t>
-            </a:r>
+              <a:t>them</a:t>
+            </a:r>
+            <a:r>
+              <a:rPr lang="en-US" dirty="0"/>
+              <a:t>.</a:t>
+            </a:r>
+            <a:endParaRPr lang="en-US" dirty="0" smtClean="0"/>
+          </a:p>
+          <a:p>
             <a:r>
               <a:rPr lang="en-US" dirty="0" smtClean="0"/>
+              <a:t>In </a:t>
+            </a:r>
+            <a:r>
+              <a:rPr lang="en-US" dirty="0"/>
+              <a:t>publish-subscribe the record is broadcast to all </a:t>
+            </a:r>
+            <a:r>
+              <a:rPr lang="en-US" dirty="0" smtClean="0"/>
+              <a:t>consumers.</a:t>
+            </a:r>
+          </a:p>
+          <a:p>
+            <a:r>
+              <a:rPr lang="en-US" dirty="0"/>
+              <a:t>The consumer </a:t>
+            </a:r>
+            <a:r>
+              <a:rPr lang="en-US" dirty="0" smtClean="0"/>
+              <a:t>group </a:t>
+            </a:r>
+            <a:r>
+              <a:rPr lang="en-US" dirty="0"/>
+              <a:t>concept in Kafka generalizes these two </a:t>
+            </a:r>
+            <a:r>
+              <a:rPr lang="en-US" dirty="0" smtClean="0"/>
+              <a:t>concepts</a:t>
+            </a:r>
+          </a:p>
+          <a:p>
+            <a:r>
+              <a:rPr lang="en-US" dirty="0"/>
+              <a:t>As with a queue the consumer group allows you to divide up processing over a collection of processes </a:t>
+            </a:r>
+            <a:endParaRPr lang="en-US" dirty="0" smtClean="0"/>
+          </a:p>
+          <a:p>
+            <a:r>
+              <a:rPr lang="en-US" dirty="0"/>
+              <a:t>As with publish-subscribe, Kafka allows you to broadcast messages to multiple consumer groups</a:t>
+            </a:r>
+            <a:r>
+              <a:rPr lang="en-US" dirty="0" smtClean="0"/>
+              <a:t>.</a:t>
+            </a:r>
+          </a:p>
+          <a:p>
+            <a:r>
+              <a:rPr lang="en-US" dirty="0"/>
+              <a:t>Kafka has stronger ordering guarantees than a traditional messaging system, too.</a:t>
+            </a:r>
+          </a:p>
+          <a:p>
+            <a:r>
+              <a:rPr lang="en-US" dirty="0"/>
               <a:t/>
-            </a:r>
-            <a:br>
-              <a:rPr lang="en-US" dirty="0" smtClean="0"/>
-            </a:br>
-            <a:r>
-              <a:rPr lang="en-US" dirty="0" smtClean="0"/>
-              <a:t>As </a:t>
-            </a:r>
-            <a:r>
-              <a:rPr lang="en-US" dirty="0"/>
-              <a:t>a result of taking storage seriously and allowing the clients to control their read position</a:t>
             </a:r>
             <a:br>
               <a:rPr lang="en-US" dirty="0"/>
@@ -6724,7 +6708,7 @@
     </p:spTree>
     <p:extLst>
       <p:ext uri="{BB962C8B-B14F-4D97-AF65-F5344CB8AC3E}">
-        <p14:creationId xmlns:p14="http://schemas.microsoft.com/office/powerpoint/2010/main" val="182416773"/>
+        <p14:creationId xmlns:p14="http://schemas.microsoft.com/office/powerpoint/2010/main" val="3508063134"/>
       </p:ext>
     </p:extLst>
   </p:cSld>
@@ -6768,12 +6752,8 @@
           <a:p>
             <a:r>
               <a:rPr lang="en-US" b="1" dirty="0"/>
-              <a:t>Kafka for Stream Processing</a:t>
-            </a:r>
-            <a:br>
-              <a:rPr lang="en-US" b="1" dirty="0"/>
-            </a:br>
-            <a:endParaRPr lang="en-US" dirty="0"/>
+              <a:t>Kafka as a Storage System</a:t>
+            </a:r>
           </a:p>
         </p:txBody>
       </p:sp>
@@ -6789,12 +6769,21 @@
         </p:nvSpPr>
         <p:spPr/>
         <p:txBody>
-          <a:bodyPr/>
-          <a:lstStyle/>
-          <a:p>
-            <a:r>
-              <a:rPr lang="en-US" dirty="0"/>
-              <a:t> stream processor is anything that takes continual streams of data from input topics, performs some processing on this input, and produces continual streams of data to output topics</a:t>
+          <a:bodyPr>
+            <a:normAutofit/>
+          </a:bodyPr>
+          <a:lstStyle/>
+          <a:p>
+            <a:r>
+              <a:rPr lang="en-US" dirty="0"/>
+              <a:t>Data written to Kafka is written to disk and replicated for fault-tolerance. </a:t>
+            </a:r>
+            <a:endParaRPr lang="en-US" dirty="0" smtClean="0"/>
+          </a:p>
+          <a:p>
+            <a:r>
+              <a:rPr lang="en-US" dirty="0"/>
+              <a:t>Kafka allows producers to wait on acknowledgement so that a write isn't considered complete until it is fully replicated and guaranteed to persist even if the server written to fails</a:t>
             </a:r>
             <a:r>
               <a:rPr lang="en-US" dirty="0" smtClean="0"/>
@@ -6804,23 +6793,48 @@
           <a:p>
             <a:r>
               <a:rPr lang="en-US" dirty="0"/>
-              <a:t>it uses the producer and consumer APIs for input, uses Kafka for </a:t>
-            </a:r>
-            <a:r>
-              <a:rPr lang="en-US" dirty="0" err="1"/>
-              <a:t>stateful</a:t>
-            </a:r>
-            <a:r>
-              <a:rPr lang="en-US" dirty="0"/>
-              <a:t> storage, and uses the same group mechanism for fault tolerance among the stream processor instances.</a:t>
-            </a:r>
+              <a:t>The disk structures Kafka uses scale well—Kafka will perform the same whether you have 50 KB or 50 TB of persistent data on the server.</a:t>
+            </a:r>
+          </a:p>
+          <a:p>
+            <a:r>
+              <a:rPr lang="en-US" dirty="0"/>
+              <a:t>you can think of Kafka as a kind of special purpose distributed filesystem dedicated to high-performance, low-latency commit log storage, replication, and propagation</a:t>
+            </a:r>
+            <a:r>
+              <a:rPr lang="en-US" dirty="0" smtClean="0"/>
+              <a:t>.,</a:t>
+            </a:r>
+            <a:r>
+              <a:rPr lang="en-US" dirty="0"/>
+              <a:t> </a:t>
+            </a:r>
+            <a:r>
+              <a:rPr lang="en-US" dirty="0" smtClean="0"/>
+              <a:t/>
+            </a:r>
+            <a:br>
+              <a:rPr lang="en-US" dirty="0" smtClean="0"/>
+            </a:br>
+            <a:r>
+              <a:rPr lang="en-US" dirty="0" smtClean="0"/>
+              <a:t>As </a:t>
+            </a:r>
+            <a:r>
+              <a:rPr lang="en-US" dirty="0"/>
+              <a:t>a result of taking storage seriously and allowing the clients to control their read position</a:t>
+            </a:r>
+            <a:br>
+              <a:rPr lang="en-US" dirty="0"/>
+            </a:br>
+            <a:endParaRPr lang="en-US" dirty="0"/>
           </a:p>
         </p:txBody>
       </p:sp>
     </p:spTree>
     <p:extLst>
       <p:ext uri="{BB962C8B-B14F-4D97-AF65-F5344CB8AC3E}">
-        <p14:creationId xmlns:p14="http://schemas.microsoft.com/office/powerpoint/2010/main" val="1716507280"/>
+        <p14:creationId xmlns:p14="http://schemas.microsoft.com/office/powerpoint/2010/main" val="182416773"/>
       </p:ext>
     </p:extLst>
   </p:cSld>
@@ -6863,19 +6877,13 @@
           <a:lstStyle/>
           <a:p>
             <a:r>
-              <a:rPr lang="en-US" dirty="0" smtClean="0">
-                <a:hlinkClick r:id="rId2"/>
-              </a:rPr>
-              <a:t>Queuing</a:t>
-            </a:r>
-            <a:r>
-              <a:rPr lang="en-US" dirty="0" smtClean="0"/>
-              <a:t> in messaging syste</a:t>
-            </a:r>
-            <a:r>
-              <a:rPr lang="en-US" dirty="0"/>
-              <a:t>m</a:t>
-            </a:r>
+              <a:rPr lang="en-US" b="1" dirty="0"/>
+              <a:t>Kafka for Stream Processing</a:t>
+            </a:r>
+            <a:br>
+              <a:rPr lang="en-US" b="1" dirty="0"/>
+            </a:br>
+            <a:endParaRPr lang="en-US" dirty="0"/>
           </a:p>
         </p:txBody>
       </p:sp>
@@ -6891,20 +6899,12 @@
         </p:nvSpPr>
         <p:spPr/>
         <p:txBody>
-          <a:bodyPr>
-            <a:normAutofit fontScale="92500" lnSpcReduction="20000"/>
-          </a:bodyPr>
-          <a:lstStyle/>
-          <a:p>
-            <a:r>
-              <a:rPr lang="en-US" dirty="0"/>
-              <a:t>In a queue, a pool of consumers may read from a server and each record goes to one of them.</a:t>
-            </a:r>
-          </a:p>
-          <a:p>
-            <a:r>
-              <a:rPr lang="en-US" dirty="0"/>
-              <a:t>it allows you to divide up the processing of data over multiple consumer instances, which lets you scale your processing</a:t>
+          <a:bodyPr/>
+          <a:lstStyle/>
+          <a:p>
+            <a:r>
+              <a:rPr lang="en-US" dirty="0"/>
+              <a:t> stream processor is anything that takes continual streams of data from input topics, performs some processing on this input, and produces continual streams of data to output topics</a:t>
             </a:r>
             <a:r>
               <a:rPr lang="en-US" dirty="0" smtClean="0"/>
@@ -6914,41 +6914,15 @@
           <a:p>
             <a:r>
               <a:rPr lang="en-US" dirty="0"/>
-              <a:t>queues aren't multi-subscriber—once one process reads the data it's gone. </a:t>
-            </a:r>
-            <a:endParaRPr lang="en-US" dirty="0" smtClean="0"/>
-          </a:p>
-          <a:p>
-            <a:r>
-              <a:rPr lang="en-US" dirty="0"/>
-              <a:t>queue retains records in-order on the server, and if multiple consumers consume from the queue then the server hands out records in the order they are stored</a:t>
-            </a:r>
-            <a:r>
-              <a:rPr lang="en-US" dirty="0" smtClean="0"/>
-              <a:t>.</a:t>
-            </a:r>
-          </a:p>
-          <a:p>
-            <a:r>
-              <a:rPr lang="en-US" dirty="0"/>
-              <a:t>server hands out records in order, the records are delivered asynchronously to consumers, so they may arrive out of order on different consumers. </a:t>
-            </a:r>
-            <a:endParaRPr lang="en-US" dirty="0" smtClean="0"/>
-          </a:p>
-          <a:p>
-            <a:r>
-              <a:rPr lang="en-US" dirty="0"/>
-              <a:t>ordering of the records is lost in the presence of parallel </a:t>
-            </a:r>
-            <a:r>
-              <a:rPr lang="en-US" dirty="0" smtClean="0"/>
-              <a:t>consumption</a:t>
-            </a:r>
-          </a:p>
-          <a:p>
-            <a:r>
-              <a:rPr lang="en-US" dirty="0"/>
-              <a:t>Messaging systems often work around this by having a notion of "exclusive consumer" that allows only one process to consume from a queue, but of course this means that there is no parallelism in processing.</a:t>
+              <a:t>it uses the producer and consumer APIs for input, uses Kafka for </a:t>
+            </a:r>
+            <a:r>
+              <a:rPr lang="en-US" dirty="0" err="1"/>
+              <a:t>stateful</a:t>
+            </a:r>
+            <a:r>
+              <a:rPr lang="en-US" dirty="0"/>
+              <a:t> storage, and uses the same group mechanism for fault tolerance among the stream processor instances.</a:t>
             </a:r>
           </a:p>
         </p:txBody>
@@ -6956,7 +6930,7 @@
     </p:spTree>
     <p:extLst>
       <p:ext uri="{BB962C8B-B14F-4D97-AF65-F5344CB8AC3E}">
-        <p14:creationId xmlns:p14="http://schemas.microsoft.com/office/powerpoint/2010/main" val="3954907245"/>
+        <p14:creationId xmlns:p14="http://schemas.microsoft.com/office/powerpoint/2010/main" val="1716507280"/>
       </p:ext>
     </p:extLst>
   </p:cSld>
@@ -6999,10 +6973,19 @@
           <a:lstStyle/>
           <a:p>
             <a:r>
+              <a:rPr lang="en-US" dirty="0" smtClean="0">
+                <a:hlinkClick r:id="rId2"/>
+              </a:rPr>
+              <a:t>Queuing</a:t>
+            </a:r>
+            <a:r>
               <a:rPr lang="en-US" dirty="0" smtClean="0"/>
-              <a:t>Pub-sub messaging system</a:t>
-            </a:r>
-            <a:endParaRPr lang="en-US" dirty="0"/>
+              <a:t> in messaging syste</a:t>
+            </a:r>
+            <a:r>
+              <a:rPr lang="en-US" dirty="0"/>
+              <a:t>m</a:t>
+            </a:r>
           </a:p>
         </p:txBody>
       </p:sp>
@@ -7018,18 +7001,64 @@
         </p:nvSpPr>
         <p:spPr/>
         <p:txBody>
-          <a:bodyPr/>
-          <a:lstStyle/>
-          <a:p>
-            <a:r>
-              <a:rPr lang="en-US" dirty="0"/>
-              <a:t>In publish-subscribe the record is broadcast to all consumers.</a:t>
-            </a:r>
-          </a:p>
-          <a:p>
-            <a:r>
-              <a:rPr lang="en-US" dirty="0"/>
-              <a:t>allows you broadcast data to multiple processes, but has no way of scaling processing since every message goes to every subscriber.</a:t>
+          <a:bodyPr>
+            <a:normAutofit fontScale="92500" lnSpcReduction="20000"/>
+          </a:bodyPr>
+          <a:lstStyle/>
+          <a:p>
+            <a:r>
+              <a:rPr lang="en-US" dirty="0"/>
+              <a:t>In a queue, a pool of consumers may read from a server and each record goes to one of them.</a:t>
+            </a:r>
+          </a:p>
+          <a:p>
+            <a:r>
+              <a:rPr lang="en-US" dirty="0"/>
+              <a:t>it allows you to divide up the processing of data over multiple consumer instances, which lets you scale your processing</a:t>
+            </a:r>
+            <a:r>
+              <a:rPr lang="en-US" dirty="0" smtClean="0"/>
+              <a:t>.</a:t>
+            </a:r>
+          </a:p>
+          <a:p>
+            <a:r>
+              <a:rPr lang="en-US" dirty="0"/>
+              <a:t>queues aren't multi-subscriber—once one process reads the data it's gone. </a:t>
+            </a:r>
+            <a:endParaRPr lang="en-US" dirty="0" smtClean="0"/>
+          </a:p>
+          <a:p>
+            <a:r>
+              <a:rPr lang="en-US" dirty="0"/>
+              <a:t>queue retains records in-order on the server, and if multiple consumers consume from the queue then the server hands out records in the order they are stored</a:t>
+            </a:r>
+            <a:r>
+              <a:rPr lang="en-US" dirty="0" smtClean="0"/>
+              <a:t>.</a:t>
+            </a:r>
+          </a:p>
+          <a:p>
+            <a:r>
+              <a:rPr lang="en-US" dirty="0"/>
+              <a:t>server hands out records in order, the records are delivered asynchronously to consumers, so they may arrive out of order on different consumers. </a:t>
+            </a:r>
+            <a:endParaRPr lang="en-US" dirty="0" smtClean="0"/>
+          </a:p>
+          <a:p>
+            <a:r>
+              <a:rPr lang="en-US" dirty="0"/>
+              <a:t>ordering of the records is lost in the presence of parallel </a:t>
+            </a:r>
+            <a:r>
+              <a:rPr lang="en-US" dirty="0" smtClean="0"/>
+              <a:t>consumption</a:t>
+            </a:r>
+          </a:p>
+          <a:p>
+            <a:r>
+              <a:rPr lang="en-US" dirty="0"/>
+              <a:t>Messaging systems often work around this by having a notion of "exclusive consumer" that allows only one process to consume from a queue, but of course this means that there is no parallelism in processing.</a:t>
             </a:r>
           </a:p>
         </p:txBody>
@@ -7037,7 +7066,7 @@
     </p:spTree>
     <p:extLst>
       <p:ext uri="{BB962C8B-B14F-4D97-AF65-F5344CB8AC3E}">
-        <p14:creationId xmlns:p14="http://schemas.microsoft.com/office/powerpoint/2010/main" val="2080815751"/>
+        <p14:creationId xmlns:p14="http://schemas.microsoft.com/office/powerpoint/2010/main" val="3954907245"/>
       </p:ext>
     </p:extLst>
   </p:cSld>
@@ -7255,6 +7284,87 @@
           <a:p>
             <a:r>
               <a:rPr lang="en-US" dirty="0" smtClean="0"/>
+              <a:t>Pub-sub messaging system</a:t>
+            </a:r>
+            <a:endParaRPr lang="en-US" dirty="0"/>
+          </a:p>
+        </p:txBody>
+      </p:sp>
+      <p:sp>
+        <p:nvSpPr>
+          <p:cNvPr id="3" name="Content Placeholder 2"/>
+          <p:cNvSpPr>
+            <a:spLocks noGrp="1"/>
+          </p:cNvSpPr>
+          <p:nvPr>
+            <p:ph idx="1"/>
+          </p:nvPr>
+        </p:nvSpPr>
+        <p:spPr/>
+        <p:txBody>
+          <a:bodyPr/>
+          <a:lstStyle/>
+          <a:p>
+            <a:r>
+              <a:rPr lang="en-US" dirty="0"/>
+              <a:t>In publish-subscribe the record is broadcast to all consumers.</a:t>
+            </a:r>
+          </a:p>
+          <a:p>
+            <a:r>
+              <a:rPr lang="en-US" dirty="0"/>
+              <a:t>allows you broadcast data to multiple processes, but has no way of scaling processing since every message goes to every subscriber.</a:t>
+            </a:r>
+          </a:p>
+        </p:txBody>
+      </p:sp>
+    </p:spTree>
+    <p:extLst>
+      <p:ext uri="{BB962C8B-B14F-4D97-AF65-F5344CB8AC3E}">
+        <p14:creationId xmlns:p14="http://schemas.microsoft.com/office/powerpoint/2010/main" val="2080815751"/>
+      </p:ext>
+    </p:extLst>
+  </p:cSld>
+  <p:clrMapOvr>
+    <a:masterClrMapping/>
+  </p:clrMapOvr>
+</p:sld>
+</file>
+
+<file path=ppt/slides/slide21.xml><?xml version="1.0" encoding="utf-8"?>
+<p:sld xmlns:a="http://schemas.openxmlformats.org/drawingml/2006/main" xmlns:r="http://schemas.openxmlformats.org/officeDocument/2006/relationships" xmlns:p="http://schemas.openxmlformats.org/presentationml/2006/main">
+  <p:cSld>
+    <p:spTree>
+      <p:nvGrpSpPr>
+        <p:cNvPr id="1" name=""/>
+        <p:cNvGrpSpPr/>
+        <p:nvPr/>
+      </p:nvGrpSpPr>
+      <p:grpSpPr>
+        <a:xfrm>
+          <a:off x="0" y="0"/>
+          <a:ext cx="0" cy="0"/>
+          <a:chOff x="0" y="0"/>
+          <a:chExt cx="0" cy="0"/>
+        </a:xfrm>
+      </p:grpSpPr>
+      <p:sp>
+        <p:nvSpPr>
+          <p:cNvPr id="2" name="Title 1"/>
+          <p:cNvSpPr>
+            <a:spLocks noGrp="1"/>
+          </p:cNvSpPr>
+          <p:nvPr>
+            <p:ph type="title"/>
+          </p:nvPr>
+        </p:nvSpPr>
+        <p:spPr/>
+        <p:txBody>
+          <a:bodyPr/>
+          <a:lstStyle/>
+          <a:p>
+            <a:r>
+              <a:rPr lang="en-US" dirty="0" smtClean="0"/>
               <a:t>Write file to </a:t>
             </a:r>
             <a:r>
@@ -7306,6 +7416,248 @@
     <p:extLst>
       <p:ext uri="{BB962C8B-B14F-4D97-AF65-F5344CB8AC3E}">
         <p14:creationId xmlns:p14="http://schemas.microsoft.com/office/powerpoint/2010/main" val="2058052735"/>
+      </p:ext>
+    </p:extLst>
+  </p:cSld>
+  <p:clrMapOvr>
+    <a:masterClrMapping/>
+  </p:clrMapOvr>
+</p:sld>
+</file>
+
+<file path=ppt/slides/slide22.xml><?xml version="1.0" encoding="utf-8"?>
+<p:sld xmlns:a="http://schemas.openxmlformats.org/drawingml/2006/main" xmlns:r="http://schemas.openxmlformats.org/officeDocument/2006/relationships" xmlns:p="http://schemas.openxmlformats.org/presentationml/2006/main">
+  <p:cSld>
+    <p:spTree>
+      <p:nvGrpSpPr>
+        <p:cNvPr id="1" name=""/>
+        <p:cNvGrpSpPr/>
+        <p:nvPr/>
+      </p:nvGrpSpPr>
+      <p:grpSpPr>
+        <a:xfrm>
+          <a:off x="0" y="0"/>
+          <a:ext cx="0" cy="0"/>
+          <a:chOff x="0" y="0"/>
+          <a:chExt cx="0" cy="0"/>
+        </a:xfrm>
+      </p:grpSpPr>
+      <p:sp>
+        <p:nvSpPr>
+          <p:cNvPr id="2" name="Title 1"/>
+          <p:cNvSpPr>
+            <a:spLocks noGrp="1"/>
+          </p:cNvSpPr>
+          <p:nvPr>
+            <p:ph type="title"/>
+          </p:nvPr>
+        </p:nvSpPr>
+        <p:spPr/>
+        <p:txBody>
+          <a:bodyPr/>
+          <a:lstStyle/>
+          <a:p>
+            <a:endParaRPr lang="en-US"/>
+          </a:p>
+        </p:txBody>
+      </p:sp>
+      <p:pic>
+        <p:nvPicPr>
+          <p:cNvPr id="4" name="Content Placeholder 3"/>
+          <p:cNvPicPr>
+            <a:picLocks noGrp="1" noChangeAspect="1"/>
+          </p:cNvPicPr>
+          <p:nvPr>
+            <p:ph idx="1"/>
+          </p:nvPr>
+        </p:nvPicPr>
+        <p:blipFill>
+          <a:blip r:embed="rId2"/>
+          <a:stretch>
+            <a:fillRect/>
+          </a:stretch>
+        </p:blipFill>
+        <p:spPr>
+          <a:xfrm>
+            <a:off x="2062957" y="2160588"/>
+            <a:ext cx="5826124" cy="3881437"/>
+          </a:xfrm>
+          <a:prstGeom prst="rect">
+            <a:avLst/>
+          </a:prstGeom>
+        </p:spPr>
+      </p:pic>
+    </p:spTree>
+    <p:extLst>
+      <p:ext uri="{BB962C8B-B14F-4D97-AF65-F5344CB8AC3E}">
+        <p14:creationId xmlns:p14="http://schemas.microsoft.com/office/powerpoint/2010/main" val="1624797670"/>
+      </p:ext>
+    </p:extLst>
+  </p:cSld>
+  <p:clrMapOvr>
+    <a:masterClrMapping/>
+  </p:clrMapOvr>
+</p:sld>
+</file>
+
+<file path=ppt/slides/slide23.xml><?xml version="1.0" encoding="utf-8"?>
+<p:sld xmlns:a="http://schemas.openxmlformats.org/drawingml/2006/main" xmlns:r="http://schemas.openxmlformats.org/officeDocument/2006/relationships" xmlns:p="http://schemas.openxmlformats.org/presentationml/2006/main">
+  <p:cSld>
+    <p:spTree>
+      <p:nvGrpSpPr>
+        <p:cNvPr id="1" name=""/>
+        <p:cNvGrpSpPr/>
+        <p:nvPr/>
+      </p:nvGrpSpPr>
+      <p:grpSpPr>
+        <a:xfrm>
+          <a:off x="0" y="0"/>
+          <a:ext cx="0" cy="0"/>
+          <a:chOff x="0" y="0"/>
+          <a:chExt cx="0" cy="0"/>
+        </a:xfrm>
+      </p:grpSpPr>
+      <p:sp>
+        <p:nvSpPr>
+          <p:cNvPr id="2" name="Title 1"/>
+          <p:cNvSpPr>
+            <a:spLocks noGrp="1"/>
+          </p:cNvSpPr>
+          <p:nvPr>
+            <p:ph type="title"/>
+          </p:nvPr>
+        </p:nvSpPr>
+        <p:spPr/>
+        <p:txBody>
+          <a:bodyPr/>
+          <a:lstStyle/>
+          <a:p>
+            <a:endParaRPr lang="en-US"/>
+          </a:p>
+        </p:txBody>
+      </p:sp>
+      <p:sp>
+        <p:nvSpPr>
+          <p:cNvPr id="3" name="Content Placeholder 2"/>
+          <p:cNvSpPr>
+            <a:spLocks noGrp="1"/>
+          </p:cNvSpPr>
+          <p:nvPr>
+            <p:ph idx="1"/>
+          </p:nvPr>
+        </p:nvSpPr>
+        <p:spPr/>
+        <p:txBody>
+          <a:bodyPr/>
+          <a:lstStyle/>
+          <a:p>
+            <a:endParaRPr lang="en-US"/>
+          </a:p>
+        </p:txBody>
+      </p:sp>
+      <p:pic>
+        <p:nvPicPr>
+          <p:cNvPr id="4" name="Picture 3"/>
+          <p:cNvPicPr>
+            <a:picLocks noChangeAspect="1"/>
+          </p:cNvPicPr>
+          <p:nvPr/>
+        </p:nvPicPr>
+        <p:blipFill>
+          <a:blip r:embed="rId2"/>
+          <a:stretch>
+            <a:fillRect/>
+          </a:stretch>
+        </p:blipFill>
+        <p:spPr>
+          <a:xfrm>
+            <a:off x="-695325" y="-1133475"/>
+            <a:ext cx="13582650" cy="9124950"/>
+          </a:xfrm>
+          <a:prstGeom prst="rect">
+            <a:avLst/>
+          </a:prstGeom>
+        </p:spPr>
+      </p:pic>
+    </p:spTree>
+    <p:extLst>
+      <p:ext uri="{BB962C8B-B14F-4D97-AF65-F5344CB8AC3E}">
+        <p14:creationId xmlns:p14="http://schemas.microsoft.com/office/powerpoint/2010/main" val="1248592350"/>
+      </p:ext>
+    </p:extLst>
+  </p:cSld>
+  <p:clrMapOvr>
+    <a:masterClrMapping/>
+  </p:clrMapOvr>
+</p:sld>
+</file>
+
+<file path=ppt/slides/slide24.xml><?xml version="1.0" encoding="utf-8"?>
+<p:sld xmlns:a="http://schemas.openxmlformats.org/drawingml/2006/main" xmlns:r="http://schemas.openxmlformats.org/officeDocument/2006/relationships" xmlns:p="http://schemas.openxmlformats.org/presentationml/2006/main">
+  <p:cSld>
+    <p:spTree>
+      <p:nvGrpSpPr>
+        <p:cNvPr id="1" name=""/>
+        <p:cNvGrpSpPr/>
+        <p:nvPr/>
+      </p:nvGrpSpPr>
+      <p:grpSpPr>
+        <a:xfrm>
+          <a:off x="0" y="0"/>
+          <a:ext cx="0" cy="0"/>
+          <a:chOff x="0" y="0"/>
+          <a:chExt cx="0" cy="0"/>
+        </a:xfrm>
+      </p:grpSpPr>
+      <p:sp>
+        <p:nvSpPr>
+          <p:cNvPr id="2" name="Title 1"/>
+          <p:cNvSpPr>
+            <a:spLocks noGrp="1"/>
+          </p:cNvSpPr>
+          <p:nvPr>
+            <p:ph type="title"/>
+          </p:nvPr>
+        </p:nvSpPr>
+        <p:spPr/>
+        <p:txBody>
+          <a:bodyPr/>
+          <a:lstStyle/>
+          <a:p>
+            <a:endParaRPr lang="en-US"/>
+          </a:p>
+        </p:txBody>
+      </p:sp>
+      <p:pic>
+        <p:nvPicPr>
+          <p:cNvPr id="4" name="Content Placeholder 3"/>
+          <p:cNvPicPr>
+            <a:picLocks noGrp="1" noChangeAspect="1"/>
+          </p:cNvPicPr>
+          <p:nvPr>
+            <p:ph idx="1"/>
+          </p:nvPr>
+        </p:nvPicPr>
+        <p:blipFill>
+          <a:blip r:embed="rId2"/>
+          <a:stretch>
+            <a:fillRect/>
+          </a:stretch>
+        </p:blipFill>
+        <p:spPr>
+          <a:xfrm>
+            <a:off x="3191600" y="2160588"/>
+            <a:ext cx="3568838" cy="3881437"/>
+          </a:xfrm>
+          <a:prstGeom prst="rect">
+            <a:avLst/>
+          </a:prstGeom>
+        </p:spPr>
+      </p:pic>
+    </p:spTree>
+    <p:extLst>
+      <p:ext uri="{BB962C8B-B14F-4D97-AF65-F5344CB8AC3E}">
+        <p14:creationId xmlns:p14="http://schemas.microsoft.com/office/powerpoint/2010/main" val="3704133591"/>
       </p:ext>
     </p:extLst>
   </p:cSld>
@@ -7542,8 +7894,46 @@
             <a:pPr lvl="1"/>
             <a:r>
               <a:rPr lang="en-US" dirty="0" smtClean="0"/>
-              <a:t>All arguments are required for creating topic</a:t>
-            </a:r>
+              <a:t>All arguments are required for creating </a:t>
+            </a:r>
+            <a:r>
+              <a:rPr lang="en-US" dirty="0" smtClean="0"/>
+              <a:t>topic</a:t>
+            </a:r>
+          </a:p>
+          <a:p>
+            <a:pPr lvl="1"/>
+            <a:r>
+              <a:rPr lang="en-US" dirty="0" smtClean="0"/>
+              <a:t>While creating topic, partition and replication factor must be defined</a:t>
+            </a:r>
+          </a:p>
+          <a:p>
+            <a:pPr lvl="1"/>
+            <a:r>
+              <a:rPr lang="en-US" dirty="0" smtClean="0"/>
+              <a:t>Replication </a:t>
+            </a:r>
+            <a:r>
+              <a:rPr lang="en-US" dirty="0"/>
+              <a:t>factor </a:t>
+            </a:r>
+            <a:r>
+              <a:rPr lang="en-US" dirty="0" smtClean="0"/>
+              <a:t>is for each partition </a:t>
+            </a:r>
+            <a:r>
+              <a:rPr lang="en-US" dirty="0"/>
+              <a:t>in the topic being </a:t>
+            </a:r>
+            <a:r>
+              <a:rPr lang="en-US" dirty="0" smtClean="0"/>
+              <a:t>created…it can’t be more then no. of broker.</a:t>
+            </a:r>
+            <a:endParaRPr lang="en-US" dirty="0"/>
+          </a:p>
+          <a:p>
+            <a:pPr lvl="1"/>
             <a:endParaRPr lang="en-US" dirty="0"/>
           </a:p>
         </p:txBody>
@@ -7674,7 +8064,15 @@
           <a:p>
             <a:r>
               <a:rPr lang="en-US" dirty="0" smtClean="0"/>
-              <a:t>Produce message using console</a:t>
+              <a:t>List </a:t>
+            </a:r>
+            <a:r>
+              <a:rPr lang="en-US" dirty="0" smtClean="0"/>
+              <a:t>groups in </a:t>
+            </a:r>
+            <a:r>
+              <a:rPr lang="en-US" dirty="0" err="1" smtClean="0"/>
+              <a:t>kafka</a:t>
             </a:r>
             <a:endParaRPr lang="en-US" dirty="0"/>
           </a:p>
@@ -7697,78 +8095,176 @@
           <a:p>
             <a:r>
               <a:rPr lang="en-US" dirty="0"/>
-              <a:t>./kafka-console-producer.sh  --topic </a:t>
+              <a:t>/usr/hdp/2.4.2.0-258/kafka/bin/kafka-consumer-groups.sh  --list  --zookeeper </a:t>
             </a:r>
             <a:r>
               <a:rPr lang="en-US" dirty="0" smtClean="0"/>
-              <a:t>zeastest1 </a:t>
-            </a:r>
-            <a:r>
-              <a:rPr lang="en-US" dirty="0"/>
-              <a:t>--broker-list </a:t>
-            </a:r>
+              <a:t>localhost:2181</a:t>
+            </a:r>
+          </a:p>
+          <a:p>
             <a:r>
               <a:rPr lang="en-US" dirty="0" smtClean="0"/>
-              <a:t>10.6.185.142:6667</a:t>
-            </a:r>
-          </a:p>
-          <a:p>
-            <a:endParaRPr lang="en-US" dirty="0"/>
-          </a:p>
-          <a:p>
-            <a:pPr lvl="1"/>
-            <a:r>
-              <a:rPr lang="en-US" dirty="0" smtClean="0"/>
-              <a:t>If you </a:t>
-            </a:r>
-            <a:r>
-              <a:rPr lang="en-US" dirty="0"/>
-              <a:t>are getting </a:t>
-            </a:r>
-            <a:r>
-              <a:rPr lang="en-US" dirty="0" err="1" smtClean="0">
+              <a:t>Details of group</a:t>
+            </a:r>
+          </a:p>
+          <a:p>
+            <a:r>
+              <a:rPr lang="en-US" altLang="en-US" dirty="0">
                 <a:solidFill>
-                  <a:srgbClr val="FF0000"/>
+                  <a:srgbClr val="444444"/>
+                </a:solidFill>
+                <a:latin typeface="Cutive Mono"/>
+              </a:rPr>
+              <a:t>bin/kafka-run-class.sh </a:t>
+            </a:r>
+            <a:r>
+              <a:rPr lang="en-US" altLang="en-US" dirty="0" err="1">
+                <a:solidFill>
+                  <a:srgbClr val="444444"/>
+                </a:solidFill>
+                <a:latin typeface="Cutive Mono"/>
+              </a:rPr>
+              <a:t>kafka.tools.ConsumerOffsetChecker</a:t>
+            </a:r>
+            <a:r>
+              <a:rPr lang="en-US" altLang="en-US" dirty="0">
+                <a:solidFill>
+                  <a:srgbClr val="444444"/>
+                </a:solidFill>
+                <a:latin typeface="Cutive Mono"/>
+              </a:rPr>
+              <a:t> --zookeeper localhost:2181 --group test</a:t>
+            </a:r>
+            <a:r>
+              <a:rPr lang="en-US" altLang="en-US" sz="1400" dirty="0">
+                <a:solidFill>
+                  <a:schemeClr val="tx1"/>
                 </a:solidFill>
               </a:rPr>
-              <a:t>java.nio.channels.ClosedChannelException</a:t>
-            </a:r>
-            <a:endParaRPr lang="en-US" dirty="0" smtClean="0">
+              <a:t> </a:t>
+            </a:r>
+            <a:endParaRPr lang="en-US" altLang="en-US" sz="4000" dirty="0">
               <a:solidFill>
-                <a:srgbClr val="FF0000"/>
+                <a:schemeClr val="tx1"/>
               </a:solidFill>
+              <a:latin typeface="Arial" panose="020B0604020202020204" pitchFamily="34" charset="0"/>
             </a:endParaRPr>
           </a:p>
           <a:p>
-            <a:pPr lvl="2"/>
-            <a:r>
-              <a:rPr lang="en-US" dirty="0" smtClean="0">
+            <a:endParaRPr lang="en-US" dirty="0" smtClean="0"/>
+          </a:p>
+          <a:p>
+            <a:endParaRPr lang="en-US" dirty="0"/>
+          </a:p>
+          <a:p>
+            <a:r>
+              <a:rPr lang="en-US" dirty="0"/>
+              <a:t>Every topic partition in Kafka is replicated </a:t>
+            </a:r>
+            <a:r>
+              <a:rPr lang="en-US" i="1" dirty="0"/>
+              <a:t>n</a:t>
+            </a:r>
+            <a:r>
+              <a:rPr lang="en-US" dirty="0"/>
+              <a:t> times, where </a:t>
+            </a:r>
+            <a:r>
+              <a:rPr lang="en-US" i="1" dirty="0"/>
+              <a:t>n</a:t>
+            </a:r>
+            <a:r>
+              <a:rPr lang="en-US" dirty="0"/>
+              <a:t> is the replication factor of the topic</a:t>
+            </a:r>
+          </a:p>
+        </p:txBody>
+      </p:sp>
+      <p:sp>
+        <p:nvSpPr>
+          <p:cNvPr id="4" name="Rectangle 1"/>
+          <p:cNvSpPr>
+            <a:spLocks noChangeArrowheads="1"/>
+          </p:cNvSpPr>
+          <p:nvPr/>
+        </p:nvSpPr>
+        <p:spPr bwMode="auto">
+          <a:xfrm>
+            <a:off x="0" y="43934"/>
+            <a:ext cx="184731" cy="369332"/>
+          </a:xfrm>
+          <a:prstGeom prst="rect">
+            <a:avLst/>
+          </a:prstGeom>
+          <a:noFill/>
+          <a:ln>
+            <a:noFill/>
+          </a:ln>
+          <a:effectLst/>
+          <a:extLst>
+            <a:ext uri="{909E8E84-426E-40DD-AFC4-6F175D3DCCD1}">
+              <a14:hiddenFill xmlns:a14="http://schemas.microsoft.com/office/drawing/2010/main">
                 <a:solidFill>
-                  <a:srgbClr val="FF0000"/>
+                  <a:schemeClr val="accent1"/>
                 </a:solidFill>
-              </a:rPr>
-              <a:t>Change localhost to </a:t>
-            </a:r>
-            <a:r>
-              <a:rPr lang="en-US" dirty="0" err="1" smtClean="0">
+              </a14:hiddenFill>
+            </a:ext>
+            <a:ext uri="{91240B29-F687-4F45-9708-019B960494DF}">
+              <a14:hiddenLine xmlns:a14="http://schemas.microsoft.com/office/drawing/2010/main" w="9525">
                 <a:solidFill>
-                  <a:srgbClr val="FF0000"/>
+                  <a:schemeClr val="tx1"/>
                 </a:solidFill>
-              </a:rPr>
-              <a:t>ip</a:t>
-            </a:r>
-            <a:r>
-              <a:rPr lang="en-US" dirty="0" smtClean="0">
-                <a:solidFill>
-                  <a:srgbClr val="FF0000"/>
-                </a:solidFill>
-              </a:rPr>
-              <a:t>-address in broker-list</a:t>
-            </a:r>
-            <a:endParaRPr lang="en-US" dirty="0">
+                <a:miter lim="800000"/>
+                <a:headEnd/>
+                <a:tailEnd/>
+              </a14:hiddenLine>
+            </a:ext>
+            <a:ext uri="{AF507438-7753-43E0-B8FC-AC1667EBCBE1}">
+              <a14:hiddenEffects xmlns:a14="http://schemas.microsoft.com/office/drawing/2010/main">
+                <a:effectLst>
+                  <a:outerShdw dist="35921" dir="2700000" algn="ctr" rotWithShape="0">
+                    <a:schemeClr val="bg2"/>
+                  </a:outerShdw>
+                </a:effectLst>
+              </a14:hiddenEffects>
+            </a:ext>
+          </a:extLst>
+        </p:spPr>
+        <p:txBody>
+          <a:bodyPr vert="horz" wrap="none" lIns="91440" tIns="45720" rIns="91440" bIns="45720" numCol="1" anchor="ctr" anchorCtr="0" compatLnSpc="1">
+            <a:prstTxWarp prst="textNoShape">
+              <a:avLst/>
+            </a:prstTxWarp>
+            <a:spAutoFit/>
+          </a:bodyPr>
+          <a:lstStyle/>
+          <a:p>
+            <a:pPr marL="0" marR="0" lvl="0" indent="0" algn="l" defTabSz="914400" rtl="0" eaLnBrk="0" fontAlgn="base" latinLnBrk="0" hangingPunct="0">
+              <a:lnSpc>
+                <a:spcPct val="100000"/>
+              </a:lnSpc>
+              <a:spcBef>
+                <a:spcPct val="0"/>
+              </a:spcBef>
+              <a:spcAft>
+                <a:spcPct val="0"/>
+              </a:spcAft>
+              <a:buClrTx/>
+              <a:buSzTx/>
+              <a:buFontTx/>
+              <a:buNone/>
+              <a:tabLst/>
+            </a:pPr>
+            <a:endParaRPr kumimoji="0" lang="en-US" altLang="en-US" sz="1800" b="0" i="0" u="none" strike="noStrike" cap="none" normalizeH="0" baseline="0" dirty="0" smtClean="0">
+              <a:ln>
+                <a:noFill/>
+              </a:ln>
               <a:solidFill>
-                <a:srgbClr val="FF0000"/>
+                <a:schemeClr val="tx1"/>
               </a:solidFill>
+              <a:effectLst/>
+              <a:latin typeface="Arial" panose="020B0604020202020204" pitchFamily="34" charset="0"/>
             </a:endParaRPr>
           </a:p>
         </p:txBody>
@@ -7776,7 +8272,7 @@
     </p:spTree>
     <p:extLst>
       <p:ext uri="{BB962C8B-B14F-4D97-AF65-F5344CB8AC3E}">
-        <p14:creationId xmlns:p14="http://schemas.microsoft.com/office/powerpoint/2010/main" val="4051168919"/>
+        <p14:creationId xmlns:p14="http://schemas.microsoft.com/office/powerpoint/2010/main" val="1792453745"/>
       </p:ext>
     </p:extLst>
   </p:cSld>
@@ -7820,12 +8316,9 @@
           <a:p>
             <a:r>
               <a:rPr lang="en-US" dirty="0" smtClean="0"/>
-              <a:t>Consume message </a:t>
-            </a:r>
-            <a:r>
-              <a:rPr lang="en-US" dirty="0"/>
-              <a:t>using console</a:t>
-            </a:r>
+              <a:t>Produce message using console</a:t>
+            </a:r>
+            <a:endParaRPr lang="en-US" dirty="0"/>
           </a:p>
         </p:txBody>
       </p:sp>
@@ -7846,15 +8339,86 @@
           <a:p>
             <a:r>
               <a:rPr lang="en-US" dirty="0"/>
-              <a:t>./kafka-console-consumer.sh  --topic zeastest1 --zookeeper 10.6.185.142:2181</a:t>
-            </a:r>
+              <a:t>./kafka-console-producer.sh  --topic </a:t>
+            </a:r>
+            <a:r>
+              <a:rPr lang="en-US" dirty="0" smtClean="0"/>
+              <a:t>zeastest1 </a:t>
+            </a:r>
+            <a:r>
+              <a:rPr lang="en-US" dirty="0"/>
+              <a:t>--broker-list </a:t>
+            </a:r>
+            <a:r>
+              <a:rPr lang="en-US" dirty="0" smtClean="0"/>
+              <a:t>10.6.185.142:6667</a:t>
+            </a:r>
+          </a:p>
+          <a:p>
+            <a:endParaRPr lang="en-US" dirty="0"/>
+          </a:p>
+          <a:p>
+            <a:pPr lvl="1"/>
+            <a:r>
+              <a:rPr lang="en-US" dirty="0" smtClean="0"/>
+              <a:t>If you </a:t>
+            </a:r>
+            <a:r>
+              <a:rPr lang="en-US" dirty="0"/>
+              <a:t>are getting </a:t>
+            </a:r>
+            <a:r>
+              <a:rPr lang="en-US" dirty="0" err="1" smtClean="0">
+                <a:solidFill>
+                  <a:srgbClr val="FF0000"/>
+                </a:solidFill>
+              </a:rPr>
+              <a:t>java.nio.channels.ClosedChannelException</a:t>
+            </a:r>
+            <a:endParaRPr lang="en-US" dirty="0" smtClean="0">
+              <a:solidFill>
+                <a:srgbClr val="FF0000"/>
+              </a:solidFill>
+            </a:endParaRPr>
+          </a:p>
+          <a:p>
+            <a:pPr lvl="2"/>
+            <a:r>
+              <a:rPr lang="en-US" dirty="0" smtClean="0">
+                <a:solidFill>
+                  <a:srgbClr val="FF0000"/>
+                </a:solidFill>
+              </a:rPr>
+              <a:t>Change localhost to </a:t>
+            </a:r>
+            <a:r>
+              <a:rPr lang="en-US" dirty="0" err="1" smtClean="0">
+                <a:solidFill>
+                  <a:srgbClr val="FF0000"/>
+                </a:solidFill>
+              </a:rPr>
+              <a:t>ip</a:t>
+            </a:r>
+            <a:r>
+              <a:rPr lang="en-US" dirty="0" smtClean="0">
+                <a:solidFill>
+                  <a:srgbClr val="FF0000"/>
+                </a:solidFill>
+              </a:rPr>
+              <a:t>-address in broker-list</a:t>
+            </a:r>
+            <a:endParaRPr lang="en-US" dirty="0">
+              <a:solidFill>
+                <a:srgbClr val="FF0000"/>
+              </a:solidFill>
+            </a:endParaRPr>
           </a:p>
         </p:txBody>
       </p:sp>
     </p:spTree>
     <p:extLst>
       <p:ext uri="{BB962C8B-B14F-4D97-AF65-F5344CB8AC3E}">
-        <p14:creationId xmlns:p14="http://schemas.microsoft.com/office/powerpoint/2010/main" val="765813231"/>
+        <p14:creationId xmlns:p14="http://schemas.microsoft.com/office/powerpoint/2010/main" val="4051168919"/>
       </p:ext>
     </p:extLst>
   </p:cSld>
@@ -7898,9 +8462,12 @@
           <a:p>
             <a:r>
               <a:rPr lang="en-US" dirty="0" smtClean="0"/>
-              <a:t>Error faced	</a:t>
-            </a:r>
-            <a:endParaRPr lang="en-US" dirty="0"/>
+              <a:t>Consume message </a:t>
+            </a:r>
+            <a:r>
+              <a:rPr lang="en-US" dirty="0"/>
+              <a:t>using console</a:t>
+            </a:r>
           </a:p>
         </p:txBody>
       </p:sp>
@@ -7920,25 +8487,16 @@
           <a:lstStyle/>
           <a:p>
             <a:r>
-              <a:rPr lang="en-US" dirty="0" smtClean="0"/>
-              <a:t>If some properties are not defined by default, set it using Properties(talking of java </a:t>
-            </a:r>
-            <a:r>
-              <a:rPr lang="en-US" dirty="0" err="1" smtClean="0"/>
-              <a:t>api</a:t>
-            </a:r>
-            <a:r>
-              <a:rPr lang="en-US" dirty="0" smtClean="0"/>
-              <a:t>)</a:t>
-            </a:r>
-            <a:endParaRPr lang="en-US" dirty="0"/>
+              <a:rPr lang="en-US" dirty="0"/>
+              <a:t>./kafka-console-consumer.sh  --topic zeastest1 --zookeeper 10.6.185.142:2181</a:t>
+            </a:r>
           </a:p>
         </p:txBody>
       </p:sp>
     </p:spTree>
     <p:extLst>
       <p:ext uri="{BB962C8B-B14F-4D97-AF65-F5344CB8AC3E}">
-        <p14:creationId xmlns:p14="http://schemas.microsoft.com/office/powerpoint/2010/main" val="273951240"/>
+        <p14:creationId xmlns:p14="http://schemas.microsoft.com/office/powerpoint/2010/main" val="765813231"/>
       </p:ext>
     </p:extLst>
   </p:cSld>
@@ -7982,7 +8540,7 @@
           <a:p>
             <a:r>
               <a:rPr lang="en-US" dirty="0" smtClean="0"/>
-              <a:t>Features</a:t>
+              <a:t>Error faced	</a:t>
             </a:r>
             <a:endParaRPr lang="en-US" dirty="0"/>
           </a:p>
@@ -8004,39 +8562,17 @@
           <a:lstStyle/>
           <a:p>
             <a:r>
-              <a:rPr lang="en-US" dirty="0"/>
-              <a:t>Kafka is run as a cluster on one or more servers.</a:t>
-            </a:r>
-          </a:p>
-          <a:p>
-            <a:r>
-              <a:rPr lang="en-US" dirty="0"/>
-              <a:t>The Kafka cluster stores streams of </a:t>
-            </a:r>
-            <a:r>
-              <a:rPr lang="en-US" i="1" dirty="0"/>
-              <a:t>records</a:t>
-            </a:r>
-            <a:r>
-              <a:rPr lang="en-US" dirty="0"/>
-              <a:t> in categories called </a:t>
-            </a:r>
-            <a:r>
-              <a:rPr lang="en-US" i="1" dirty="0"/>
-              <a:t>topics</a:t>
-            </a:r>
-            <a:r>
-              <a:rPr lang="en-US" dirty="0"/>
-              <a:t>.</a:t>
-            </a:r>
-          </a:p>
-          <a:p>
-            <a:r>
-              <a:rPr lang="en-US" dirty="0"/>
-              <a:t>Each record consists of a key, a value, and a timestamp.</a:t>
-            </a:r>
-          </a:p>
-          <a:p>
+              <a:rPr lang="en-US" dirty="0" smtClean="0"/>
+              <a:t>If some properties are not defined by default, set it using Properties(talking of java </a:t>
+            </a:r>
+            <a:r>
+              <a:rPr lang="en-US" dirty="0" err="1" smtClean="0"/>
+              <a:t>api</a:t>
+            </a:r>
+            <a:r>
+              <a:rPr lang="en-US" dirty="0" smtClean="0"/>
+              <a:t>)</a:t>
+            </a:r>
             <a:endParaRPr lang="en-US" dirty="0"/>
           </a:p>
         </p:txBody>
@@ -8044,7 +8580,7 @@
     </p:spTree>
     <p:extLst>
       <p:ext uri="{BB962C8B-B14F-4D97-AF65-F5344CB8AC3E}">
-        <p14:creationId xmlns:p14="http://schemas.microsoft.com/office/powerpoint/2010/main" val="3771635768"/>
+        <p14:creationId xmlns:p14="http://schemas.microsoft.com/office/powerpoint/2010/main" val="273951240"/>
       </p:ext>
     </p:extLst>
   </p:cSld>

--- a/ppt/Kafka.pptx
+++ b/ppt/Kafka.pptx
@@ -8,27 +8,25 @@
     <p:sldId id="256" r:id="rId2"/>
     <p:sldId id="257" r:id="rId3"/>
     <p:sldId id="274" r:id="rId4"/>
-    <p:sldId id="259" r:id="rId5"/>
-    <p:sldId id="258" r:id="rId6"/>
-    <p:sldId id="278" r:id="rId7"/>
-    <p:sldId id="260" r:id="rId8"/>
-    <p:sldId id="261" r:id="rId9"/>
-    <p:sldId id="262" r:id="rId10"/>
-    <p:sldId id="263" r:id="rId11"/>
-    <p:sldId id="264" r:id="rId12"/>
-    <p:sldId id="265" r:id="rId13"/>
-    <p:sldId id="266" r:id="rId14"/>
-    <p:sldId id="267" r:id="rId15"/>
-    <p:sldId id="268" r:id="rId16"/>
-    <p:sldId id="269" r:id="rId17"/>
-    <p:sldId id="272" r:id="rId18"/>
-    <p:sldId id="273" r:id="rId19"/>
-    <p:sldId id="270" r:id="rId20"/>
-    <p:sldId id="271" r:id="rId21"/>
-    <p:sldId id="275" r:id="rId22"/>
-    <p:sldId id="276" r:id="rId23"/>
-    <p:sldId id="277" r:id="rId24"/>
-    <p:sldId id="279" r:id="rId25"/>
+    <p:sldId id="280" r:id="rId5"/>
+    <p:sldId id="259" r:id="rId6"/>
+    <p:sldId id="258" r:id="rId7"/>
+    <p:sldId id="278" r:id="rId8"/>
+    <p:sldId id="260" r:id="rId9"/>
+    <p:sldId id="261" r:id="rId10"/>
+    <p:sldId id="262" r:id="rId11"/>
+    <p:sldId id="263" r:id="rId12"/>
+    <p:sldId id="264" r:id="rId13"/>
+    <p:sldId id="265" r:id="rId14"/>
+    <p:sldId id="266" r:id="rId15"/>
+    <p:sldId id="267" r:id="rId16"/>
+    <p:sldId id="268" r:id="rId17"/>
+    <p:sldId id="269" r:id="rId18"/>
+    <p:sldId id="272" r:id="rId19"/>
+    <p:sldId id="273" r:id="rId20"/>
+    <p:sldId id="270" r:id="rId21"/>
+    <p:sldId id="271" r:id="rId22"/>
+    <p:sldId id="275" r:id="rId23"/>
   </p:sldIdLst>
   <p:sldSz cx="12192000" cy="6858000"/>
   <p:notesSz cx="6858000" cy="9144000"/>
@@ -858,7 +856,7 @@
             <a:fld id="{B61BEF0D-F0BB-DE4B-95CE-6DB70DBA9567}" type="datetimeFigureOut">
               <a:rPr lang="en-US" dirty="0"/>
               <a:pPr/>
-              <a:t>3/29/2017</a:t>
+              <a:t>4/7/2017</a:t>
             </a:fld>
             <a:endParaRPr lang="en-US" dirty="0"/>
           </a:p>
@@ -1106,7 +1104,7 @@
             <a:fld id="{B61BEF0D-F0BB-DE4B-95CE-6DB70DBA9567}" type="datetimeFigureOut">
               <a:rPr lang="en-US" dirty="0"/>
               <a:pPr/>
-              <a:t>3/29/2017</a:t>
+              <a:t>4/7/2017</a:t>
             </a:fld>
             <a:endParaRPr lang="en-US" dirty="0"/>
           </a:p>
@@ -1417,7 +1415,7 @@
             <a:fld id="{B61BEF0D-F0BB-DE4B-95CE-6DB70DBA9567}" type="datetimeFigureOut">
               <a:rPr lang="en-US" dirty="0"/>
               <a:pPr/>
-              <a:t>3/29/2017</a:t>
+              <a:t>4/7/2017</a:t>
             </a:fld>
             <a:endParaRPr lang="en-US" dirty="0"/>
           </a:p>
@@ -1755,7 +1753,7 @@
             <a:fld id="{B61BEF0D-F0BB-DE4B-95CE-6DB70DBA9567}" type="datetimeFigureOut">
               <a:rPr lang="en-US" dirty="0"/>
               <a:pPr/>
-              <a:t>3/29/2017</a:t>
+              <a:t>4/7/2017</a:t>
             </a:fld>
             <a:endParaRPr lang="en-US" dirty="0"/>
           </a:p>
@@ -2066,7 +2064,7 @@
             <a:fld id="{B61BEF0D-F0BB-DE4B-95CE-6DB70DBA9567}" type="datetimeFigureOut">
               <a:rPr lang="en-US" dirty="0"/>
               <a:pPr/>
-              <a:t>3/29/2017</a:t>
+              <a:t>4/7/2017</a:t>
             </a:fld>
             <a:endParaRPr lang="en-US" dirty="0"/>
           </a:p>
@@ -2456,7 +2454,7 @@
             <a:fld id="{B61BEF0D-F0BB-DE4B-95CE-6DB70DBA9567}" type="datetimeFigureOut">
               <a:rPr lang="en-US" dirty="0"/>
               <a:pPr/>
-              <a:t>3/29/2017</a:t>
+              <a:t>4/7/2017</a:t>
             </a:fld>
             <a:endParaRPr lang="en-US" dirty="0"/>
           </a:p>
@@ -2622,7 +2620,7 @@
           <a:p>
             <a:fld id="{55C6B4A9-1611-4792-9094-5F34BCA07E0B}" type="datetimeFigureOut">
               <a:rPr lang="en-US" dirty="0"/>
-              <a:t>3/29/2017</a:t>
+              <a:t>4/7/2017</a:t>
             </a:fld>
             <a:endParaRPr lang="en-US" dirty="0"/>
           </a:p>
@@ -2798,7 +2796,7 @@
             <a:fld id="{B61BEF0D-F0BB-DE4B-95CE-6DB70DBA9567}" type="datetimeFigureOut">
               <a:rPr lang="en-US" dirty="0"/>
               <a:pPr/>
-              <a:t>3/29/2017</a:t>
+              <a:t>4/7/2017</a:t>
             </a:fld>
             <a:endParaRPr lang="en-US" dirty="0"/>
           </a:p>
@@ -2971,7 +2969,7 @@
             <a:fld id="{B61BEF0D-F0BB-DE4B-95CE-6DB70DBA9567}" type="datetimeFigureOut">
               <a:rPr lang="en-US" dirty="0"/>
               <a:pPr/>
-              <a:t>3/29/2017</a:t>
+              <a:t>4/7/2017</a:t>
             </a:fld>
             <a:endParaRPr lang="en-US" dirty="0"/>
           </a:p>
@@ -3215,7 +3213,7 @@
             <a:fld id="{B61BEF0D-F0BB-DE4B-95CE-6DB70DBA9567}" type="datetimeFigureOut">
               <a:rPr lang="en-US" dirty="0"/>
               <a:pPr/>
-              <a:t>3/29/2017</a:t>
+              <a:t>4/7/2017</a:t>
             </a:fld>
             <a:endParaRPr lang="en-US" dirty="0"/>
           </a:p>
@@ -3443,7 +3441,7 @@
           <a:p>
             <a:fld id="{EB712588-04B1-427B-82EE-E8DB90309F08}" type="datetimeFigureOut">
               <a:rPr lang="en-US" dirty="0"/>
-              <a:t>3/29/2017</a:t>
+              <a:t>4/7/2017</a:t>
             </a:fld>
             <a:endParaRPr lang="en-US" dirty="0"/>
           </a:p>
@@ -3813,7 +3811,7 @@
             <a:fld id="{B61BEF0D-F0BB-DE4B-95CE-6DB70DBA9567}" type="datetimeFigureOut">
               <a:rPr lang="en-US" dirty="0"/>
               <a:pPr/>
-              <a:t>3/29/2017</a:t>
+              <a:t>4/7/2017</a:t>
             </a:fld>
             <a:endParaRPr lang="en-US" dirty="0"/>
           </a:p>
@@ -3933,7 +3931,7 @@
             <a:fld id="{B61BEF0D-F0BB-DE4B-95CE-6DB70DBA9567}" type="datetimeFigureOut">
               <a:rPr lang="en-US" dirty="0"/>
               <a:pPr/>
-              <a:t>3/29/2017</a:t>
+              <a:t>4/7/2017</a:t>
             </a:fld>
             <a:endParaRPr lang="en-US" dirty="0"/>
           </a:p>
@@ -4025,7 +4023,7 @@
             <a:fld id="{B61BEF0D-F0BB-DE4B-95CE-6DB70DBA9567}" type="datetimeFigureOut">
               <a:rPr lang="en-US" dirty="0"/>
               <a:pPr/>
-              <a:t>3/29/2017</a:t>
+              <a:t>4/7/2017</a:t>
             </a:fld>
             <a:endParaRPr lang="en-US" dirty="0"/>
           </a:p>
@@ -4276,7 +4274,7 @@
           <a:p>
             <a:fld id="{42A54C80-263E-416B-A8E0-580EDEADCBDC}" type="datetimeFigureOut">
               <a:rPr lang="en-US" dirty="0"/>
-              <a:t>3/29/2017</a:t>
+              <a:t>4/7/2017</a:t>
             </a:fld>
             <a:endParaRPr lang="en-US" dirty="0"/>
           </a:p>
@@ -4535,7 +4533,7 @@
             <a:fld id="{B61BEF0D-F0BB-DE4B-95CE-6DB70DBA9567}" type="datetimeFigureOut">
               <a:rPr lang="en-US" dirty="0"/>
               <a:pPr/>
-              <a:t>3/29/2017</a:t>
+              <a:t>4/7/2017</a:t>
             </a:fld>
             <a:endParaRPr lang="en-US" dirty="0"/>
           </a:p>
@@ -5275,7 +5273,7 @@
             <a:fld id="{B61BEF0D-F0BB-DE4B-95CE-6DB70DBA9567}" type="datetimeFigureOut">
               <a:rPr lang="en-US" dirty="0"/>
               <a:pPr/>
-              <a:t>3/29/2017</a:t>
+              <a:t>4/7/2017</a:t>
             </a:fld>
             <a:endParaRPr lang="en-US" dirty="0"/>
           </a:p>
@@ -5888,7 +5886,7 @@
           <a:p>
             <a:r>
               <a:rPr lang="en-US" dirty="0" smtClean="0"/>
-              <a:t>Features</a:t>
+              <a:t>Error faced	</a:t>
             </a:r>
             <a:endParaRPr lang="en-US" dirty="0"/>
           </a:p>
@@ -5910,39 +5908,17 @@
           <a:lstStyle/>
           <a:p>
             <a:r>
-              <a:rPr lang="en-US" dirty="0"/>
-              <a:t>Kafka is run as a cluster on one or more servers.</a:t>
-            </a:r>
-          </a:p>
-          <a:p>
-            <a:r>
-              <a:rPr lang="en-US" dirty="0"/>
-              <a:t>The Kafka cluster stores streams of </a:t>
-            </a:r>
-            <a:r>
-              <a:rPr lang="en-US" i="1" dirty="0"/>
-              <a:t>records</a:t>
-            </a:r>
-            <a:r>
-              <a:rPr lang="en-US" dirty="0"/>
-              <a:t> in categories called </a:t>
-            </a:r>
-            <a:r>
-              <a:rPr lang="en-US" i="1" dirty="0"/>
-              <a:t>topics</a:t>
-            </a:r>
-            <a:r>
-              <a:rPr lang="en-US" dirty="0"/>
-              <a:t>.</a:t>
-            </a:r>
-          </a:p>
-          <a:p>
-            <a:r>
-              <a:rPr lang="en-US" dirty="0"/>
-              <a:t>Each record consists of a key, a value, and a timestamp.</a:t>
-            </a:r>
-          </a:p>
-          <a:p>
+              <a:rPr lang="en-US" dirty="0" smtClean="0"/>
+              <a:t>If some properties are not defined by default, set it using Properties(talking of java </a:t>
+            </a:r>
+            <a:r>
+              <a:rPr lang="en-US" dirty="0" err="1" smtClean="0"/>
+              <a:t>api</a:t>
+            </a:r>
+            <a:r>
+              <a:rPr lang="en-US" dirty="0" smtClean="0"/>
+              <a:t>)</a:t>
+            </a:r>
             <a:endParaRPr lang="en-US" dirty="0"/>
           </a:p>
         </p:txBody>
@@ -5950,7 +5926,7 @@
     </p:spTree>
     <p:extLst>
       <p:ext uri="{BB962C8B-B14F-4D97-AF65-F5344CB8AC3E}">
-        <p14:creationId xmlns:p14="http://schemas.microsoft.com/office/powerpoint/2010/main" val="3771635768"/>
+        <p14:creationId xmlns:p14="http://schemas.microsoft.com/office/powerpoint/2010/main" val="273951240"/>
       </p:ext>
     </p:extLst>
   </p:cSld>
@@ -5992,7 +5968,11 @@
           <a:bodyPr/>
           <a:lstStyle/>
           <a:p>
-            <a:endParaRPr lang="en-US"/>
+            <a:r>
+              <a:rPr lang="en-US" dirty="0" smtClean="0"/>
+              <a:t>Features</a:t>
+            </a:r>
+            <a:endParaRPr lang="en-US" dirty="0"/>
           </a:p>
         </p:txBody>
       </p:sp>
@@ -6013,12 +5993,38 @@
           <a:p>
             <a:r>
               <a:rPr lang="en-US" dirty="0"/>
-              <a:t>--</a:t>
-            </a:r>
-            <a:r>
-              <a:rPr lang="en-US" dirty="0" smtClean="0"/>
-              <a:t>from-beginning-gets all messages on that topic from beginning, used when offset is not there in consumer</a:t>
-            </a:r>
+              <a:t>Kafka is run as a cluster on one or more servers.</a:t>
+            </a:r>
+          </a:p>
+          <a:p>
+            <a:r>
+              <a:rPr lang="en-US" dirty="0"/>
+              <a:t>The Kafka cluster stores streams of </a:t>
+            </a:r>
+            <a:r>
+              <a:rPr lang="en-US" i="1" dirty="0"/>
+              <a:t>records</a:t>
+            </a:r>
+            <a:r>
+              <a:rPr lang="en-US" dirty="0"/>
+              <a:t> in categories called </a:t>
+            </a:r>
+            <a:r>
+              <a:rPr lang="en-US" i="1" dirty="0"/>
+              <a:t>topics</a:t>
+            </a:r>
+            <a:r>
+              <a:rPr lang="en-US" dirty="0"/>
+              <a:t>.</a:t>
+            </a:r>
+          </a:p>
+          <a:p>
+            <a:r>
+              <a:rPr lang="en-US" dirty="0"/>
+              <a:t>Each record consists of a key, a value, and a timestamp.</a:t>
+            </a:r>
+          </a:p>
+          <a:p>
             <a:endParaRPr lang="en-US" dirty="0"/>
           </a:p>
         </p:txBody>
@@ -6026,7 +6032,7 @@
     </p:spTree>
     <p:extLst>
       <p:ext uri="{BB962C8B-B14F-4D97-AF65-F5344CB8AC3E}">
-        <p14:creationId xmlns:p14="http://schemas.microsoft.com/office/powerpoint/2010/main" val="4162861536"/>
+        <p14:creationId xmlns:p14="http://schemas.microsoft.com/office/powerpoint/2010/main" val="3771635768"/>
       </p:ext>
     </p:extLst>
   </p:cSld>
@@ -6068,20 +6074,7 @@
           <a:bodyPr/>
           <a:lstStyle/>
           <a:p>
-            <a:r>
-              <a:rPr lang="en-US" b="1" dirty="0">
-                <a:hlinkClick r:id="rId2"/>
-              </a:rPr>
-              <a:t>Distribution</a:t>
-            </a:r>
-            <a:r>
-              <a:rPr lang="en-US" b="1" dirty="0"/>
-              <a:t/>
-            </a:r>
-            <a:br>
-              <a:rPr lang="en-US" b="1" dirty="0"/>
-            </a:br>
-            <a:endParaRPr lang="en-US" dirty="0"/>
+            <a:endParaRPr lang="en-US"/>
           </a:p>
         </p:txBody>
       </p:sp>
@@ -6102,40 +6095,20 @@
           <a:p>
             <a:r>
               <a:rPr lang="en-US" dirty="0"/>
-              <a:t>Each partition has one server which acts as the "leader" and zero or more servers which act as "followers". </a:t>
-            </a:r>
-            <a:endParaRPr lang="en-US" dirty="0" smtClean="0"/>
-          </a:p>
-          <a:p>
+              <a:t>--</a:t>
+            </a:r>
             <a:r>
               <a:rPr lang="en-US" dirty="0" smtClean="0"/>
-              <a:t>The </a:t>
-            </a:r>
-            <a:r>
-              <a:rPr lang="en-US" dirty="0"/>
-              <a:t>leader handles all read and write requests for the partition while the followers passively replicate the leader. </a:t>
-            </a:r>
-            <a:endParaRPr lang="en-US" dirty="0" smtClean="0"/>
-          </a:p>
-          <a:p>
-            <a:r>
-              <a:rPr lang="en-US" dirty="0"/>
-              <a:t>If the leader fails, one of the followers will automatically become the new leader. </a:t>
-            </a:r>
-            <a:endParaRPr lang="en-US" dirty="0" smtClean="0"/>
-          </a:p>
-          <a:p>
-            <a:r>
-              <a:rPr lang="en-US" dirty="0"/>
-              <a:t> Each server acts as a leader for some of its partitions and a follower for others so load is well balanced within the cluster.</a:t>
-            </a:r>
+              <a:t>from-beginning-gets all messages on that topic from beginning, used when offset is not there in consumer</a:t>
+            </a:r>
+            <a:endParaRPr lang="en-US" dirty="0"/>
           </a:p>
         </p:txBody>
       </p:sp>
     </p:spTree>
     <p:extLst>
       <p:ext uri="{BB962C8B-B14F-4D97-AF65-F5344CB8AC3E}">
-        <p14:creationId xmlns:p14="http://schemas.microsoft.com/office/powerpoint/2010/main" val="2973959010"/>
+        <p14:creationId xmlns:p14="http://schemas.microsoft.com/office/powerpoint/2010/main" val="4162861536"/>
       </p:ext>
     </p:extLst>
   </p:cSld>
@@ -6181,6 +6154,115 @@
               <a:rPr lang="en-US" b="1" dirty="0">
                 <a:hlinkClick r:id="rId2"/>
               </a:rPr>
+              <a:t>Distribution</a:t>
+            </a:r>
+            <a:r>
+              <a:rPr lang="en-US" b="1" dirty="0"/>
+              <a:t/>
+            </a:r>
+            <a:br>
+              <a:rPr lang="en-US" b="1" dirty="0"/>
+            </a:br>
+            <a:endParaRPr lang="en-US" dirty="0"/>
+          </a:p>
+        </p:txBody>
+      </p:sp>
+      <p:sp>
+        <p:nvSpPr>
+          <p:cNvPr id="3" name="Content Placeholder 2"/>
+          <p:cNvSpPr>
+            <a:spLocks noGrp="1"/>
+          </p:cNvSpPr>
+          <p:nvPr>
+            <p:ph idx="1"/>
+          </p:nvPr>
+        </p:nvSpPr>
+        <p:spPr/>
+        <p:txBody>
+          <a:bodyPr/>
+          <a:lstStyle/>
+          <a:p>
+            <a:r>
+              <a:rPr lang="en-US" dirty="0"/>
+              <a:t>Each partition has one server which acts as the "leader" and zero or more servers which act as "followers". </a:t>
+            </a:r>
+            <a:endParaRPr lang="en-US" dirty="0" smtClean="0"/>
+          </a:p>
+          <a:p>
+            <a:r>
+              <a:rPr lang="en-US" dirty="0" smtClean="0"/>
+              <a:t>The </a:t>
+            </a:r>
+            <a:r>
+              <a:rPr lang="en-US" dirty="0"/>
+              <a:t>leader handles all read and write requests for the partition while the followers passively replicate the leader. </a:t>
+            </a:r>
+            <a:endParaRPr lang="en-US" dirty="0" smtClean="0"/>
+          </a:p>
+          <a:p>
+            <a:r>
+              <a:rPr lang="en-US" dirty="0"/>
+              <a:t>If the leader fails, one of the followers will automatically become the new leader. </a:t>
+            </a:r>
+            <a:endParaRPr lang="en-US" dirty="0" smtClean="0"/>
+          </a:p>
+          <a:p>
+            <a:r>
+              <a:rPr lang="en-US" dirty="0"/>
+              <a:t> Each server acts as a leader for some of its partitions and a follower for others so load is well balanced within the cluster.</a:t>
+            </a:r>
+          </a:p>
+        </p:txBody>
+      </p:sp>
+    </p:spTree>
+    <p:extLst>
+      <p:ext uri="{BB962C8B-B14F-4D97-AF65-F5344CB8AC3E}">
+        <p14:creationId xmlns:p14="http://schemas.microsoft.com/office/powerpoint/2010/main" val="2973959010"/>
+      </p:ext>
+    </p:extLst>
+  </p:cSld>
+  <p:clrMapOvr>
+    <a:masterClrMapping/>
+  </p:clrMapOvr>
+</p:sld>
+</file>
+
+<file path=ppt/slides/slide14.xml><?xml version="1.0" encoding="utf-8"?>
+<p:sld xmlns:a="http://schemas.openxmlformats.org/drawingml/2006/main" xmlns:r="http://schemas.openxmlformats.org/officeDocument/2006/relationships" xmlns:p="http://schemas.openxmlformats.org/presentationml/2006/main">
+  <p:cSld>
+    <p:spTree>
+      <p:nvGrpSpPr>
+        <p:cNvPr id="1" name=""/>
+        <p:cNvGrpSpPr/>
+        <p:nvPr/>
+      </p:nvGrpSpPr>
+      <p:grpSpPr>
+        <a:xfrm>
+          <a:off x="0" y="0"/>
+          <a:ext cx="0" cy="0"/>
+          <a:chOff x="0" y="0"/>
+          <a:chExt cx="0" cy="0"/>
+        </a:xfrm>
+      </p:grpSpPr>
+      <p:sp>
+        <p:nvSpPr>
+          <p:cNvPr id="2" name="Title 1"/>
+          <p:cNvSpPr>
+            <a:spLocks noGrp="1"/>
+          </p:cNvSpPr>
+          <p:nvPr>
+            <p:ph type="title"/>
+          </p:nvPr>
+        </p:nvSpPr>
+        <p:spPr/>
+        <p:txBody>
+          <a:bodyPr/>
+          <a:lstStyle/>
+          <a:p>
+            <a:r>
+              <a:rPr lang="en-US" b="1" dirty="0">
+                <a:hlinkClick r:id="rId2"/>
+              </a:rPr>
               <a:t>Producers</a:t>
             </a:r>
             <a:r>
@@ -6239,7 +6321,7 @@
 </p:sld>
 </file>
 
-<file path=ppt/slides/slide14.xml><?xml version="1.0" encoding="utf-8"?>
+<file path=ppt/slides/slide15.xml><?xml version="1.0" encoding="utf-8"?>
 <p:sld xmlns:a="http://schemas.openxmlformats.org/drawingml/2006/main" xmlns:r="http://schemas.openxmlformats.org/officeDocument/2006/relationships" xmlns:p="http://schemas.openxmlformats.org/presentationml/2006/main">
   <p:cSld>
     <p:spTree>
@@ -6417,121 +6499,6 @@
 </p:sld>
 </file>
 
-<file path=ppt/slides/slide15.xml><?xml version="1.0" encoding="utf-8"?>
-<p:sld xmlns:a="http://schemas.openxmlformats.org/drawingml/2006/main" xmlns:r="http://schemas.openxmlformats.org/officeDocument/2006/relationships" xmlns:p="http://schemas.openxmlformats.org/presentationml/2006/main">
-  <p:cSld>
-    <p:spTree>
-      <p:nvGrpSpPr>
-        <p:cNvPr id="1" name=""/>
-        <p:cNvGrpSpPr/>
-        <p:nvPr/>
-      </p:nvGrpSpPr>
-      <p:grpSpPr>
-        <a:xfrm>
-          <a:off x="0" y="0"/>
-          <a:ext cx="0" cy="0"/>
-          <a:chOff x="0" y="0"/>
-          <a:chExt cx="0" cy="0"/>
-        </a:xfrm>
-      </p:grpSpPr>
-      <p:sp>
-        <p:nvSpPr>
-          <p:cNvPr id="2" name="Title 1"/>
-          <p:cNvSpPr>
-            <a:spLocks noGrp="1"/>
-          </p:cNvSpPr>
-          <p:nvPr>
-            <p:ph type="title"/>
-          </p:nvPr>
-        </p:nvSpPr>
-        <p:spPr/>
-        <p:txBody>
-          <a:bodyPr/>
-          <a:lstStyle/>
-          <a:p>
-            <a:r>
-              <a:rPr lang="en-US" b="1" dirty="0">
-                <a:hlinkClick r:id="rId2"/>
-              </a:rPr>
-              <a:t>Guarantees</a:t>
-            </a:r>
-            <a:r>
-              <a:rPr lang="en-US" b="1" dirty="0"/>
-              <a:t/>
-            </a:r>
-            <a:br>
-              <a:rPr lang="en-US" b="1" dirty="0"/>
-            </a:br>
-            <a:endParaRPr lang="en-US" dirty="0"/>
-          </a:p>
-        </p:txBody>
-      </p:sp>
-      <p:sp>
-        <p:nvSpPr>
-          <p:cNvPr id="3" name="Content Placeholder 2"/>
-          <p:cNvSpPr>
-            <a:spLocks noGrp="1"/>
-          </p:cNvSpPr>
-          <p:nvPr>
-            <p:ph idx="1"/>
-          </p:nvPr>
-        </p:nvSpPr>
-        <p:spPr/>
-        <p:txBody>
-          <a:bodyPr/>
-          <a:lstStyle/>
-          <a:p>
-            <a:r>
-              <a:rPr lang="en-US" dirty="0" smtClean="0"/>
-              <a:t> </a:t>
-            </a:r>
-            <a:r>
-              <a:rPr lang="en-US" dirty="0"/>
-              <a:t>Messages sent by a producer to a particular topic partition will be appended in the order they are sent. </a:t>
-            </a:r>
-            <a:r>
-              <a:rPr lang="en-US" dirty="0" smtClean="0"/>
-              <a:t>-That </a:t>
-            </a:r>
-            <a:r>
-              <a:rPr lang="en-US" dirty="0"/>
-              <a:t>is, if a record M1 is sent by the same producer as a record M2, and M1 is sent first, then M1 will have a lower offset than M2 and appear earlier in the log</a:t>
-            </a:r>
-            <a:r>
-              <a:rPr lang="en-US" dirty="0" smtClean="0"/>
-              <a:t>.</a:t>
-            </a:r>
-          </a:p>
-          <a:p>
-            <a:r>
-              <a:rPr lang="en-US" dirty="0"/>
-              <a:t>A consumer instance sees records in the order they are stored in the log.</a:t>
-            </a:r>
-          </a:p>
-          <a:p>
-            <a:r>
-              <a:rPr lang="en-US" dirty="0"/>
-              <a:t>For a topic with replication factor N, we will tolerate up to N-1 server failures without losing any records committed to the log.</a:t>
-            </a:r>
-          </a:p>
-          <a:p>
-            <a:endParaRPr lang="en-US" dirty="0"/>
-          </a:p>
-        </p:txBody>
-      </p:sp>
-    </p:spTree>
-    <p:extLst>
-      <p:ext uri="{BB962C8B-B14F-4D97-AF65-F5344CB8AC3E}">
-        <p14:creationId xmlns:p14="http://schemas.microsoft.com/office/powerpoint/2010/main" val="2917338207"/>
-      </p:ext>
-    </p:extLst>
-  </p:cSld>
-  <p:clrMapOvr>
-    <a:masterClrMapping/>
-  </p:clrMapOvr>
-</p:sld>
-</file>
-
 <file path=ppt/slides/slide16.xml><?xml version="1.0" encoding="utf-8"?>
 <p:sld xmlns:a="http://schemas.openxmlformats.org/drawingml/2006/main" xmlns:r="http://schemas.openxmlformats.org/officeDocument/2006/relationships" xmlns:p="http://schemas.openxmlformats.org/presentationml/2006/main">
   <p:cSld>
@@ -6568,7 +6535,7 @@
               <a:rPr lang="en-US" b="1" dirty="0">
                 <a:hlinkClick r:id="rId2"/>
               </a:rPr>
-              <a:t>Kafka as a Messaging System</a:t>
+              <a:t>Guarantees</a:t>
             </a:r>
             <a:r>
               <a:rPr lang="en-US" b="1" dirty="0"/>
@@ -6593,30 +6560,24 @@
         </p:nvSpPr>
         <p:spPr/>
         <p:txBody>
-          <a:bodyPr>
-            <a:normAutofit fontScale="92500" lnSpcReduction="10000"/>
-          </a:bodyPr>
-          <a:lstStyle/>
-          <a:p>
-            <a:r>
-              <a:rPr lang="en-US" dirty="0"/>
-              <a:t>Messaging traditionally has two models: </a:t>
-            </a:r>
-            <a:r>
-              <a:rPr lang="en-US" dirty="0" smtClean="0">
-                <a:hlinkClick r:id="rId3"/>
-              </a:rPr>
-              <a:t>queuing</a:t>
-            </a:r>
-            <a:r>
-              <a:rPr lang="en-US" dirty="0"/>
-              <a:t> and </a:t>
-            </a:r>
-            <a:r>
-              <a:rPr lang="en-US" dirty="0">
-                <a:hlinkClick r:id="rId4"/>
-              </a:rPr>
-              <a:t>publish-subscribe</a:t>
+          <a:bodyPr/>
+          <a:lstStyle/>
+          <a:p>
+            <a:r>
+              <a:rPr lang="en-US" dirty="0" smtClean="0"/>
+              <a:t> </a:t>
+            </a:r>
+            <a:r>
+              <a:rPr lang="en-US" dirty="0"/>
+              <a:t>Messages sent by a producer to a particular topic partition will be appended in the order they are sent. </a:t>
+            </a:r>
+            <a:r>
+              <a:rPr lang="en-US" dirty="0" smtClean="0"/>
+              <a:t>-That </a:t>
+            </a:r>
+            <a:r>
+              <a:rPr lang="en-US" dirty="0"/>
+              <a:t>is, if a record M1 is sent by the same producer as a record M2, and M1 is sent first, then M1 will have a lower offset than M2 and appear earlier in the log</a:t>
             </a:r>
             <a:r>
               <a:rPr lang="en-US" dirty="0" smtClean="0"/>
@@ -6626,81 +6587,16 @@
           <a:p>
             <a:r>
               <a:rPr lang="en-US" dirty="0"/>
-              <a:t>In a queue, a pool of consumers may read from a server and each record goes to one of </a:t>
-            </a:r>
-            <a:r>
-              <a:rPr lang="en-US" dirty="0" smtClean="0"/>
-              <a:t>them</a:t>
-            </a:r>
-            <a:r>
-              <a:rPr lang="en-US" dirty="0"/>
-              <a:t>.</a:t>
-            </a:r>
-            <a:endParaRPr lang="en-US" dirty="0" smtClean="0"/>
-          </a:p>
-          <a:p>
-            <a:r>
-              <a:rPr lang="en-US" dirty="0" smtClean="0"/>
-              <a:t>In </a:t>
-            </a:r>
-            <a:r>
-              <a:rPr lang="en-US" dirty="0"/>
-              <a:t>publish-subscribe the record is broadcast to all </a:t>
-            </a:r>
-            <a:r>
-              <a:rPr lang="en-US" dirty="0" smtClean="0"/>
-              <a:t>consumers.</a:t>
-            </a:r>
-          </a:p>
-          <a:p>
-            <a:r>
-              <a:rPr lang="en-US" dirty="0"/>
-              <a:t>The consumer </a:t>
-            </a:r>
-            <a:r>
-              <a:rPr lang="en-US" dirty="0" smtClean="0"/>
-              <a:t>group </a:t>
-            </a:r>
-            <a:r>
-              <a:rPr lang="en-US" dirty="0"/>
-              <a:t>concept in Kafka generalizes these two </a:t>
-            </a:r>
-            <a:r>
-              <a:rPr lang="en-US" dirty="0" smtClean="0"/>
-              <a:t>concepts</a:t>
-            </a:r>
-          </a:p>
-          <a:p>
-            <a:r>
-              <a:rPr lang="en-US" dirty="0"/>
-              <a:t>As with a queue the consumer group allows you to divide up processing over a collection of processes </a:t>
-            </a:r>
-            <a:endParaRPr lang="en-US" dirty="0" smtClean="0"/>
-          </a:p>
-          <a:p>
-            <a:r>
-              <a:rPr lang="en-US" dirty="0"/>
-              <a:t>As with publish-subscribe, Kafka allows you to broadcast messages to multiple consumer groups</a:t>
-            </a:r>
-            <a:r>
-              <a:rPr lang="en-US" dirty="0" smtClean="0"/>
-              <a:t>.</a:t>
-            </a:r>
-          </a:p>
-          <a:p>
-            <a:r>
-              <a:rPr lang="en-US" dirty="0"/>
-              <a:t>Kafka has stronger ordering guarantees than a traditional messaging system, too.</a:t>
-            </a:r>
-          </a:p>
-          <a:p>
-            <a:r>
-              <a:rPr lang="en-US" dirty="0"/>
-              <a:t/>
-            </a:r>
-            <a:br>
-              <a:rPr lang="en-US" dirty="0"/>
-            </a:br>
+              <a:t>A consumer instance sees records in the order they are stored in the log.</a:t>
+            </a:r>
+          </a:p>
+          <a:p>
+            <a:r>
+              <a:rPr lang="en-US" dirty="0"/>
+              <a:t>For a topic with replication factor N, we will tolerate up to N-1 server failures without losing any records committed to the log.</a:t>
+            </a:r>
+          </a:p>
+          <a:p>
             <a:endParaRPr lang="en-US" dirty="0"/>
           </a:p>
         </p:txBody>
@@ -6708,7 +6604,7 @@
     </p:spTree>
     <p:extLst>
       <p:ext uri="{BB962C8B-B14F-4D97-AF65-F5344CB8AC3E}">
-        <p14:creationId xmlns:p14="http://schemas.microsoft.com/office/powerpoint/2010/main" val="3508063134"/>
+        <p14:creationId xmlns:p14="http://schemas.microsoft.com/office/powerpoint/2010/main" val="2917338207"/>
       </p:ext>
     </p:extLst>
   </p:cSld>
@@ -6751,9 +6647,19 @@
           <a:lstStyle/>
           <a:p>
             <a:r>
+              <a:rPr lang="en-US" b="1" dirty="0">
+                <a:hlinkClick r:id="rId2"/>
+              </a:rPr>
+              <a:t>Kafka as a Messaging System</a:t>
+            </a:r>
+            <a:r>
               <a:rPr lang="en-US" b="1" dirty="0"/>
-              <a:t>Kafka as a Storage System</a:t>
-            </a:r>
+              <a:t/>
+            </a:r>
+            <a:br>
+              <a:rPr lang="en-US" b="1" dirty="0"/>
+            </a:br>
+            <a:endParaRPr lang="en-US" dirty="0"/>
           </a:p>
         </p:txBody>
       </p:sp>
@@ -6770,20 +6676,29 @@
         <p:spPr/>
         <p:txBody>
           <a:bodyPr>
-            <a:normAutofit/>
+            <a:normAutofit fontScale="92500" lnSpcReduction="10000"/>
           </a:bodyPr>
           <a:lstStyle/>
           <a:p>
             <a:r>
               <a:rPr lang="en-US" dirty="0"/>
-              <a:t>Data written to Kafka is written to disk and replicated for fault-tolerance. </a:t>
-            </a:r>
-            <a:endParaRPr lang="en-US" dirty="0" smtClean="0"/>
-          </a:p>
-          <a:p>
-            <a:r>
-              <a:rPr lang="en-US" dirty="0"/>
-              <a:t>Kafka allows producers to wait on acknowledgement so that a write isn't considered complete until it is fully replicated and guaranteed to persist even if the server written to fails</a:t>
+              <a:t>Messaging traditionally has two models: </a:t>
+            </a:r>
+            <a:r>
+              <a:rPr lang="en-US" dirty="0" smtClean="0">
+                <a:hlinkClick r:id="rId3"/>
+              </a:rPr>
+              <a:t>queuing</a:t>
+            </a:r>
+            <a:r>
+              <a:rPr lang="en-US" dirty="0"/>
+              <a:t> and </a:t>
+            </a:r>
+            <a:r>
+              <a:rPr lang="en-US" dirty="0">
+                <a:hlinkClick r:id="rId4"/>
+              </a:rPr>
+              <a:t>publish-subscribe</a:t>
             </a:r>
             <a:r>
               <a:rPr lang="en-US" dirty="0" smtClean="0"/>
@@ -6793,36 +6708,77 @@
           <a:p>
             <a:r>
               <a:rPr lang="en-US" dirty="0"/>
-              <a:t>The disk structures Kafka uses scale well—Kafka will perform the same whether you have 50 KB or 50 TB of persistent data on the server.</a:t>
-            </a:r>
-          </a:p>
-          <a:p>
-            <a:r>
-              <a:rPr lang="en-US" dirty="0"/>
-              <a:t>you can think of Kafka as a kind of special purpose distributed filesystem dedicated to high-performance, low-latency commit log storage, replication, and propagation</a:t>
+              <a:t>In a queue, a pool of consumers may read from a server and each record goes to one of </a:t>
             </a:r>
             <a:r>
               <a:rPr lang="en-US" dirty="0" smtClean="0"/>
-              <a:t>.,</a:t>
-            </a:r>
-            <a:r>
-              <a:rPr lang="en-US" dirty="0"/>
-              <a:t> </a:t>
-            </a:r>
+              <a:t>them</a:t>
+            </a:r>
+            <a:r>
+              <a:rPr lang="en-US" dirty="0"/>
+              <a:t>.</a:t>
+            </a:r>
+            <a:endParaRPr lang="en-US" dirty="0" smtClean="0"/>
+          </a:p>
+          <a:p>
             <a:r>
               <a:rPr lang="en-US" dirty="0" smtClean="0"/>
+              <a:t>In </a:t>
+            </a:r>
+            <a:r>
+              <a:rPr lang="en-US" dirty="0"/>
+              <a:t>publish-subscribe the record is broadcast to all </a:t>
+            </a:r>
+            <a:r>
+              <a:rPr lang="en-US" dirty="0" smtClean="0"/>
+              <a:t>consumers.</a:t>
+            </a:r>
+          </a:p>
+          <a:p>
+            <a:r>
+              <a:rPr lang="en-US" dirty="0"/>
+              <a:t>The consumer </a:t>
+            </a:r>
+            <a:r>
+              <a:rPr lang="en-US" dirty="0" smtClean="0"/>
+              <a:t>group </a:t>
+            </a:r>
+            <a:r>
+              <a:rPr lang="en-US" dirty="0"/>
+              <a:t>concept in Kafka generalizes these two </a:t>
+            </a:r>
+            <a:r>
+              <a:rPr lang="en-US" dirty="0" smtClean="0"/>
+              <a:t>concepts</a:t>
+            </a:r>
+          </a:p>
+          <a:p>
+            <a:r>
+              <a:rPr lang="en-US" dirty="0"/>
+              <a:t>As with a queue the consumer group allows you to divide up processing over a collection of processes </a:t>
+            </a:r>
+            <a:endParaRPr lang="en-US" dirty="0" smtClean="0"/>
+          </a:p>
+          <a:p>
+            <a:r>
+              <a:rPr lang="en-US" dirty="0"/>
+              <a:t>As with publish-subscribe, Kafka allows you to broadcast messages to multiple consumer groups</a:t>
+            </a:r>
+            <a:r>
+              <a:rPr lang="en-US" dirty="0" smtClean="0"/>
+              <a:t>.</a:t>
+            </a:r>
+          </a:p>
+          <a:p>
+            <a:r>
+              <a:rPr lang="en-US" dirty="0"/>
+              <a:t>Kafka has stronger ordering guarantees than a traditional messaging system, too.</a:t>
+            </a:r>
+          </a:p>
+          <a:p>
+            <a:r>
+              <a:rPr lang="en-US" dirty="0"/>
               <a:t/>
-            </a:r>
-            <a:br>
-              <a:rPr lang="en-US" dirty="0" smtClean="0"/>
-            </a:br>
-            <a:r>
-              <a:rPr lang="en-US" dirty="0" smtClean="0"/>
-              <a:t>As </a:t>
-            </a:r>
-            <a:r>
-              <a:rPr lang="en-US" dirty="0"/>
-              <a:t>a result of taking storage seriously and allowing the clients to control their read position</a:t>
             </a:r>
             <a:br>
               <a:rPr lang="en-US" dirty="0"/>
@@ -6834,7 +6790,7 @@
     </p:spTree>
     <p:extLst>
       <p:ext uri="{BB962C8B-B14F-4D97-AF65-F5344CB8AC3E}">
-        <p14:creationId xmlns:p14="http://schemas.microsoft.com/office/powerpoint/2010/main" val="182416773"/>
+        <p14:creationId xmlns:p14="http://schemas.microsoft.com/office/powerpoint/2010/main" val="3508063134"/>
       </p:ext>
     </p:extLst>
   </p:cSld>
@@ -6878,12 +6834,8 @@
           <a:p>
             <a:r>
               <a:rPr lang="en-US" b="1" dirty="0"/>
-              <a:t>Kafka for Stream Processing</a:t>
-            </a:r>
-            <a:br>
-              <a:rPr lang="en-US" b="1" dirty="0"/>
-            </a:br>
-            <a:endParaRPr lang="en-US" dirty="0"/>
+              <a:t>Kafka as a Storage System</a:t>
+            </a:r>
           </a:p>
         </p:txBody>
       </p:sp>
@@ -6899,12 +6851,21 @@
         </p:nvSpPr>
         <p:spPr/>
         <p:txBody>
-          <a:bodyPr/>
-          <a:lstStyle/>
-          <a:p>
-            <a:r>
-              <a:rPr lang="en-US" dirty="0"/>
-              <a:t> stream processor is anything that takes continual streams of data from input topics, performs some processing on this input, and produces continual streams of data to output topics</a:t>
+          <a:bodyPr>
+            <a:normAutofit/>
+          </a:bodyPr>
+          <a:lstStyle/>
+          <a:p>
+            <a:r>
+              <a:rPr lang="en-US" dirty="0"/>
+              <a:t>Data written to Kafka is written to disk and replicated for fault-tolerance. </a:t>
+            </a:r>
+            <a:endParaRPr lang="en-US" dirty="0" smtClean="0"/>
+          </a:p>
+          <a:p>
+            <a:r>
+              <a:rPr lang="en-US" dirty="0"/>
+              <a:t>Kafka allows producers to wait on acknowledgement so that a write isn't considered complete until it is fully replicated and guaranteed to persist even if the server written to fails</a:t>
             </a:r>
             <a:r>
               <a:rPr lang="en-US" dirty="0" smtClean="0"/>
@@ -6914,23 +6875,48 @@
           <a:p>
             <a:r>
               <a:rPr lang="en-US" dirty="0"/>
-              <a:t>it uses the producer and consumer APIs for input, uses Kafka for </a:t>
-            </a:r>
-            <a:r>
-              <a:rPr lang="en-US" dirty="0" err="1"/>
-              <a:t>stateful</a:t>
-            </a:r>
-            <a:r>
-              <a:rPr lang="en-US" dirty="0"/>
-              <a:t> storage, and uses the same group mechanism for fault tolerance among the stream processor instances.</a:t>
-            </a:r>
+              <a:t>The disk structures Kafka uses scale well—Kafka will perform the same whether you have 50 KB or 50 TB of persistent data on the server.</a:t>
+            </a:r>
+          </a:p>
+          <a:p>
+            <a:r>
+              <a:rPr lang="en-US" dirty="0"/>
+              <a:t>you can think of Kafka as a kind of special purpose distributed filesystem dedicated to high-performance, low-latency commit log storage, replication, and propagation</a:t>
+            </a:r>
+            <a:r>
+              <a:rPr lang="en-US" dirty="0" smtClean="0"/>
+              <a:t>.,</a:t>
+            </a:r>
+            <a:r>
+              <a:rPr lang="en-US" dirty="0"/>
+              <a:t> </a:t>
+            </a:r>
+            <a:r>
+              <a:rPr lang="en-US" dirty="0" smtClean="0"/>
+              <a:t/>
+            </a:r>
+            <a:br>
+              <a:rPr lang="en-US" dirty="0" smtClean="0"/>
+            </a:br>
+            <a:r>
+              <a:rPr lang="en-US" dirty="0" smtClean="0"/>
+              <a:t>As </a:t>
+            </a:r>
+            <a:r>
+              <a:rPr lang="en-US" dirty="0"/>
+              <a:t>a result of taking storage seriously and allowing the clients to control their read position</a:t>
+            </a:r>
+            <a:br>
+              <a:rPr lang="en-US" dirty="0"/>
+            </a:br>
+            <a:endParaRPr lang="en-US" dirty="0"/>
           </a:p>
         </p:txBody>
       </p:sp>
     </p:spTree>
     <p:extLst>
       <p:ext uri="{BB962C8B-B14F-4D97-AF65-F5344CB8AC3E}">
-        <p14:creationId xmlns:p14="http://schemas.microsoft.com/office/powerpoint/2010/main" val="1716507280"/>
+        <p14:creationId xmlns:p14="http://schemas.microsoft.com/office/powerpoint/2010/main" val="182416773"/>
       </p:ext>
     </p:extLst>
   </p:cSld>
@@ -6973,19 +6959,13 @@
           <a:lstStyle/>
           <a:p>
             <a:r>
-              <a:rPr lang="en-US" dirty="0" smtClean="0">
-                <a:hlinkClick r:id="rId2"/>
-              </a:rPr>
-              <a:t>Queuing</a:t>
-            </a:r>
-            <a:r>
-              <a:rPr lang="en-US" dirty="0" smtClean="0"/>
-              <a:t> in messaging syste</a:t>
-            </a:r>
-            <a:r>
-              <a:rPr lang="en-US" dirty="0"/>
-              <a:t>m</a:t>
-            </a:r>
+              <a:rPr lang="en-US" b="1" dirty="0"/>
+              <a:t>Kafka for Stream Processing</a:t>
+            </a:r>
+            <a:br>
+              <a:rPr lang="en-US" b="1" dirty="0"/>
+            </a:br>
+            <a:endParaRPr lang="en-US" dirty="0"/>
           </a:p>
         </p:txBody>
       </p:sp>
@@ -7001,20 +6981,12 @@
         </p:nvSpPr>
         <p:spPr/>
         <p:txBody>
-          <a:bodyPr>
-            <a:normAutofit fontScale="92500" lnSpcReduction="20000"/>
-          </a:bodyPr>
-          <a:lstStyle/>
-          <a:p>
-            <a:r>
-              <a:rPr lang="en-US" dirty="0"/>
-              <a:t>In a queue, a pool of consumers may read from a server and each record goes to one of them.</a:t>
-            </a:r>
-          </a:p>
-          <a:p>
-            <a:r>
-              <a:rPr lang="en-US" dirty="0"/>
-              <a:t>it allows you to divide up the processing of data over multiple consumer instances, which lets you scale your processing</a:t>
+          <a:bodyPr/>
+          <a:lstStyle/>
+          <a:p>
+            <a:r>
+              <a:rPr lang="en-US" dirty="0"/>
+              <a:t> stream processor is anything that takes continual streams of data from input topics, performs some processing on this input, and produces continual streams of data to output topics</a:t>
             </a:r>
             <a:r>
               <a:rPr lang="en-US" dirty="0" smtClean="0"/>
@@ -7024,41 +6996,15 @@
           <a:p>
             <a:r>
               <a:rPr lang="en-US" dirty="0"/>
-              <a:t>queues aren't multi-subscriber—once one process reads the data it's gone. </a:t>
-            </a:r>
-            <a:endParaRPr lang="en-US" dirty="0" smtClean="0"/>
-          </a:p>
-          <a:p>
-            <a:r>
-              <a:rPr lang="en-US" dirty="0"/>
-              <a:t>queue retains records in-order on the server, and if multiple consumers consume from the queue then the server hands out records in the order they are stored</a:t>
-            </a:r>
-            <a:r>
-              <a:rPr lang="en-US" dirty="0" smtClean="0"/>
-              <a:t>.</a:t>
-            </a:r>
-          </a:p>
-          <a:p>
-            <a:r>
-              <a:rPr lang="en-US" dirty="0"/>
-              <a:t>server hands out records in order, the records are delivered asynchronously to consumers, so they may arrive out of order on different consumers. </a:t>
-            </a:r>
-            <a:endParaRPr lang="en-US" dirty="0" smtClean="0"/>
-          </a:p>
-          <a:p>
-            <a:r>
-              <a:rPr lang="en-US" dirty="0"/>
-              <a:t>ordering of the records is lost in the presence of parallel </a:t>
-            </a:r>
-            <a:r>
-              <a:rPr lang="en-US" dirty="0" smtClean="0"/>
-              <a:t>consumption</a:t>
-            </a:r>
-          </a:p>
-          <a:p>
-            <a:r>
-              <a:rPr lang="en-US" dirty="0"/>
-              <a:t>Messaging systems often work around this by having a notion of "exclusive consumer" that allows only one process to consume from a queue, but of course this means that there is no parallelism in processing.</a:t>
+              <a:t>it uses the producer and consumer APIs for input, uses Kafka for </a:t>
+            </a:r>
+            <a:r>
+              <a:rPr lang="en-US" dirty="0" err="1"/>
+              <a:t>stateful</a:t>
+            </a:r>
+            <a:r>
+              <a:rPr lang="en-US" dirty="0"/>
+              <a:t> storage, and uses the same group mechanism for fault tolerance among the stream processor instances.</a:t>
             </a:r>
           </a:p>
         </p:txBody>
@@ -7066,7 +7012,7 @@
     </p:spTree>
     <p:extLst>
       <p:ext uri="{BB962C8B-B14F-4D97-AF65-F5344CB8AC3E}">
-        <p14:creationId xmlns:p14="http://schemas.microsoft.com/office/powerpoint/2010/main" val="3954907245"/>
+        <p14:creationId xmlns:p14="http://schemas.microsoft.com/office/powerpoint/2010/main" val="1716507280"/>
       </p:ext>
     </p:extLst>
   </p:cSld>
@@ -7283,10 +7229,19 @@
           <a:lstStyle/>
           <a:p>
             <a:r>
+              <a:rPr lang="en-US" dirty="0" smtClean="0">
+                <a:hlinkClick r:id="rId2"/>
+              </a:rPr>
+              <a:t>Queuing</a:t>
+            </a:r>
+            <a:r>
               <a:rPr lang="en-US" dirty="0" smtClean="0"/>
-              <a:t>Pub-sub messaging system</a:t>
-            </a:r>
-            <a:endParaRPr lang="en-US" dirty="0"/>
+              <a:t> in messaging syste</a:t>
+            </a:r>
+            <a:r>
+              <a:rPr lang="en-US" dirty="0"/>
+              <a:t>m</a:t>
+            </a:r>
           </a:p>
         </p:txBody>
       </p:sp>
@@ -7302,18 +7257,64 @@
         </p:nvSpPr>
         <p:spPr/>
         <p:txBody>
-          <a:bodyPr/>
-          <a:lstStyle/>
-          <a:p>
-            <a:r>
-              <a:rPr lang="en-US" dirty="0"/>
-              <a:t>In publish-subscribe the record is broadcast to all consumers.</a:t>
-            </a:r>
-          </a:p>
-          <a:p>
-            <a:r>
-              <a:rPr lang="en-US" dirty="0"/>
-              <a:t>allows you broadcast data to multiple processes, but has no way of scaling processing since every message goes to every subscriber.</a:t>
+          <a:bodyPr>
+            <a:normAutofit fontScale="92500" lnSpcReduction="20000"/>
+          </a:bodyPr>
+          <a:lstStyle/>
+          <a:p>
+            <a:r>
+              <a:rPr lang="en-US" dirty="0"/>
+              <a:t>In a queue, a pool of consumers may read from a server and each record goes to one of them.</a:t>
+            </a:r>
+          </a:p>
+          <a:p>
+            <a:r>
+              <a:rPr lang="en-US" dirty="0"/>
+              <a:t>it allows you to divide up the processing of data over multiple consumer instances, which lets you scale your processing</a:t>
+            </a:r>
+            <a:r>
+              <a:rPr lang="en-US" dirty="0" smtClean="0"/>
+              <a:t>.</a:t>
+            </a:r>
+          </a:p>
+          <a:p>
+            <a:r>
+              <a:rPr lang="en-US" dirty="0"/>
+              <a:t>queues aren't multi-subscriber—once one process reads the data it's gone. </a:t>
+            </a:r>
+            <a:endParaRPr lang="en-US" dirty="0" smtClean="0"/>
+          </a:p>
+          <a:p>
+            <a:r>
+              <a:rPr lang="en-US" dirty="0"/>
+              <a:t>queue retains records in-order on the server, and if multiple consumers consume from the queue then the server hands out records in the order they are stored</a:t>
+            </a:r>
+            <a:r>
+              <a:rPr lang="en-US" dirty="0" smtClean="0"/>
+              <a:t>.</a:t>
+            </a:r>
+          </a:p>
+          <a:p>
+            <a:r>
+              <a:rPr lang="en-US" dirty="0"/>
+              <a:t>server hands out records in order, the records are delivered asynchronously to consumers, so they may arrive out of order on different consumers. </a:t>
+            </a:r>
+            <a:endParaRPr lang="en-US" dirty="0" smtClean="0"/>
+          </a:p>
+          <a:p>
+            <a:r>
+              <a:rPr lang="en-US" dirty="0"/>
+              <a:t>ordering of the records is lost in the presence of parallel </a:t>
+            </a:r>
+            <a:r>
+              <a:rPr lang="en-US" dirty="0" smtClean="0"/>
+              <a:t>consumption</a:t>
+            </a:r>
+          </a:p>
+          <a:p>
+            <a:r>
+              <a:rPr lang="en-US" dirty="0"/>
+              <a:t>Messaging systems often work around this by having a notion of "exclusive consumer" that allows only one process to consume from a queue, but of course this means that there is no parallelism in processing.</a:t>
             </a:r>
           </a:p>
         </p:txBody>
@@ -7321,7 +7322,7 @@
     </p:spTree>
     <p:extLst>
       <p:ext uri="{BB962C8B-B14F-4D97-AF65-F5344CB8AC3E}">
-        <p14:creationId xmlns:p14="http://schemas.microsoft.com/office/powerpoint/2010/main" val="2080815751"/>
+        <p14:creationId xmlns:p14="http://schemas.microsoft.com/office/powerpoint/2010/main" val="3954907245"/>
       </p:ext>
     </p:extLst>
   </p:cSld>
@@ -7365,11 +7366,7 @@
           <a:p>
             <a:r>
               <a:rPr lang="en-US" dirty="0" smtClean="0"/>
-              <a:t>Write file to </a:t>
-            </a:r>
-            <a:r>
-              <a:rPr lang="en-US" dirty="0" err="1" smtClean="0"/>
-              <a:t>kafka</a:t>
+              <a:t>Pub-sub messaging system</a:t>
             </a:r>
             <a:endParaRPr lang="en-US" dirty="0"/>
           </a:p>
@@ -7392,30 +7389,21 @@
           <a:p>
             <a:r>
               <a:rPr lang="en-US" dirty="0"/>
-              <a:t>kafka-console-producer.sh --broker-list localhost:9092 --topic </a:t>
-            </a:r>
-            <a:r>
-              <a:rPr lang="en-US" dirty="0" err="1"/>
-              <a:t>my_topic</a:t>
-            </a:r>
-            <a:r>
-              <a:rPr lang="en-US" dirty="0"/>
-              <a:t> &lt; my_file.txt </a:t>
-            </a:r>
-          </a:p>
-          <a:p>
-            <a:r>
-              <a:rPr lang="en-US" smtClean="0"/>
-              <a:t>This one is for 0.9 and above</a:t>
-            </a:r>
-            <a:endParaRPr lang="en-US" dirty="0"/>
+              <a:t>In publish-subscribe the record is broadcast to all consumers.</a:t>
+            </a:r>
+          </a:p>
+          <a:p>
+            <a:r>
+              <a:rPr lang="en-US" dirty="0"/>
+              <a:t>allows you broadcast data to multiple processes, but has no way of scaling processing since every message goes to every subscriber.</a:t>
+            </a:r>
           </a:p>
         </p:txBody>
       </p:sp>
     </p:spTree>
     <p:extLst>
       <p:ext uri="{BB962C8B-B14F-4D97-AF65-F5344CB8AC3E}">
-        <p14:creationId xmlns:p14="http://schemas.microsoft.com/office/powerpoint/2010/main" val="2058052735"/>
+        <p14:creationId xmlns:p14="http://schemas.microsoft.com/office/powerpoint/2010/main" val="2080815751"/>
       </p:ext>
     </p:extLst>
   </p:cSld>
@@ -7457,207 +7445,59 @@
           <a:bodyPr/>
           <a:lstStyle/>
           <a:p>
-            <a:endParaRPr lang="en-US"/>
-          </a:p>
-        </p:txBody>
-      </p:sp>
-      <p:pic>
-        <p:nvPicPr>
-          <p:cNvPr id="4" name="Content Placeholder 3"/>
-          <p:cNvPicPr>
-            <a:picLocks noGrp="1" noChangeAspect="1"/>
-          </p:cNvPicPr>
+            <a:r>
+              <a:rPr lang="en-US" dirty="0" smtClean="0"/>
+              <a:t>Write file to </a:t>
+            </a:r>
+            <a:r>
+              <a:rPr lang="en-US" dirty="0" err="1" smtClean="0"/>
+              <a:t>kafka</a:t>
+            </a:r>
+            <a:endParaRPr lang="en-US" dirty="0"/>
+          </a:p>
+        </p:txBody>
+      </p:sp>
+      <p:sp>
+        <p:nvSpPr>
+          <p:cNvPr id="3" name="Content Placeholder 2"/>
+          <p:cNvSpPr>
+            <a:spLocks noGrp="1"/>
+          </p:cNvSpPr>
           <p:nvPr>
             <p:ph idx="1"/>
           </p:nvPr>
-        </p:nvPicPr>
-        <p:blipFill>
-          <a:blip r:embed="rId2"/>
-          <a:stretch>
-            <a:fillRect/>
-          </a:stretch>
-        </p:blipFill>
-        <p:spPr>
-          <a:xfrm>
-            <a:off x="2062957" y="2160588"/>
-            <a:ext cx="5826124" cy="3881437"/>
-          </a:xfrm>
-          <a:prstGeom prst="rect">
-            <a:avLst/>
-          </a:prstGeom>
-        </p:spPr>
-      </p:pic>
+        </p:nvSpPr>
+        <p:spPr/>
+        <p:txBody>
+          <a:bodyPr/>
+          <a:lstStyle/>
+          <a:p>
+            <a:r>
+              <a:rPr lang="en-US" dirty="0"/>
+              <a:t>kafka-console-producer.sh --broker-list localhost:9092 --topic </a:t>
+            </a:r>
+            <a:r>
+              <a:rPr lang="en-US" dirty="0" err="1"/>
+              <a:t>my_topic</a:t>
+            </a:r>
+            <a:r>
+              <a:rPr lang="en-US" dirty="0"/>
+              <a:t> &lt; my_file.txt </a:t>
+            </a:r>
+          </a:p>
+          <a:p>
+            <a:r>
+              <a:rPr lang="en-US" smtClean="0"/>
+              <a:t>This one is for 0.9 and above</a:t>
+            </a:r>
+            <a:endParaRPr lang="en-US" dirty="0"/>
+          </a:p>
+        </p:txBody>
+      </p:sp>
     </p:spTree>
     <p:extLst>
       <p:ext uri="{BB962C8B-B14F-4D97-AF65-F5344CB8AC3E}">
-        <p14:creationId xmlns:p14="http://schemas.microsoft.com/office/powerpoint/2010/main" val="1624797670"/>
-      </p:ext>
-    </p:extLst>
-  </p:cSld>
-  <p:clrMapOvr>
-    <a:masterClrMapping/>
-  </p:clrMapOvr>
-</p:sld>
-</file>
-
-<file path=ppt/slides/slide23.xml><?xml version="1.0" encoding="utf-8"?>
-<p:sld xmlns:a="http://schemas.openxmlformats.org/drawingml/2006/main" xmlns:r="http://schemas.openxmlformats.org/officeDocument/2006/relationships" xmlns:p="http://schemas.openxmlformats.org/presentationml/2006/main">
-  <p:cSld>
-    <p:spTree>
-      <p:nvGrpSpPr>
-        <p:cNvPr id="1" name=""/>
-        <p:cNvGrpSpPr/>
-        <p:nvPr/>
-      </p:nvGrpSpPr>
-      <p:grpSpPr>
-        <a:xfrm>
-          <a:off x="0" y="0"/>
-          <a:ext cx="0" cy="0"/>
-          <a:chOff x="0" y="0"/>
-          <a:chExt cx="0" cy="0"/>
-        </a:xfrm>
-      </p:grpSpPr>
-      <p:sp>
-        <p:nvSpPr>
-          <p:cNvPr id="2" name="Title 1"/>
-          <p:cNvSpPr>
-            <a:spLocks noGrp="1"/>
-          </p:cNvSpPr>
-          <p:nvPr>
-            <p:ph type="title"/>
-          </p:nvPr>
-        </p:nvSpPr>
-        <p:spPr/>
-        <p:txBody>
-          <a:bodyPr/>
-          <a:lstStyle/>
-          <a:p>
-            <a:endParaRPr lang="en-US"/>
-          </a:p>
-        </p:txBody>
-      </p:sp>
-      <p:sp>
-        <p:nvSpPr>
-          <p:cNvPr id="3" name="Content Placeholder 2"/>
-          <p:cNvSpPr>
-            <a:spLocks noGrp="1"/>
-          </p:cNvSpPr>
-          <p:nvPr>
-            <p:ph idx="1"/>
-          </p:nvPr>
-        </p:nvSpPr>
-        <p:spPr/>
-        <p:txBody>
-          <a:bodyPr/>
-          <a:lstStyle/>
-          <a:p>
-            <a:endParaRPr lang="en-US"/>
-          </a:p>
-        </p:txBody>
-      </p:sp>
-      <p:pic>
-        <p:nvPicPr>
-          <p:cNvPr id="4" name="Picture 3"/>
-          <p:cNvPicPr>
-            <a:picLocks noChangeAspect="1"/>
-          </p:cNvPicPr>
-          <p:nvPr/>
-        </p:nvPicPr>
-        <p:blipFill>
-          <a:blip r:embed="rId2"/>
-          <a:stretch>
-            <a:fillRect/>
-          </a:stretch>
-        </p:blipFill>
-        <p:spPr>
-          <a:xfrm>
-            <a:off x="-695325" y="-1133475"/>
-            <a:ext cx="13582650" cy="9124950"/>
-          </a:xfrm>
-          <a:prstGeom prst="rect">
-            <a:avLst/>
-          </a:prstGeom>
-        </p:spPr>
-      </p:pic>
-    </p:spTree>
-    <p:extLst>
-      <p:ext uri="{BB962C8B-B14F-4D97-AF65-F5344CB8AC3E}">
-        <p14:creationId xmlns:p14="http://schemas.microsoft.com/office/powerpoint/2010/main" val="1248592350"/>
-      </p:ext>
-    </p:extLst>
-  </p:cSld>
-  <p:clrMapOvr>
-    <a:masterClrMapping/>
-  </p:clrMapOvr>
-</p:sld>
-</file>
-
-<file path=ppt/slides/slide24.xml><?xml version="1.0" encoding="utf-8"?>
-<p:sld xmlns:a="http://schemas.openxmlformats.org/drawingml/2006/main" xmlns:r="http://schemas.openxmlformats.org/officeDocument/2006/relationships" xmlns:p="http://schemas.openxmlformats.org/presentationml/2006/main">
-  <p:cSld>
-    <p:spTree>
-      <p:nvGrpSpPr>
-        <p:cNvPr id="1" name=""/>
-        <p:cNvGrpSpPr/>
-        <p:nvPr/>
-      </p:nvGrpSpPr>
-      <p:grpSpPr>
-        <a:xfrm>
-          <a:off x="0" y="0"/>
-          <a:ext cx="0" cy="0"/>
-          <a:chOff x="0" y="0"/>
-          <a:chExt cx="0" cy="0"/>
-        </a:xfrm>
-      </p:grpSpPr>
-      <p:sp>
-        <p:nvSpPr>
-          <p:cNvPr id="2" name="Title 1"/>
-          <p:cNvSpPr>
-            <a:spLocks noGrp="1"/>
-          </p:cNvSpPr>
-          <p:nvPr>
-            <p:ph type="title"/>
-          </p:nvPr>
-        </p:nvSpPr>
-        <p:spPr/>
-        <p:txBody>
-          <a:bodyPr/>
-          <a:lstStyle/>
-          <a:p>
-            <a:endParaRPr lang="en-US"/>
-          </a:p>
-        </p:txBody>
-      </p:sp>
-      <p:pic>
-        <p:nvPicPr>
-          <p:cNvPr id="4" name="Content Placeholder 3"/>
-          <p:cNvPicPr>
-            <a:picLocks noGrp="1" noChangeAspect="1"/>
-          </p:cNvPicPr>
-          <p:nvPr>
-            <p:ph idx="1"/>
-          </p:nvPr>
-        </p:nvPicPr>
-        <p:blipFill>
-          <a:blip r:embed="rId2"/>
-          <a:stretch>
-            <a:fillRect/>
-          </a:stretch>
-        </p:blipFill>
-        <p:spPr>
-          <a:xfrm>
-            <a:off x="3191600" y="2160588"/>
-            <a:ext cx="3568838" cy="3881437"/>
-          </a:xfrm>
-          <a:prstGeom prst="rect">
-            <a:avLst/>
-          </a:prstGeom>
-        </p:spPr>
-      </p:pic>
-    </p:spTree>
-    <p:extLst>
-      <p:ext uri="{BB962C8B-B14F-4D97-AF65-F5344CB8AC3E}">
-        <p14:creationId xmlns:p14="http://schemas.microsoft.com/office/powerpoint/2010/main" val="3704133591"/>
+        <p14:creationId xmlns:p14="http://schemas.microsoft.com/office/powerpoint/2010/main" val="2058052735"/>
       </p:ext>
     </p:extLst>
   </p:cSld>
@@ -7853,7 +7693,7 @@
           <a:p>
             <a:r>
               <a:rPr lang="en-US" dirty="0" smtClean="0"/>
-              <a:t>Create topics in </a:t>
+              <a:t>Start </a:t>
             </a:r>
             <a:r>
               <a:rPr lang="en-US" dirty="0" err="1" smtClean="0"/>
@@ -7865,83 +7705,162 @@
       </p:sp>
       <p:sp>
         <p:nvSpPr>
-          <p:cNvPr id="3" name="Content Placeholder 2"/>
-          <p:cNvSpPr>
-            <a:spLocks noGrp="1"/>
+          <p:cNvPr id="4" name="Rectangle 1"/>
+          <p:cNvSpPr>
+            <a:spLocks noGrp="1" noChangeArrowheads="1"/>
           </p:cNvSpPr>
           <p:nvPr>
             <p:ph idx="1"/>
           </p:nvPr>
         </p:nvSpPr>
-        <p:spPr/>
-        <p:txBody>
-          <a:bodyPr/>
-          <a:lstStyle/>
-          <a:p>
-            <a:r>
-              <a:rPr lang="en-US" dirty="0"/>
-              <a:t>./kafka-topics.sh --create --topic zeastest1 --zookeeper 10.6.185.142:2181 --partitions 1 </a:t>
-            </a:r>
-            <a:r>
-              <a:rPr lang="en-US" dirty="0" smtClean="0"/>
-              <a:t>--replication-factor 1</a:t>
-            </a:r>
-          </a:p>
-          <a:p>
-            <a:endParaRPr lang="en-US" dirty="0"/>
-          </a:p>
-          <a:p>
-            <a:pPr lvl="1"/>
-            <a:r>
-              <a:rPr lang="en-US" dirty="0" smtClean="0"/>
-              <a:t>All arguments are required for creating </a:t>
-            </a:r>
-            <a:r>
-              <a:rPr lang="en-US" dirty="0" smtClean="0"/>
-              <a:t>topic</a:t>
-            </a:r>
-          </a:p>
-          <a:p>
-            <a:pPr lvl="1"/>
-            <a:r>
-              <a:rPr lang="en-US" dirty="0" smtClean="0"/>
-              <a:t>While creating topic, partition and replication factor must be defined</a:t>
-            </a:r>
-          </a:p>
-          <a:p>
-            <a:pPr lvl="1"/>
-            <a:r>
-              <a:rPr lang="en-US" dirty="0" smtClean="0"/>
-              <a:t>Replication </a:t>
-            </a:r>
-            <a:r>
-              <a:rPr lang="en-US" dirty="0"/>
-              <a:t>factor </a:t>
-            </a:r>
-            <a:r>
-              <a:rPr lang="en-US" dirty="0" smtClean="0"/>
-              <a:t>is for each partition </a:t>
-            </a:r>
-            <a:r>
-              <a:rPr lang="en-US" dirty="0"/>
-              <a:t>in the topic being </a:t>
-            </a:r>
-            <a:r>
-              <a:rPr lang="en-US" dirty="0" smtClean="0"/>
-              <a:t>created…it can’t be more then no. of broker.</a:t>
-            </a:r>
-            <a:endParaRPr lang="en-US" dirty="0"/>
-          </a:p>
-          <a:p>
-            <a:pPr lvl="1"/>
-            <a:endParaRPr lang="en-US" dirty="0"/>
+        <p:spPr bwMode="auto">
+          <a:xfrm>
+            <a:off x="677334" y="3947087"/>
+            <a:ext cx="4405117" cy="307777"/>
+          </a:xfrm>
+          <a:prstGeom prst="rect">
+            <a:avLst/>
+          </a:prstGeom>
+          <a:noFill/>
+          <a:ln>
+            <a:noFill/>
+          </a:ln>
+          <a:effectLst/>
+          <a:extLst>
+            <a:ext uri="{909E8E84-426E-40DD-AFC4-6F175D3DCCD1}">
+              <a14:hiddenFill xmlns:a14="http://schemas.microsoft.com/office/drawing/2010/main">
+                <a:solidFill>
+                  <a:schemeClr val="accent1"/>
+                </a:solidFill>
+              </a14:hiddenFill>
+            </a:ext>
+            <a:ext uri="{91240B29-F687-4F45-9708-019B960494DF}">
+              <a14:hiddenLine xmlns:a14="http://schemas.microsoft.com/office/drawing/2010/main" w="9525">
+                <a:solidFill>
+                  <a:schemeClr val="tx1"/>
+                </a:solidFill>
+                <a:miter lim="800000"/>
+                <a:headEnd/>
+                <a:tailEnd/>
+              </a14:hiddenLine>
+            </a:ext>
+            <a:ext uri="{AF507438-7753-43E0-B8FC-AC1667EBCBE1}">
+              <a14:hiddenEffects xmlns:a14="http://schemas.microsoft.com/office/drawing/2010/main">
+                <a:effectLst>
+                  <a:outerShdw dist="35921" dir="2700000" algn="ctr" rotWithShape="0">
+                    <a:schemeClr val="bg2"/>
+                  </a:outerShdw>
+                </a:effectLst>
+              </a14:hiddenEffects>
+            </a:ext>
+          </a:extLst>
+        </p:spPr>
+        <p:txBody>
+          <a:bodyPr vert="horz" wrap="none" lIns="91440" tIns="45720" rIns="91440" bIns="45720" numCol="1" anchor="ctr" anchorCtr="0" compatLnSpc="1">
+            <a:prstTxWarp prst="textNoShape">
+              <a:avLst/>
+            </a:prstTxWarp>
+            <a:spAutoFit/>
+          </a:bodyPr>
+          <a:lstStyle/>
+          <a:p>
+            <a:pPr marL="0" marR="0" lvl="0" indent="0" algn="l" defTabSz="914400" rtl="0" eaLnBrk="0" fontAlgn="base" latinLnBrk="0" hangingPunct="0">
+              <a:lnSpc>
+                <a:spcPct val="100000"/>
+              </a:lnSpc>
+              <a:spcBef>
+                <a:spcPct val="0"/>
+              </a:spcBef>
+              <a:spcAft>
+                <a:spcPct val="0"/>
+              </a:spcAft>
+              <a:buClrTx/>
+              <a:buSzTx/>
+              <a:buFontTx/>
+              <a:buNone/>
+              <a:tabLst/>
+            </a:pPr>
+            <a:r>
+              <a:rPr kumimoji="0" lang="en-US" altLang="en-US" sz="1400" b="1" i="0" u="none" strike="noStrike" cap="none" normalizeH="0" baseline="0" dirty="0" smtClean="0">
+                <a:ln>
+                  <a:noFill/>
+                </a:ln>
+                <a:solidFill>
+                  <a:srgbClr val="444444"/>
+                </a:solidFill>
+                <a:effectLst/>
+                <a:latin typeface="Cutive Mono"/>
+              </a:rPr>
+              <a:t>bin/kafka-server-start.sh </a:t>
+            </a:r>
+            <a:r>
+              <a:rPr kumimoji="0" lang="en-US" altLang="en-US" sz="1400" b="1" i="0" u="none" strike="noStrike" cap="none" normalizeH="0" baseline="0" dirty="0" err="1" smtClean="0">
+                <a:ln>
+                  <a:noFill/>
+                </a:ln>
+                <a:solidFill>
+                  <a:srgbClr val="444444"/>
+                </a:solidFill>
+                <a:effectLst/>
+                <a:latin typeface="Cutive Mono"/>
+              </a:rPr>
+              <a:t>config</a:t>
+            </a:r>
+            <a:r>
+              <a:rPr kumimoji="0" lang="en-US" altLang="en-US" sz="1400" b="1" i="0" u="none" strike="noStrike" cap="none" normalizeH="0" baseline="0" dirty="0" smtClean="0">
+                <a:ln>
+                  <a:noFill/>
+                </a:ln>
+                <a:solidFill>
+                  <a:srgbClr val="444444"/>
+                </a:solidFill>
+                <a:effectLst/>
+                <a:latin typeface="Cutive Mono"/>
+              </a:rPr>
+              <a:t>/</a:t>
+            </a:r>
+            <a:r>
+              <a:rPr kumimoji="0" lang="en-US" altLang="en-US" sz="1400" b="1" i="0" u="none" strike="noStrike" cap="none" normalizeH="0" baseline="0" dirty="0" err="1" smtClean="0">
+                <a:ln>
+                  <a:noFill/>
+                </a:ln>
+                <a:solidFill>
+                  <a:srgbClr val="444444"/>
+                </a:solidFill>
+                <a:effectLst/>
+                <a:latin typeface="Cutive Mono"/>
+              </a:rPr>
+              <a:t>server.properties</a:t>
+            </a:r>
+            <a:r>
+              <a:rPr kumimoji="0" lang="en-US" altLang="en-US" sz="1400" b="0" i="0" u="none" strike="noStrike" cap="none" normalizeH="0" baseline="0" dirty="0" smtClean="0">
+                <a:ln>
+                  <a:noFill/>
+                </a:ln>
+                <a:solidFill>
+                  <a:schemeClr val="tx1"/>
+                </a:solidFill>
+                <a:effectLst/>
+              </a:rPr>
+              <a:t> </a:t>
+            </a:r>
+            <a:endParaRPr kumimoji="0" lang="en-US" altLang="en-US" sz="1400" b="0" i="0" u="none" strike="noStrike" cap="none" normalizeH="0" baseline="0" dirty="0" smtClean="0">
+              <a:ln>
+                <a:noFill/>
+              </a:ln>
+              <a:solidFill>
+                <a:schemeClr val="tx1"/>
+              </a:solidFill>
+              <a:effectLst/>
+              <a:latin typeface="Arial" panose="020B0604020202020204" pitchFamily="34" charset="0"/>
+            </a:endParaRPr>
           </a:p>
         </p:txBody>
       </p:sp>
     </p:spTree>
     <p:extLst>
       <p:ext uri="{BB962C8B-B14F-4D97-AF65-F5344CB8AC3E}">
-        <p14:creationId xmlns:p14="http://schemas.microsoft.com/office/powerpoint/2010/main" val="41888124"/>
+        <p14:creationId xmlns:p14="http://schemas.microsoft.com/office/powerpoint/2010/main" val="2015609645"/>
       </p:ext>
     </p:extLst>
   </p:cSld>
@@ -7985,7 +7904,7 @@
           <a:p>
             <a:r>
               <a:rPr lang="en-US" dirty="0" smtClean="0"/>
-              <a:t>List topics in </a:t>
+              <a:t>Create topics in </a:t>
             </a:r>
             <a:r>
               <a:rPr lang="en-US" dirty="0" err="1" smtClean="0"/>
@@ -8012,15 +7931,64 @@
           <a:p>
             <a:r>
               <a:rPr lang="en-US" dirty="0"/>
-              <a:t>./kafka-topics.sh --list --zookeeper 10.6.185.142:2181</a:t>
-            </a:r>
+              <a:t>./kafka-topics.sh --create --topic zeastest1 --zookeeper 10.6.185.142:2181 --partitions 1 </a:t>
+            </a:r>
+            <a:r>
+              <a:rPr lang="en-US" dirty="0" smtClean="0"/>
+              <a:t>--replication-factor 1</a:t>
+            </a:r>
+          </a:p>
+          <a:p>
+            <a:endParaRPr lang="en-US" dirty="0"/>
+          </a:p>
+          <a:p>
+            <a:pPr lvl="1"/>
+            <a:r>
+              <a:rPr lang="en-US" dirty="0" smtClean="0"/>
+              <a:t>All arguments are required for creating topic</a:t>
+            </a:r>
+          </a:p>
+          <a:p>
+            <a:pPr lvl="1"/>
+            <a:r>
+              <a:rPr lang="en-US" dirty="0" smtClean="0"/>
+              <a:t>While creating topic, partition and replication factor must be defined</a:t>
+            </a:r>
+          </a:p>
+          <a:p>
+            <a:pPr lvl="1"/>
+            <a:r>
+              <a:rPr lang="en-US" dirty="0" smtClean="0"/>
+              <a:t>Replication </a:t>
+            </a:r>
+            <a:r>
+              <a:rPr lang="en-US" dirty="0"/>
+              <a:t>factor </a:t>
+            </a:r>
+            <a:r>
+              <a:rPr lang="en-US" dirty="0" smtClean="0"/>
+              <a:t>is for each partition </a:t>
+            </a:r>
+            <a:r>
+              <a:rPr lang="en-US" dirty="0"/>
+              <a:t>in the topic being </a:t>
+            </a:r>
+            <a:r>
+              <a:rPr lang="en-US" dirty="0" smtClean="0"/>
+              <a:t>created…it can’t be more then no. of broker.</a:t>
+            </a:r>
+            <a:endParaRPr lang="en-US" dirty="0"/>
+          </a:p>
+          <a:p>
+            <a:pPr lvl="1"/>
+            <a:endParaRPr lang="en-US" dirty="0"/>
           </a:p>
         </p:txBody>
       </p:sp>
     </p:spTree>
     <p:extLst>
       <p:ext uri="{BB962C8B-B14F-4D97-AF65-F5344CB8AC3E}">
-        <p14:creationId xmlns:p14="http://schemas.microsoft.com/office/powerpoint/2010/main" val="2387029693"/>
+        <p14:creationId xmlns:p14="http://schemas.microsoft.com/office/powerpoint/2010/main" val="41888124"/>
       </p:ext>
     </p:extLst>
   </p:cSld>
@@ -8064,11 +8032,7 @@
           <a:p>
             <a:r>
               <a:rPr lang="en-US" dirty="0" smtClean="0"/>
-              <a:t>List </a:t>
-            </a:r>
-            <a:r>
-              <a:rPr lang="en-US" dirty="0" smtClean="0"/>
-              <a:t>groups in </a:t>
+              <a:t>List topics in </a:t>
             </a:r>
             <a:r>
               <a:rPr lang="en-US" dirty="0" err="1" smtClean="0"/>
@@ -8095,184 +8059,20 @@
           <a:p>
             <a:r>
               <a:rPr lang="en-US" dirty="0"/>
-              <a:t>/usr/hdp/2.4.2.0-258/kafka/bin/kafka-consumer-groups.sh  --list  --zookeeper </a:t>
+              <a:t>./kafka-topics.sh --list --zookeeper </a:t>
             </a:r>
             <a:r>
               <a:rPr lang="en-US" dirty="0" smtClean="0"/>
               <a:t>localhost:2181</a:t>
             </a:r>
-          </a:p>
-          <a:p>
-            <a:r>
-              <a:rPr lang="en-US" dirty="0" smtClean="0"/>
-              <a:t>Details of group</a:t>
-            </a:r>
-          </a:p>
-          <a:p>
-            <a:r>
-              <a:rPr lang="en-US" altLang="en-US" dirty="0">
-                <a:solidFill>
-                  <a:srgbClr val="444444"/>
-                </a:solidFill>
-                <a:latin typeface="Cutive Mono"/>
-              </a:rPr>
-              <a:t>bin/kafka-run-class.sh </a:t>
-            </a:r>
-            <a:r>
-              <a:rPr lang="en-US" altLang="en-US" dirty="0" err="1">
-                <a:solidFill>
-                  <a:srgbClr val="444444"/>
-                </a:solidFill>
-                <a:latin typeface="Cutive Mono"/>
-              </a:rPr>
-              <a:t>kafka.tools.ConsumerOffsetChecker</a:t>
-            </a:r>
-            <a:r>
-              <a:rPr lang="en-US" altLang="en-US" dirty="0">
-                <a:solidFill>
-                  <a:srgbClr val="444444"/>
-                </a:solidFill>
-                <a:latin typeface="Cutive Mono"/>
-              </a:rPr>
-              <a:t> --zookeeper localhost:2181 --group test</a:t>
-            </a:r>
-            <a:r>
-              <a:rPr lang="en-US" altLang="en-US" sz="1400" dirty="0">
-                <a:solidFill>
-                  <a:schemeClr val="tx1"/>
-                </a:solidFill>
-              </a:rPr>
-              <a:t> </a:t>
-            </a:r>
-            <a:endParaRPr lang="en-US" altLang="en-US" sz="4000" dirty="0">
-              <a:solidFill>
-                <a:schemeClr val="tx1"/>
-              </a:solidFill>
-              <a:latin typeface="Arial" panose="020B0604020202020204" pitchFamily="34" charset="0"/>
-            </a:endParaRPr>
-          </a:p>
-          <a:p>
-            <a:endParaRPr lang="en-US" dirty="0" smtClean="0"/>
-          </a:p>
-          <a:p>
-            <a:endParaRPr lang="en-US" dirty="0"/>
-          </a:p>
-          <a:p>
-            <a:r>
-              <a:rPr lang="en-US" dirty="0"/>
-              <a:t>Every topic partition in Kafka is replicated </a:t>
-            </a:r>
-            <a:r>
-              <a:rPr lang="en-US" i="1" dirty="0"/>
-              <a:t>n</a:t>
-            </a:r>
-            <a:r>
-              <a:rPr lang="en-US" dirty="0"/>
-              <a:t> times, where </a:t>
-            </a:r>
-            <a:r>
-              <a:rPr lang="en-US" i="1" dirty="0"/>
-              <a:t>n</a:t>
-            </a:r>
-            <a:r>
-              <a:rPr lang="en-US" dirty="0"/>
-              <a:t> is the replication factor of the topic</a:t>
-            </a:r>
-          </a:p>
-        </p:txBody>
-      </p:sp>
-      <p:sp>
-        <p:nvSpPr>
-          <p:cNvPr id="4" name="Rectangle 1"/>
-          <p:cNvSpPr>
-            <a:spLocks noChangeArrowheads="1"/>
-          </p:cNvSpPr>
-          <p:nvPr/>
-        </p:nvSpPr>
-        <p:spPr bwMode="auto">
-          <a:xfrm>
-            <a:off x="0" y="43934"/>
-            <a:ext cx="184731" cy="369332"/>
-          </a:xfrm>
-          <a:prstGeom prst="rect">
-            <a:avLst/>
-          </a:prstGeom>
-          <a:noFill/>
-          <a:ln>
-            <a:noFill/>
-          </a:ln>
-          <a:effectLst/>
-          <a:extLst>
-            <a:ext uri="{909E8E84-426E-40DD-AFC4-6F175D3DCCD1}">
-              <a14:hiddenFill xmlns:a14="http://schemas.microsoft.com/office/drawing/2010/main">
-                <a:solidFill>
-                  <a:schemeClr val="accent1"/>
-                </a:solidFill>
-              </a14:hiddenFill>
-            </a:ext>
-            <a:ext uri="{91240B29-F687-4F45-9708-019B960494DF}">
-              <a14:hiddenLine xmlns:a14="http://schemas.microsoft.com/office/drawing/2010/main" w="9525">
-                <a:solidFill>
-                  <a:schemeClr val="tx1"/>
-                </a:solidFill>
-                <a:miter lim="800000"/>
-                <a:headEnd/>
-                <a:tailEnd/>
-              </a14:hiddenLine>
-            </a:ext>
-            <a:ext uri="{AF507438-7753-43E0-B8FC-AC1667EBCBE1}">
-              <a14:hiddenEffects xmlns:a14="http://schemas.microsoft.com/office/drawing/2010/main">
-                <a:effectLst>
-                  <a:outerShdw dist="35921" dir="2700000" algn="ctr" rotWithShape="0">
-                    <a:schemeClr val="bg2"/>
-                  </a:outerShdw>
-                </a:effectLst>
-              </a14:hiddenEffects>
-            </a:ext>
-          </a:extLst>
-        </p:spPr>
-        <p:txBody>
-          <a:bodyPr vert="horz" wrap="none" lIns="91440" tIns="45720" rIns="91440" bIns="45720" numCol="1" anchor="ctr" anchorCtr="0" compatLnSpc="1">
-            <a:prstTxWarp prst="textNoShape">
-              <a:avLst/>
-            </a:prstTxWarp>
-            <a:spAutoFit/>
-          </a:bodyPr>
-          <a:lstStyle/>
-          <a:p>
-            <a:pPr marL="0" marR="0" lvl="0" indent="0" algn="l" defTabSz="914400" rtl="0" eaLnBrk="0" fontAlgn="base" latinLnBrk="0" hangingPunct="0">
-              <a:lnSpc>
-                <a:spcPct val="100000"/>
-              </a:lnSpc>
-              <a:spcBef>
-                <a:spcPct val="0"/>
-              </a:spcBef>
-              <a:spcAft>
-                <a:spcPct val="0"/>
-              </a:spcAft>
-              <a:buClrTx/>
-              <a:buSzTx/>
-              <a:buFontTx/>
-              <a:buNone/>
-              <a:tabLst/>
-            </a:pPr>
-            <a:endParaRPr kumimoji="0" lang="en-US" altLang="en-US" sz="1800" b="0" i="0" u="none" strike="noStrike" cap="none" normalizeH="0" baseline="0" dirty="0" smtClean="0">
-              <a:ln>
-                <a:noFill/>
-              </a:ln>
-              <a:solidFill>
-                <a:schemeClr val="tx1"/>
-              </a:solidFill>
-              <a:effectLst/>
-              <a:latin typeface="Arial" panose="020B0604020202020204" pitchFamily="34" charset="0"/>
-            </a:endParaRPr>
+            <a:endParaRPr lang="en-US" dirty="0"/>
           </a:p>
         </p:txBody>
       </p:sp>
     </p:spTree>
     <p:extLst>
       <p:ext uri="{BB962C8B-B14F-4D97-AF65-F5344CB8AC3E}">
-        <p14:creationId xmlns:p14="http://schemas.microsoft.com/office/powerpoint/2010/main" val="1792453745"/>
+        <p14:creationId xmlns:p14="http://schemas.microsoft.com/office/powerpoint/2010/main" val="2387029693"/>
       </p:ext>
     </p:extLst>
   </p:cSld>
@@ -8316,7 +8116,11 @@
           <a:p>
             <a:r>
               <a:rPr lang="en-US" dirty="0" smtClean="0"/>
-              <a:t>Produce message using console</a:t>
+              <a:t>List groups in </a:t>
+            </a:r>
+            <a:r>
+              <a:rPr lang="en-US" dirty="0" err="1" smtClean="0"/>
+              <a:t>kafka</a:t>
             </a:r>
             <a:endParaRPr lang="en-US" dirty="0"/>
           </a:p>
@@ -8338,79 +8142,189 @@
           <a:lstStyle/>
           <a:p>
             <a:r>
-              <a:rPr lang="en-US" dirty="0"/>
-              <a:t>./kafka-console-producer.sh  --topic </a:t>
-            </a:r>
-            <a:r>
               <a:rPr lang="en-US" dirty="0" smtClean="0"/>
-              <a:t>zeastest1 </a:t>
-            </a:r>
-            <a:r>
-              <a:rPr lang="en-US" dirty="0"/>
-              <a:t>--broker-list </a:t>
+              <a:t>$KAFKA_HOME/bin/kafka-consumer-groups.sh  --</a:t>
+            </a:r>
+            <a:r>
+              <a:rPr lang="en-US" dirty="0"/>
+              <a:t>list  --zookeeper </a:t>
             </a:r>
             <a:r>
               <a:rPr lang="en-US" dirty="0" smtClean="0"/>
-              <a:t>10.6.185.142:6667</a:t>
-            </a:r>
-          </a:p>
-          <a:p>
-            <a:endParaRPr lang="en-US" dirty="0"/>
-          </a:p>
-          <a:p>
-            <a:pPr lvl="1"/>
+              <a:t>localhost:2181</a:t>
+            </a:r>
+          </a:p>
+          <a:p>
             <a:r>
               <a:rPr lang="en-US" dirty="0" smtClean="0"/>
-              <a:t>If you </a:t>
-            </a:r>
-            <a:r>
-              <a:rPr lang="en-US" dirty="0"/>
-              <a:t>are getting </a:t>
-            </a:r>
-            <a:r>
-              <a:rPr lang="en-US" dirty="0" err="1" smtClean="0">
-                <a:solidFill>
-                  <a:srgbClr val="FF0000"/>
-                </a:solidFill>
+              <a:t>Details of group</a:t>
+            </a:r>
+          </a:p>
+          <a:p>
+            <a:r>
+              <a:rPr lang="en-US" dirty="0"/>
+              <a:t>$</a:t>
+            </a:r>
+            <a:r>
+              <a:rPr lang="en-US" dirty="0" smtClean="0"/>
+              <a:t>KAFKA_HOME/</a:t>
+            </a:r>
+            <a:r>
+              <a:rPr lang="en-US" altLang="en-US" dirty="0" smtClean="0">
+                <a:solidFill>
+                  <a:srgbClr val="444444"/>
+                </a:solidFill>
+                <a:latin typeface="Cutive Mono"/>
               </a:rPr>
-              <a:t>java.nio.channels.ClosedChannelException</a:t>
-            </a:r>
-            <a:endParaRPr lang="en-US" dirty="0" smtClean="0">
+              <a:t>bin/kafka-run-class.sh </a:t>
+            </a:r>
+            <a:r>
+              <a:rPr lang="en-US" altLang="en-US" dirty="0" err="1">
+                <a:solidFill>
+                  <a:srgbClr val="444444"/>
+                </a:solidFill>
+                <a:latin typeface="Cutive Mono"/>
+              </a:rPr>
+              <a:t>kafka.tools.ConsumerOffsetChecker</a:t>
+            </a:r>
+            <a:r>
+              <a:rPr lang="en-US" altLang="en-US" dirty="0">
+                <a:solidFill>
+                  <a:srgbClr val="444444"/>
+                </a:solidFill>
+                <a:latin typeface="Cutive Mono"/>
+              </a:rPr>
+              <a:t> --zookeeper localhost:2181 --group test</a:t>
+            </a:r>
+            <a:r>
+              <a:rPr lang="en-US" altLang="en-US" sz="1400" dirty="0">
+                <a:solidFill>
+                  <a:schemeClr val="tx1"/>
+                </a:solidFill>
+              </a:rPr>
+              <a:t> </a:t>
+            </a:r>
+            <a:endParaRPr lang="en-US" altLang="en-US" sz="4000" dirty="0">
               <a:solidFill>
-                <a:srgbClr val="FF0000"/>
+                <a:schemeClr val="tx1"/>
               </a:solidFill>
+              <a:latin typeface="Arial" panose="020B0604020202020204" pitchFamily="34" charset="0"/>
             </a:endParaRPr>
           </a:p>
           <a:p>
-            <a:pPr lvl="2"/>
-            <a:r>
-              <a:rPr lang="en-US" dirty="0" smtClean="0">
-                <a:solidFill>
-                  <a:srgbClr val="FF0000"/>
-                </a:solidFill>
-              </a:rPr>
-              <a:t>Change localhost to </a:t>
-            </a:r>
-            <a:r>
-              <a:rPr lang="en-US" dirty="0" err="1" smtClean="0">
-                <a:solidFill>
-                  <a:srgbClr val="FF0000"/>
-                </a:solidFill>
-              </a:rPr>
-              <a:t>ip</a:t>
-            </a:r>
-            <a:r>
-              <a:rPr lang="en-US" dirty="0" smtClean="0">
-                <a:solidFill>
-                  <a:srgbClr val="FF0000"/>
-                </a:solidFill>
-              </a:rPr>
-              <a:t>-address in broker-list</a:t>
-            </a:r>
-            <a:endParaRPr lang="en-US" dirty="0">
+            <a:endParaRPr lang="en-US" dirty="0" smtClean="0"/>
+          </a:p>
+          <a:p>
+            <a:endParaRPr lang="en-US" dirty="0"/>
+          </a:p>
+          <a:p>
+            <a:r>
+              <a:rPr lang="en-US" dirty="0"/>
+              <a:t>Every topic partition in Kafka is replicated </a:t>
+            </a:r>
+            <a:r>
+              <a:rPr lang="en-US" i="1" dirty="0"/>
+              <a:t>n</a:t>
+            </a:r>
+            <a:r>
+              <a:rPr lang="en-US" dirty="0"/>
+              <a:t> times, where </a:t>
+            </a:r>
+            <a:r>
+              <a:rPr lang="en-US" i="1" dirty="0"/>
+              <a:t>n</a:t>
+            </a:r>
+            <a:r>
+              <a:rPr lang="en-US" dirty="0"/>
+              <a:t> is the replication factor of the topic</a:t>
+            </a:r>
+          </a:p>
+        </p:txBody>
+      </p:sp>
+      <p:sp>
+        <p:nvSpPr>
+          <p:cNvPr id="4" name="Rectangle 1"/>
+          <p:cNvSpPr>
+            <a:spLocks noChangeArrowheads="1"/>
+          </p:cNvSpPr>
+          <p:nvPr/>
+        </p:nvSpPr>
+        <p:spPr bwMode="auto">
+          <a:xfrm>
+            <a:off x="0" y="43934"/>
+            <a:ext cx="184731" cy="369332"/>
+          </a:xfrm>
+          <a:prstGeom prst="rect">
+            <a:avLst/>
+          </a:prstGeom>
+          <a:noFill/>
+          <a:ln>
+            <a:noFill/>
+          </a:ln>
+          <a:effectLst/>
+          <a:extLst>
+            <a:ext uri="{909E8E84-426E-40DD-AFC4-6F175D3DCCD1}">
+              <a14:hiddenFill xmlns:a14="http://schemas.microsoft.com/office/drawing/2010/main">
+                <a:solidFill>
+                  <a:schemeClr val="accent1"/>
+                </a:solidFill>
+              </a14:hiddenFill>
+            </a:ext>
+            <a:ext uri="{91240B29-F687-4F45-9708-019B960494DF}">
+              <a14:hiddenLine xmlns:a14="http://schemas.microsoft.com/office/drawing/2010/main" w="9525">
+                <a:solidFill>
+                  <a:schemeClr val="tx1"/>
+                </a:solidFill>
+                <a:miter lim="800000"/>
+                <a:headEnd/>
+                <a:tailEnd/>
+              </a14:hiddenLine>
+            </a:ext>
+            <a:ext uri="{AF507438-7753-43E0-B8FC-AC1667EBCBE1}">
+              <a14:hiddenEffects xmlns:a14="http://schemas.microsoft.com/office/drawing/2010/main">
+                <a:effectLst>
+                  <a:outerShdw dist="35921" dir="2700000" algn="ctr" rotWithShape="0">
+                    <a:schemeClr val="bg2"/>
+                  </a:outerShdw>
+                </a:effectLst>
+              </a14:hiddenEffects>
+            </a:ext>
+          </a:extLst>
+        </p:spPr>
+        <p:txBody>
+          <a:bodyPr vert="horz" wrap="none" lIns="91440" tIns="45720" rIns="91440" bIns="45720" numCol="1" anchor="ctr" anchorCtr="0" compatLnSpc="1">
+            <a:prstTxWarp prst="textNoShape">
+              <a:avLst/>
+            </a:prstTxWarp>
+            <a:spAutoFit/>
+          </a:bodyPr>
+          <a:lstStyle/>
+          <a:p>
+            <a:pPr marL="0" marR="0" lvl="0" indent="0" algn="l" defTabSz="914400" rtl="0" eaLnBrk="0" fontAlgn="base" latinLnBrk="0" hangingPunct="0">
+              <a:lnSpc>
+                <a:spcPct val="100000"/>
+              </a:lnSpc>
+              <a:spcBef>
+                <a:spcPct val="0"/>
+              </a:spcBef>
+              <a:spcAft>
+                <a:spcPct val="0"/>
+              </a:spcAft>
+              <a:buClrTx/>
+              <a:buSzTx/>
+              <a:buFontTx/>
+              <a:buNone/>
+              <a:tabLst/>
+            </a:pPr>
+            <a:endParaRPr kumimoji="0" lang="en-US" altLang="en-US" sz="1800" b="0" i="0" u="none" strike="noStrike" cap="none" normalizeH="0" baseline="0" dirty="0" smtClean="0">
+              <a:ln>
+                <a:noFill/>
+              </a:ln>
               <a:solidFill>
-                <a:srgbClr val="FF0000"/>
+                <a:schemeClr val="tx1"/>
               </a:solidFill>
+              <a:effectLst/>
+              <a:latin typeface="Arial" panose="020B0604020202020204" pitchFamily="34" charset="0"/>
             </a:endParaRPr>
           </a:p>
         </p:txBody>
@@ -8418,7 +8332,7 @@
     </p:spTree>
     <p:extLst>
       <p:ext uri="{BB962C8B-B14F-4D97-AF65-F5344CB8AC3E}">
-        <p14:creationId xmlns:p14="http://schemas.microsoft.com/office/powerpoint/2010/main" val="4051168919"/>
+        <p14:creationId xmlns:p14="http://schemas.microsoft.com/office/powerpoint/2010/main" val="1792453745"/>
       </p:ext>
     </p:extLst>
   </p:cSld>
@@ -8462,12 +8376,9 @@
           <a:p>
             <a:r>
               <a:rPr lang="en-US" dirty="0" smtClean="0"/>
-              <a:t>Consume message </a:t>
-            </a:r>
-            <a:r>
-              <a:rPr lang="en-US" dirty="0"/>
-              <a:t>using console</a:t>
-            </a:r>
+              <a:t>Produce message using console</a:t>
+            </a:r>
+            <a:endParaRPr lang="en-US" dirty="0"/>
           </a:p>
         </p:txBody>
       </p:sp>
@@ -8488,15 +8399,86 @@
           <a:p>
             <a:r>
               <a:rPr lang="en-US" dirty="0"/>
-              <a:t>./kafka-console-consumer.sh  --topic zeastest1 --zookeeper 10.6.185.142:2181</a:t>
-            </a:r>
+              <a:t>./kafka-console-producer.sh  --topic </a:t>
+            </a:r>
+            <a:r>
+              <a:rPr lang="en-US" dirty="0" smtClean="0"/>
+              <a:t>zeastest1 </a:t>
+            </a:r>
+            <a:r>
+              <a:rPr lang="en-US" dirty="0"/>
+              <a:t>--broker-list </a:t>
+            </a:r>
+            <a:r>
+              <a:rPr lang="en-US" dirty="0" smtClean="0"/>
+              <a:t>10.6.185.142:6667</a:t>
+            </a:r>
+          </a:p>
+          <a:p>
+            <a:endParaRPr lang="en-US" dirty="0"/>
+          </a:p>
+          <a:p>
+            <a:pPr lvl="1"/>
+            <a:r>
+              <a:rPr lang="en-US" dirty="0" smtClean="0"/>
+              <a:t>If you </a:t>
+            </a:r>
+            <a:r>
+              <a:rPr lang="en-US" dirty="0"/>
+              <a:t>are getting </a:t>
+            </a:r>
+            <a:r>
+              <a:rPr lang="en-US" dirty="0" err="1" smtClean="0">
+                <a:solidFill>
+                  <a:srgbClr val="FF0000"/>
+                </a:solidFill>
+              </a:rPr>
+              <a:t>java.nio.channels.ClosedChannelException</a:t>
+            </a:r>
+            <a:endParaRPr lang="en-US" dirty="0" smtClean="0">
+              <a:solidFill>
+                <a:srgbClr val="FF0000"/>
+              </a:solidFill>
+            </a:endParaRPr>
+          </a:p>
+          <a:p>
+            <a:pPr lvl="2"/>
+            <a:r>
+              <a:rPr lang="en-US" dirty="0" smtClean="0">
+                <a:solidFill>
+                  <a:srgbClr val="FF0000"/>
+                </a:solidFill>
+              </a:rPr>
+              <a:t>Change localhost to </a:t>
+            </a:r>
+            <a:r>
+              <a:rPr lang="en-US" dirty="0" err="1" smtClean="0">
+                <a:solidFill>
+                  <a:srgbClr val="FF0000"/>
+                </a:solidFill>
+              </a:rPr>
+              <a:t>ip</a:t>
+            </a:r>
+            <a:r>
+              <a:rPr lang="en-US" dirty="0" smtClean="0">
+                <a:solidFill>
+                  <a:srgbClr val="FF0000"/>
+                </a:solidFill>
+              </a:rPr>
+              <a:t>-address in broker-list</a:t>
+            </a:r>
+            <a:endParaRPr lang="en-US" dirty="0">
+              <a:solidFill>
+                <a:srgbClr val="FF0000"/>
+              </a:solidFill>
+            </a:endParaRPr>
           </a:p>
         </p:txBody>
       </p:sp>
     </p:spTree>
     <p:extLst>
       <p:ext uri="{BB962C8B-B14F-4D97-AF65-F5344CB8AC3E}">
-        <p14:creationId xmlns:p14="http://schemas.microsoft.com/office/powerpoint/2010/main" val="765813231"/>
+        <p14:creationId xmlns:p14="http://schemas.microsoft.com/office/powerpoint/2010/main" val="4051168919"/>
       </p:ext>
     </p:extLst>
   </p:cSld>
@@ -8540,9 +8522,12 @@
           <a:p>
             <a:r>
               <a:rPr lang="en-US" dirty="0" smtClean="0"/>
-              <a:t>Error faced	</a:t>
-            </a:r>
-            <a:endParaRPr lang="en-US" dirty="0"/>
+              <a:t>Consume message </a:t>
+            </a:r>
+            <a:r>
+              <a:rPr lang="en-US" dirty="0"/>
+              <a:t>using console</a:t>
+            </a:r>
           </a:p>
         </p:txBody>
       </p:sp>
@@ -8562,16 +8547,24 @@
           <a:lstStyle/>
           <a:p>
             <a:r>
+              <a:rPr lang="en-US" dirty="0"/>
+              <a:t>./kafka-console-consumer.sh  --topic </a:t>
+            </a:r>
+            <a:r>
+              <a:rPr lang="en-US" dirty="0" err="1" smtClean="0"/>
+              <a:t>abc</a:t>
+            </a:r>
+            <a:r>
               <a:rPr lang="en-US" dirty="0" smtClean="0"/>
-              <a:t>If some properties are not defined by default, set it using Properties(talking of java </a:t>
-            </a:r>
-            <a:r>
-              <a:rPr lang="en-US" dirty="0" err="1" smtClean="0"/>
-              <a:t>api</a:t>
+              <a:t> </a:t>
+            </a:r>
+            <a:r>
+              <a:rPr lang="en-US" dirty="0"/>
+              <a:t>--zookeeper </a:t>
             </a:r>
             <a:r>
               <a:rPr lang="en-US" dirty="0" smtClean="0"/>
-              <a:t>)</a:t>
+              <a:t>localhost:2181</a:t>
             </a:r>
             <a:endParaRPr lang="en-US" dirty="0"/>
           </a:p>
@@ -8580,7 +8573,7 @@
     </p:spTree>
     <p:extLst>
       <p:ext uri="{BB962C8B-B14F-4D97-AF65-F5344CB8AC3E}">
-        <p14:creationId xmlns:p14="http://schemas.microsoft.com/office/powerpoint/2010/main" val="273951240"/>
+        <p14:creationId xmlns:p14="http://schemas.microsoft.com/office/powerpoint/2010/main" val="765813231"/>
       </p:ext>
     </p:extLst>
   </p:cSld>
